--- a/image/Plots.pptx
+++ b/image/Plots.pptx
@@ -10,8 +10,11 @@
     <p:sldId id="260" r:id="rId4"/>
     <p:sldId id="258" r:id="rId5"/>
     <p:sldId id="259" r:id="rId6"/>
-    <p:sldId id="262" r:id="rId7"/>
+    <p:sldId id="263" r:id="rId7"/>
     <p:sldId id="261" r:id="rId8"/>
+    <p:sldId id="264" r:id="rId9"/>
+    <p:sldId id="265" r:id="rId10"/>
+    <p:sldId id="266" r:id="rId11"/>
   </p:sldIdLst>
   <p:sldSz cx="12192000" cy="6858000"/>
   <p:notesSz cx="6858000" cy="9144000"/>
@@ -3395,6 +3398,116 @@
 </p:sld>
 </file>
 
+<file path=ppt/slides/slide10.xml><?xml version="1.0" encoding="utf-8"?>
+<p:sld xmlns:a="http://schemas.openxmlformats.org/drawingml/2006/main" xmlns:r="http://schemas.openxmlformats.org/officeDocument/2006/relationships" xmlns:p="http://schemas.openxmlformats.org/presentationml/2006/main">
+  <p:cSld>
+    <p:spTree>
+      <p:nvGrpSpPr>
+        <p:cNvPr id="1" name=""/>
+        <p:cNvGrpSpPr/>
+        <p:nvPr/>
+      </p:nvGrpSpPr>
+      <p:grpSpPr>
+        <a:xfrm>
+          <a:off x="0" y="0"/>
+          <a:ext cx="0" cy="0"/>
+          <a:chOff x="0" y="0"/>
+          <a:chExt cx="0" cy="0"/>
+        </a:xfrm>
+      </p:grpSpPr>
+      <p:sp>
+        <p:nvSpPr>
+          <p:cNvPr id="2" name="Title 1">
+            <a:extLst>
+              <a:ext uri="{FF2B5EF4-FFF2-40B4-BE49-F238E27FC236}">
+                <a16:creationId xmlns:a16="http://schemas.microsoft.com/office/drawing/2014/main" id="{49DB848F-695B-48FE-9999-FFD65A897592}"/>
+              </a:ext>
+            </a:extLst>
+          </p:cNvPr>
+          <p:cNvSpPr>
+            <a:spLocks noGrp="1"/>
+          </p:cNvSpPr>
+          <p:nvPr>
+            <p:ph type="title"/>
+          </p:nvPr>
+        </p:nvSpPr>
+        <p:spPr/>
+        <p:txBody>
+          <a:bodyPr/>
+          <a:lstStyle/>
+          <a:p>
+            <a:endParaRPr lang="en-US"/>
+          </a:p>
+        </p:txBody>
+      </p:sp>
+      <p:sp>
+        <p:nvSpPr>
+          <p:cNvPr id="5" name="Content Placeholder 4">
+            <a:extLst>
+              <a:ext uri="{FF2B5EF4-FFF2-40B4-BE49-F238E27FC236}">
+                <a16:creationId xmlns:a16="http://schemas.microsoft.com/office/drawing/2014/main" id="{6CDC6CDD-BA15-4708-AFAE-D663B0134D2E}"/>
+              </a:ext>
+            </a:extLst>
+          </p:cNvPr>
+          <p:cNvSpPr>
+            <a:spLocks noGrp="1"/>
+          </p:cNvSpPr>
+          <p:nvPr>
+            <p:ph idx="1"/>
+          </p:nvPr>
+        </p:nvSpPr>
+        <p:spPr/>
+        <p:txBody>
+          <a:bodyPr/>
+          <a:lstStyle/>
+          <a:p>
+            <a:endParaRPr lang="en-US"/>
+          </a:p>
+        </p:txBody>
+      </p:sp>
+      <p:pic>
+        <p:nvPicPr>
+          <p:cNvPr id="9" name="Picture 8">
+            <a:extLst>
+              <a:ext uri="{FF2B5EF4-FFF2-40B4-BE49-F238E27FC236}">
+                <a16:creationId xmlns:a16="http://schemas.microsoft.com/office/drawing/2014/main" id="{9ACA9FCC-3E29-4500-8205-A1C8E29D33BA}"/>
+              </a:ext>
+            </a:extLst>
+          </p:cNvPr>
+          <p:cNvPicPr>
+            <a:picLocks noChangeAspect="1"/>
+          </p:cNvPicPr>
+          <p:nvPr/>
+        </p:nvPicPr>
+        <p:blipFill>
+          <a:blip r:embed="rId2"/>
+          <a:stretch>
+            <a:fillRect/>
+          </a:stretch>
+        </p:blipFill>
+        <p:spPr>
+          <a:xfrm>
+            <a:off x="0" y="1499094"/>
+            <a:ext cx="12192000" cy="3859812"/>
+          </a:xfrm>
+          <a:prstGeom prst="rect">
+            <a:avLst/>
+          </a:prstGeom>
+        </p:spPr>
+      </p:pic>
+    </p:spTree>
+    <p:extLst>
+      <p:ext uri="{BB962C8B-B14F-4D97-AF65-F5344CB8AC3E}">
+        <p14:creationId xmlns:p14="http://schemas.microsoft.com/office/powerpoint/2010/main" val="201413972"/>
+      </p:ext>
+    </p:extLst>
+  </p:cSld>
+  <p:clrMapOvr>
+    <a:masterClrMapping/>
+  </p:clrMapOvr>
+</p:sld>
+</file>
+
 <file path=ppt/slides/slide2.xml><?xml version="1.0" encoding="utf-8"?>
 <p:sld xmlns:a="http://schemas.openxmlformats.org/drawingml/2006/main" xmlns:r="http://schemas.openxmlformats.org/officeDocument/2006/relationships" xmlns:p="http://schemas.openxmlformats.org/presentationml/2006/main">
   <p:cSld>
@@ -3844,13 +3957,13 @@
           <p:nvPr>
             <p:extLst>
               <p:ext uri="{D42A27DB-BD31-4B8C-83A1-F6EECF244321}">
-                <p14:modId xmlns:p14="http://schemas.microsoft.com/office/powerpoint/2010/main" val="254782679"/>
+                <p14:modId xmlns:p14="http://schemas.microsoft.com/office/powerpoint/2010/main" val="1341698216"/>
               </p:ext>
             </p:extLst>
           </p:nvPr>
         </p:nvGraphicFramePr>
         <p:xfrm>
-          <a:off x="1371601" y="2908302"/>
+          <a:off x="-81062" y="2908302"/>
           <a:ext cx="3657599" cy="1854200"/>
         </p:xfrm>
         <a:graphic>
@@ -6229,13 +6342,13 @@
           <p:nvPr>
             <p:extLst>
               <p:ext uri="{D42A27DB-BD31-4B8C-83A1-F6EECF244321}">
-                <p14:modId xmlns:p14="http://schemas.microsoft.com/office/powerpoint/2010/main" val="1307469820"/>
+                <p14:modId xmlns:p14="http://schemas.microsoft.com/office/powerpoint/2010/main" val="1015359888"/>
               </p:ext>
             </p:extLst>
           </p:nvPr>
         </p:nvGraphicFramePr>
         <p:xfrm>
-          <a:off x="5477530" y="2908302"/>
+          <a:off x="4024867" y="2908302"/>
           <a:ext cx="2743200" cy="1854200"/>
         </p:xfrm>
         <a:graphic>
@@ -8368,7 +8481,7 @@
         </p:blipFill>
         <p:spPr>
           <a:xfrm>
-            <a:off x="1696205" y="0"/>
+            <a:off x="243542" y="0"/>
             <a:ext cx="6665990" cy="2810256"/>
           </a:xfrm>
           <a:prstGeom prst="rect">
@@ -8403,8 +8516,4332 @@
         </p:blipFill>
         <p:spPr>
           <a:xfrm>
-            <a:off x="1696205" y="4762502"/>
+            <a:off x="243542" y="4762502"/>
             <a:ext cx="6665990" cy="1286264"/>
+          </a:xfrm>
+          <a:prstGeom prst="rect">
+            <a:avLst/>
+          </a:prstGeom>
+        </p:spPr>
+      </p:pic>
+      <p:graphicFrame>
+        <p:nvGraphicFramePr>
+          <p:cNvPr id="16" name="Table 15">
+            <a:extLst>
+              <a:ext uri="{FF2B5EF4-FFF2-40B4-BE49-F238E27FC236}">
+                <a16:creationId xmlns:a16="http://schemas.microsoft.com/office/drawing/2014/main" id="{45D3E780-532E-429C-86AC-4D1BD047C8DA}"/>
+              </a:ext>
+            </a:extLst>
+          </p:cNvPr>
+          <p:cNvGraphicFramePr>
+            <a:graphicFrameLocks noGrp="1"/>
+          </p:cNvGraphicFramePr>
+          <p:nvPr>
+            <p:extLst>
+              <p:ext uri="{D42A27DB-BD31-4B8C-83A1-F6EECF244321}">
+                <p14:modId xmlns:p14="http://schemas.microsoft.com/office/powerpoint/2010/main" val="4113037424"/>
+              </p:ext>
+            </p:extLst>
+          </p:nvPr>
+        </p:nvGraphicFramePr>
+        <p:xfrm>
+          <a:off x="10385315" y="2916937"/>
+          <a:ext cx="2743200" cy="1854200"/>
+        </p:xfrm>
+        <a:graphic>
+          <a:graphicData uri="http://schemas.openxmlformats.org/drawingml/2006/table">
+            <a:tbl>
+              <a:tblPr firstRow="1" bandRow="1">
+                <a:tableStyleId>{2D5ABB26-0587-4C30-8999-92F81FD0307C}</a:tableStyleId>
+              </a:tblPr>
+              <a:tblGrid>
+                <a:gridCol w="342900">
+                  <a:extLst>
+                    <a:ext uri="{9D8B030D-6E8A-4147-A177-3AD203B41FA5}">
+                      <a16:colId xmlns:a16="http://schemas.microsoft.com/office/drawing/2014/main" val="268587546"/>
+                    </a:ext>
+                  </a:extLst>
+                </a:gridCol>
+                <a:gridCol w="342900">
+                  <a:extLst>
+                    <a:ext uri="{9D8B030D-6E8A-4147-A177-3AD203B41FA5}">
+                      <a16:colId xmlns:a16="http://schemas.microsoft.com/office/drawing/2014/main" val="2515713207"/>
+                    </a:ext>
+                  </a:extLst>
+                </a:gridCol>
+                <a:gridCol w="342900">
+                  <a:extLst>
+                    <a:ext uri="{9D8B030D-6E8A-4147-A177-3AD203B41FA5}">
+                      <a16:colId xmlns:a16="http://schemas.microsoft.com/office/drawing/2014/main" val="847954845"/>
+                    </a:ext>
+                  </a:extLst>
+                </a:gridCol>
+                <a:gridCol w="342900">
+                  <a:extLst>
+                    <a:ext uri="{9D8B030D-6E8A-4147-A177-3AD203B41FA5}">
+                      <a16:colId xmlns:a16="http://schemas.microsoft.com/office/drawing/2014/main" val="3543158653"/>
+                    </a:ext>
+                  </a:extLst>
+                </a:gridCol>
+                <a:gridCol w="342900">
+                  <a:extLst>
+                    <a:ext uri="{9D8B030D-6E8A-4147-A177-3AD203B41FA5}">
+                      <a16:colId xmlns:a16="http://schemas.microsoft.com/office/drawing/2014/main" val="3153181402"/>
+                    </a:ext>
+                  </a:extLst>
+                </a:gridCol>
+                <a:gridCol w="342900">
+                  <a:extLst>
+                    <a:ext uri="{9D8B030D-6E8A-4147-A177-3AD203B41FA5}">
+                      <a16:colId xmlns:a16="http://schemas.microsoft.com/office/drawing/2014/main" val="940790349"/>
+                    </a:ext>
+                  </a:extLst>
+                </a:gridCol>
+                <a:gridCol w="342900">
+                  <a:extLst>
+                    <a:ext uri="{9D8B030D-6E8A-4147-A177-3AD203B41FA5}">
+                      <a16:colId xmlns:a16="http://schemas.microsoft.com/office/drawing/2014/main" val="3814304294"/>
+                    </a:ext>
+                  </a:extLst>
+                </a:gridCol>
+                <a:gridCol w="342900">
+                  <a:extLst>
+                    <a:ext uri="{9D8B030D-6E8A-4147-A177-3AD203B41FA5}">
+                      <a16:colId xmlns:a16="http://schemas.microsoft.com/office/drawing/2014/main" val="595748247"/>
+                    </a:ext>
+                  </a:extLst>
+                </a:gridCol>
+              </a:tblGrid>
+              <a:tr h="370840">
+                <a:tc>
+                  <a:txBody>
+                    <a:bodyPr/>
+                    <a:lstStyle/>
+                    <a:p>
+                      <a:r>
+                        <a:rPr lang="en-US" dirty="0"/>
+                        <a:t>N</a:t>
+                      </a:r>
+                    </a:p>
+                  </a:txBody>
+                  <a:tcPr>
+                    <a:lnL w="12700" cap="flat" cmpd="sng" algn="ctr">
+                      <a:noFill/>
+                      <a:prstDash val="solid"/>
+                      <a:round/>
+                      <a:headEnd type="none" w="med" len="med"/>
+                      <a:tailEnd type="none" w="med" len="med"/>
+                    </a:lnL>
+                    <a:lnR w="12700" cap="flat" cmpd="sng" algn="ctr">
+                      <a:noFill/>
+                      <a:prstDash val="solid"/>
+                      <a:round/>
+                      <a:headEnd type="none" w="med" len="med"/>
+                      <a:tailEnd type="none" w="med" len="med"/>
+                    </a:lnR>
+                    <a:lnT w="12700" cap="flat" cmpd="sng" algn="ctr">
+                      <a:noFill/>
+                      <a:prstDash val="solid"/>
+                      <a:round/>
+                      <a:headEnd type="none" w="med" len="med"/>
+                      <a:tailEnd type="none" w="med" len="med"/>
+                    </a:lnT>
+                    <a:lnB w="12700" cap="flat" cmpd="sng" algn="ctr">
+                      <a:noFill/>
+                      <a:prstDash val="solid"/>
+                      <a:round/>
+                      <a:headEnd type="none" w="med" len="med"/>
+                      <a:tailEnd type="none" w="med" len="med"/>
+                    </a:lnB>
+                    <a:lnTlToBr w="12700" cmpd="sng">
+                      <a:noFill/>
+                      <a:prstDash val="solid"/>
+                    </a:lnTlToBr>
+                    <a:lnBlToTr w="12700" cmpd="sng">
+                      <a:noFill/>
+                      <a:prstDash val="solid"/>
+                    </a:lnBlToTr>
+                  </a:tcPr>
+                </a:tc>
+                <a:tc>
+                  <a:txBody>
+                    <a:bodyPr/>
+                    <a:lstStyle/>
+                    <a:p>
+                      <a:r>
+                        <a:rPr lang="en-US" dirty="0"/>
+                        <a:t>N</a:t>
+                      </a:r>
+                    </a:p>
+                  </a:txBody>
+                  <a:tcPr>
+                    <a:lnL w="12700" cap="flat" cmpd="sng" algn="ctr">
+                      <a:noFill/>
+                      <a:prstDash val="solid"/>
+                      <a:round/>
+                      <a:headEnd type="none" w="med" len="med"/>
+                      <a:tailEnd type="none" w="med" len="med"/>
+                    </a:lnL>
+                    <a:lnR w="12700" cap="flat" cmpd="sng" algn="ctr">
+                      <a:noFill/>
+                      <a:prstDash val="solid"/>
+                      <a:round/>
+                      <a:headEnd type="none" w="med" len="med"/>
+                      <a:tailEnd type="none" w="med" len="med"/>
+                    </a:lnR>
+                    <a:lnT w="12700" cap="flat" cmpd="sng" algn="ctr">
+                      <a:noFill/>
+                      <a:prstDash val="solid"/>
+                      <a:round/>
+                      <a:headEnd type="none" w="med" len="med"/>
+                      <a:tailEnd type="none" w="med" len="med"/>
+                    </a:lnT>
+                    <a:lnB w="12700" cap="flat" cmpd="sng" algn="ctr">
+                      <a:noFill/>
+                      <a:prstDash val="solid"/>
+                      <a:round/>
+                      <a:headEnd type="none" w="med" len="med"/>
+                      <a:tailEnd type="none" w="med" len="med"/>
+                    </a:lnB>
+                    <a:lnTlToBr w="12700" cmpd="sng">
+                      <a:noFill/>
+                      <a:prstDash val="solid"/>
+                    </a:lnTlToBr>
+                    <a:lnBlToTr w="12700" cmpd="sng">
+                      <a:noFill/>
+                      <a:prstDash val="solid"/>
+                    </a:lnBlToTr>
+                  </a:tcPr>
+                </a:tc>
+                <a:tc>
+                  <a:txBody>
+                    <a:bodyPr/>
+                    <a:lstStyle/>
+                    <a:p>
+                      <a:r>
+                        <a:rPr lang="en-US" dirty="0"/>
+                        <a:t>N</a:t>
+                      </a:r>
+                    </a:p>
+                  </a:txBody>
+                  <a:tcPr>
+                    <a:lnL w="12700" cap="flat" cmpd="sng" algn="ctr">
+                      <a:noFill/>
+                      <a:prstDash val="solid"/>
+                      <a:round/>
+                      <a:headEnd type="none" w="med" len="med"/>
+                      <a:tailEnd type="none" w="med" len="med"/>
+                    </a:lnL>
+                    <a:lnR w="12700" cap="flat" cmpd="sng" algn="ctr">
+                      <a:noFill/>
+                      <a:prstDash val="solid"/>
+                      <a:round/>
+                      <a:headEnd type="none" w="med" len="med"/>
+                      <a:tailEnd type="none" w="med" len="med"/>
+                    </a:lnR>
+                    <a:lnT w="12700" cap="flat" cmpd="sng" algn="ctr">
+                      <a:noFill/>
+                      <a:prstDash val="solid"/>
+                      <a:round/>
+                      <a:headEnd type="none" w="med" len="med"/>
+                      <a:tailEnd type="none" w="med" len="med"/>
+                    </a:lnT>
+                    <a:lnB w="12700" cap="flat" cmpd="sng" algn="ctr">
+                      <a:noFill/>
+                      <a:prstDash val="solid"/>
+                      <a:round/>
+                      <a:headEnd type="none" w="med" len="med"/>
+                      <a:tailEnd type="none" w="med" len="med"/>
+                    </a:lnB>
+                    <a:lnTlToBr w="12700" cmpd="sng">
+                      <a:noFill/>
+                      <a:prstDash val="solid"/>
+                    </a:lnTlToBr>
+                    <a:lnBlToTr w="12700" cmpd="sng">
+                      <a:noFill/>
+                      <a:prstDash val="solid"/>
+                    </a:lnBlToTr>
+                  </a:tcPr>
+                </a:tc>
+                <a:tc>
+                  <a:txBody>
+                    <a:bodyPr/>
+                    <a:lstStyle/>
+                    <a:p>
+                      <a:r>
+                        <a:rPr lang="en-US" dirty="0"/>
+                        <a:t>N</a:t>
+                      </a:r>
+                    </a:p>
+                  </a:txBody>
+                  <a:tcPr>
+                    <a:lnL w="12700" cap="flat" cmpd="sng" algn="ctr">
+                      <a:noFill/>
+                      <a:prstDash val="solid"/>
+                      <a:round/>
+                      <a:headEnd type="none" w="med" len="med"/>
+                      <a:tailEnd type="none" w="med" len="med"/>
+                    </a:lnL>
+                    <a:lnR w="12700" cap="flat" cmpd="sng" algn="ctr">
+                      <a:noFill/>
+                      <a:prstDash val="solid"/>
+                      <a:round/>
+                      <a:headEnd type="none" w="med" len="med"/>
+                      <a:tailEnd type="none" w="med" len="med"/>
+                    </a:lnR>
+                    <a:lnT w="12700" cap="flat" cmpd="sng" algn="ctr">
+                      <a:noFill/>
+                      <a:prstDash val="solid"/>
+                      <a:round/>
+                      <a:headEnd type="none" w="med" len="med"/>
+                      <a:tailEnd type="none" w="med" len="med"/>
+                    </a:lnT>
+                    <a:lnB w="12700" cap="flat" cmpd="sng" algn="ctr">
+                      <a:noFill/>
+                      <a:prstDash val="solid"/>
+                      <a:round/>
+                      <a:headEnd type="none" w="med" len="med"/>
+                      <a:tailEnd type="none" w="med" len="med"/>
+                    </a:lnB>
+                    <a:lnTlToBr w="12700" cmpd="sng">
+                      <a:noFill/>
+                      <a:prstDash val="solid"/>
+                    </a:lnTlToBr>
+                    <a:lnBlToTr w="12700" cmpd="sng">
+                      <a:noFill/>
+                      <a:prstDash val="solid"/>
+                    </a:lnBlToTr>
+                  </a:tcPr>
+                </a:tc>
+                <a:tc>
+                  <a:txBody>
+                    <a:bodyPr/>
+                    <a:lstStyle/>
+                    <a:p>
+                      <a:r>
+                        <a:rPr lang="en-US" dirty="0"/>
+                        <a:t>N</a:t>
+                      </a:r>
+                    </a:p>
+                  </a:txBody>
+                  <a:tcPr>
+                    <a:lnL w="12700" cap="flat" cmpd="sng" algn="ctr">
+                      <a:noFill/>
+                      <a:prstDash val="solid"/>
+                      <a:round/>
+                      <a:headEnd type="none" w="med" len="med"/>
+                      <a:tailEnd type="none" w="med" len="med"/>
+                    </a:lnL>
+                    <a:lnR w="12700" cap="flat" cmpd="sng" algn="ctr">
+                      <a:noFill/>
+                      <a:prstDash val="solid"/>
+                      <a:round/>
+                      <a:headEnd type="none" w="med" len="med"/>
+                      <a:tailEnd type="none" w="med" len="med"/>
+                    </a:lnR>
+                    <a:lnT w="12700" cap="flat" cmpd="sng" algn="ctr">
+                      <a:noFill/>
+                      <a:prstDash val="solid"/>
+                      <a:round/>
+                      <a:headEnd type="none" w="med" len="med"/>
+                      <a:tailEnd type="none" w="med" len="med"/>
+                    </a:lnT>
+                    <a:lnB w="12700" cap="flat" cmpd="sng" algn="ctr">
+                      <a:noFill/>
+                      <a:prstDash val="solid"/>
+                      <a:round/>
+                      <a:headEnd type="none" w="med" len="med"/>
+                      <a:tailEnd type="none" w="med" len="med"/>
+                    </a:lnB>
+                    <a:lnTlToBr w="12700" cmpd="sng">
+                      <a:noFill/>
+                      <a:prstDash val="solid"/>
+                    </a:lnTlToBr>
+                    <a:lnBlToTr w="12700" cmpd="sng">
+                      <a:noFill/>
+                      <a:prstDash val="solid"/>
+                    </a:lnBlToTr>
+                  </a:tcPr>
+                </a:tc>
+                <a:tc>
+                  <a:txBody>
+                    <a:bodyPr/>
+                    <a:lstStyle/>
+                    <a:p>
+                      <a:r>
+                        <a:rPr lang="en-US" dirty="0"/>
+                        <a:t>N</a:t>
+                      </a:r>
+                    </a:p>
+                  </a:txBody>
+                  <a:tcPr>
+                    <a:lnL w="12700" cap="flat" cmpd="sng" algn="ctr">
+                      <a:noFill/>
+                      <a:prstDash val="solid"/>
+                      <a:round/>
+                      <a:headEnd type="none" w="med" len="med"/>
+                      <a:tailEnd type="none" w="med" len="med"/>
+                    </a:lnL>
+                    <a:lnR w="12700" cap="flat" cmpd="sng" algn="ctr">
+                      <a:noFill/>
+                      <a:prstDash val="solid"/>
+                      <a:round/>
+                      <a:headEnd type="none" w="med" len="med"/>
+                      <a:tailEnd type="none" w="med" len="med"/>
+                    </a:lnR>
+                    <a:lnT w="12700" cap="flat" cmpd="sng" algn="ctr">
+                      <a:noFill/>
+                      <a:prstDash val="solid"/>
+                      <a:round/>
+                      <a:headEnd type="none" w="med" len="med"/>
+                      <a:tailEnd type="none" w="med" len="med"/>
+                    </a:lnT>
+                    <a:lnB w="12700" cap="flat" cmpd="sng" algn="ctr">
+                      <a:noFill/>
+                      <a:prstDash val="solid"/>
+                      <a:round/>
+                      <a:headEnd type="none" w="med" len="med"/>
+                      <a:tailEnd type="none" w="med" len="med"/>
+                    </a:lnB>
+                    <a:lnTlToBr w="12700" cmpd="sng">
+                      <a:noFill/>
+                      <a:prstDash val="solid"/>
+                    </a:lnTlToBr>
+                    <a:lnBlToTr w="12700" cmpd="sng">
+                      <a:noFill/>
+                      <a:prstDash val="solid"/>
+                    </a:lnBlToTr>
+                  </a:tcPr>
+                </a:tc>
+                <a:tc>
+                  <a:txBody>
+                    <a:bodyPr/>
+                    <a:lstStyle/>
+                    <a:p>
+                      <a:r>
+                        <a:rPr lang="en-US" dirty="0"/>
+                        <a:t>N</a:t>
+                      </a:r>
+                    </a:p>
+                  </a:txBody>
+                  <a:tcPr>
+                    <a:lnL w="12700" cap="flat" cmpd="sng" algn="ctr">
+                      <a:noFill/>
+                      <a:prstDash val="solid"/>
+                      <a:round/>
+                      <a:headEnd type="none" w="med" len="med"/>
+                      <a:tailEnd type="none" w="med" len="med"/>
+                    </a:lnL>
+                    <a:lnR w="12700" cap="flat" cmpd="sng" algn="ctr">
+                      <a:noFill/>
+                      <a:prstDash val="solid"/>
+                      <a:round/>
+                      <a:headEnd type="none" w="med" len="med"/>
+                      <a:tailEnd type="none" w="med" len="med"/>
+                    </a:lnR>
+                    <a:lnT w="12700" cap="flat" cmpd="sng" algn="ctr">
+                      <a:noFill/>
+                      <a:prstDash val="solid"/>
+                      <a:round/>
+                      <a:headEnd type="none" w="med" len="med"/>
+                      <a:tailEnd type="none" w="med" len="med"/>
+                    </a:lnT>
+                    <a:lnB w="12700" cap="flat" cmpd="sng" algn="ctr">
+                      <a:noFill/>
+                      <a:prstDash val="solid"/>
+                      <a:round/>
+                      <a:headEnd type="none" w="med" len="med"/>
+                      <a:tailEnd type="none" w="med" len="med"/>
+                    </a:lnB>
+                    <a:lnTlToBr w="12700" cmpd="sng">
+                      <a:noFill/>
+                      <a:prstDash val="solid"/>
+                    </a:lnTlToBr>
+                    <a:lnBlToTr w="12700" cmpd="sng">
+                      <a:noFill/>
+                      <a:prstDash val="solid"/>
+                    </a:lnBlToTr>
+                  </a:tcPr>
+                </a:tc>
+                <a:tc>
+                  <a:txBody>
+                    <a:bodyPr/>
+                    <a:lstStyle/>
+                    <a:p>
+                      <a:r>
+                        <a:rPr lang="en-US" dirty="0"/>
+                        <a:t>N</a:t>
+                      </a:r>
+                    </a:p>
+                  </a:txBody>
+                  <a:tcPr>
+                    <a:lnL w="12700" cap="flat" cmpd="sng" algn="ctr">
+                      <a:noFill/>
+                      <a:prstDash val="solid"/>
+                      <a:round/>
+                      <a:headEnd type="none" w="med" len="med"/>
+                      <a:tailEnd type="none" w="med" len="med"/>
+                    </a:lnL>
+                    <a:lnR w="12700" cap="flat" cmpd="sng" algn="ctr">
+                      <a:noFill/>
+                      <a:prstDash val="solid"/>
+                      <a:round/>
+                      <a:headEnd type="none" w="med" len="med"/>
+                      <a:tailEnd type="none" w="med" len="med"/>
+                    </a:lnR>
+                    <a:lnT w="12700" cap="flat" cmpd="sng" algn="ctr">
+                      <a:noFill/>
+                      <a:prstDash val="solid"/>
+                      <a:round/>
+                      <a:headEnd type="none" w="med" len="med"/>
+                      <a:tailEnd type="none" w="med" len="med"/>
+                    </a:lnT>
+                    <a:lnB w="12700" cap="flat" cmpd="sng" algn="ctr">
+                      <a:noFill/>
+                      <a:prstDash val="solid"/>
+                      <a:round/>
+                      <a:headEnd type="none" w="med" len="med"/>
+                      <a:tailEnd type="none" w="med" len="med"/>
+                    </a:lnB>
+                    <a:lnTlToBr w="12700" cmpd="sng">
+                      <a:noFill/>
+                      <a:prstDash val="solid"/>
+                    </a:lnTlToBr>
+                    <a:lnBlToTr w="12700" cmpd="sng">
+                      <a:noFill/>
+                      <a:prstDash val="solid"/>
+                    </a:lnBlToTr>
+                  </a:tcPr>
+                </a:tc>
+                <a:extLst>
+                  <a:ext uri="{0D108BD9-81ED-4DB2-BD59-A6C34878D82A}">
+                    <a16:rowId xmlns:a16="http://schemas.microsoft.com/office/drawing/2014/main" val="3992791538"/>
+                  </a:ext>
+                </a:extLst>
+              </a:tr>
+              <a:tr h="370840">
+                <a:tc>
+                  <a:txBody>
+                    <a:bodyPr/>
+                    <a:lstStyle/>
+                    <a:p>
+                      <a:r>
+                        <a:rPr lang="en-US" dirty="0"/>
+                        <a:t>N</a:t>
+                      </a:r>
+                    </a:p>
+                  </a:txBody>
+                  <a:tcPr>
+                    <a:lnL w="12700" cap="flat" cmpd="sng" algn="ctr">
+                      <a:noFill/>
+                      <a:prstDash val="solid"/>
+                      <a:round/>
+                      <a:headEnd type="none" w="med" len="med"/>
+                      <a:tailEnd type="none" w="med" len="med"/>
+                    </a:lnL>
+                    <a:lnR w="12700" cap="flat" cmpd="sng" algn="ctr">
+                      <a:noFill/>
+                      <a:prstDash val="solid"/>
+                      <a:round/>
+                      <a:headEnd type="none" w="med" len="med"/>
+                      <a:tailEnd type="none" w="med" len="med"/>
+                    </a:lnR>
+                    <a:lnT w="12700" cap="flat" cmpd="sng" algn="ctr">
+                      <a:noFill/>
+                      <a:prstDash val="solid"/>
+                      <a:round/>
+                      <a:headEnd type="none" w="med" len="med"/>
+                      <a:tailEnd type="none" w="med" len="med"/>
+                    </a:lnT>
+                    <a:lnB w="12700" cap="flat" cmpd="sng" algn="ctr">
+                      <a:noFill/>
+                      <a:prstDash val="solid"/>
+                      <a:round/>
+                      <a:headEnd type="none" w="med" len="med"/>
+                      <a:tailEnd type="none" w="med" len="med"/>
+                    </a:lnB>
+                    <a:lnTlToBr w="12700" cmpd="sng">
+                      <a:noFill/>
+                      <a:prstDash val="solid"/>
+                    </a:lnTlToBr>
+                    <a:lnBlToTr w="12700" cmpd="sng">
+                      <a:noFill/>
+                      <a:prstDash val="solid"/>
+                    </a:lnBlToTr>
+                  </a:tcPr>
+                </a:tc>
+                <a:tc>
+                  <a:txBody>
+                    <a:bodyPr/>
+                    <a:lstStyle/>
+                    <a:p>
+                      <a:r>
+                        <a:rPr lang="en-US" dirty="0"/>
+                        <a:t>N</a:t>
+                      </a:r>
+                    </a:p>
+                  </a:txBody>
+                  <a:tcPr>
+                    <a:lnL w="12700" cap="flat" cmpd="sng" algn="ctr">
+                      <a:noFill/>
+                      <a:prstDash val="solid"/>
+                      <a:round/>
+                      <a:headEnd type="none" w="med" len="med"/>
+                      <a:tailEnd type="none" w="med" len="med"/>
+                    </a:lnL>
+                    <a:lnR w="12700" cap="flat" cmpd="sng" algn="ctr">
+                      <a:noFill/>
+                      <a:prstDash val="solid"/>
+                      <a:round/>
+                      <a:headEnd type="none" w="med" len="med"/>
+                      <a:tailEnd type="none" w="med" len="med"/>
+                    </a:lnR>
+                    <a:lnT w="12700" cap="flat" cmpd="sng" algn="ctr">
+                      <a:noFill/>
+                      <a:prstDash val="solid"/>
+                      <a:round/>
+                      <a:headEnd type="none" w="med" len="med"/>
+                      <a:tailEnd type="none" w="med" len="med"/>
+                    </a:lnT>
+                    <a:lnB w="12700" cap="flat" cmpd="sng" algn="ctr">
+                      <a:noFill/>
+                      <a:prstDash val="solid"/>
+                      <a:round/>
+                      <a:headEnd type="none" w="med" len="med"/>
+                      <a:tailEnd type="none" w="med" len="med"/>
+                    </a:lnB>
+                    <a:lnTlToBr w="12700" cmpd="sng">
+                      <a:noFill/>
+                      <a:prstDash val="solid"/>
+                    </a:lnTlToBr>
+                    <a:lnBlToTr w="12700" cmpd="sng">
+                      <a:noFill/>
+                      <a:prstDash val="solid"/>
+                    </a:lnBlToTr>
+                  </a:tcPr>
+                </a:tc>
+                <a:tc>
+                  <a:txBody>
+                    <a:bodyPr/>
+                    <a:lstStyle/>
+                    <a:p>
+                      <a:r>
+                        <a:rPr lang="en-US" dirty="0"/>
+                        <a:t>N</a:t>
+                      </a:r>
+                    </a:p>
+                  </a:txBody>
+                  <a:tcPr>
+                    <a:lnL w="12700" cap="flat" cmpd="sng" algn="ctr">
+                      <a:noFill/>
+                      <a:prstDash val="solid"/>
+                      <a:round/>
+                      <a:headEnd type="none" w="med" len="med"/>
+                      <a:tailEnd type="none" w="med" len="med"/>
+                    </a:lnL>
+                    <a:lnR w="12700" cap="flat" cmpd="sng" algn="ctr">
+                      <a:noFill/>
+                      <a:prstDash val="solid"/>
+                      <a:round/>
+                      <a:headEnd type="none" w="med" len="med"/>
+                      <a:tailEnd type="none" w="med" len="med"/>
+                    </a:lnR>
+                    <a:lnT w="12700" cap="flat" cmpd="sng" algn="ctr">
+                      <a:noFill/>
+                      <a:prstDash val="solid"/>
+                      <a:round/>
+                      <a:headEnd type="none" w="med" len="med"/>
+                      <a:tailEnd type="none" w="med" len="med"/>
+                    </a:lnT>
+                    <a:lnB w="12700" cap="flat" cmpd="sng" algn="ctr">
+                      <a:noFill/>
+                      <a:prstDash val="solid"/>
+                      <a:round/>
+                      <a:headEnd type="none" w="med" len="med"/>
+                      <a:tailEnd type="none" w="med" len="med"/>
+                    </a:lnB>
+                    <a:lnTlToBr w="12700" cmpd="sng">
+                      <a:noFill/>
+                      <a:prstDash val="solid"/>
+                    </a:lnTlToBr>
+                    <a:lnBlToTr w="12700" cmpd="sng">
+                      <a:noFill/>
+                      <a:prstDash val="solid"/>
+                    </a:lnBlToTr>
+                  </a:tcPr>
+                </a:tc>
+                <a:tc>
+                  <a:txBody>
+                    <a:bodyPr/>
+                    <a:lstStyle/>
+                    <a:p>
+                      <a:r>
+                        <a:rPr lang="en-US" dirty="0"/>
+                        <a:t>N</a:t>
+                      </a:r>
+                    </a:p>
+                  </a:txBody>
+                  <a:tcPr>
+                    <a:lnL w="12700" cap="flat" cmpd="sng" algn="ctr">
+                      <a:noFill/>
+                      <a:prstDash val="solid"/>
+                      <a:round/>
+                      <a:headEnd type="none" w="med" len="med"/>
+                      <a:tailEnd type="none" w="med" len="med"/>
+                    </a:lnL>
+                    <a:lnR w="12700" cap="flat" cmpd="sng" algn="ctr">
+                      <a:noFill/>
+                      <a:prstDash val="solid"/>
+                      <a:round/>
+                      <a:headEnd type="none" w="med" len="med"/>
+                      <a:tailEnd type="none" w="med" len="med"/>
+                    </a:lnR>
+                    <a:lnT w="12700" cap="flat" cmpd="sng" algn="ctr">
+                      <a:noFill/>
+                      <a:prstDash val="solid"/>
+                      <a:round/>
+                      <a:headEnd type="none" w="med" len="med"/>
+                      <a:tailEnd type="none" w="med" len="med"/>
+                    </a:lnT>
+                    <a:lnB w="12700" cap="flat" cmpd="sng" algn="ctr">
+                      <a:noFill/>
+                      <a:prstDash val="solid"/>
+                      <a:round/>
+                      <a:headEnd type="none" w="med" len="med"/>
+                      <a:tailEnd type="none" w="med" len="med"/>
+                    </a:lnB>
+                    <a:lnTlToBr w="12700" cmpd="sng">
+                      <a:noFill/>
+                      <a:prstDash val="solid"/>
+                    </a:lnTlToBr>
+                    <a:lnBlToTr w="12700" cmpd="sng">
+                      <a:noFill/>
+                      <a:prstDash val="solid"/>
+                    </a:lnBlToTr>
+                  </a:tcPr>
+                </a:tc>
+                <a:tc>
+                  <a:txBody>
+                    <a:bodyPr/>
+                    <a:lstStyle/>
+                    <a:p>
+                      <a:r>
+                        <a:rPr lang="en-US" dirty="0"/>
+                        <a:t>N</a:t>
+                      </a:r>
+                    </a:p>
+                  </a:txBody>
+                  <a:tcPr>
+                    <a:lnL w="12700" cap="flat" cmpd="sng" algn="ctr">
+                      <a:noFill/>
+                      <a:prstDash val="solid"/>
+                      <a:round/>
+                      <a:headEnd type="none" w="med" len="med"/>
+                      <a:tailEnd type="none" w="med" len="med"/>
+                    </a:lnL>
+                    <a:lnR w="12700" cap="flat" cmpd="sng" algn="ctr">
+                      <a:noFill/>
+                      <a:prstDash val="solid"/>
+                      <a:round/>
+                      <a:headEnd type="none" w="med" len="med"/>
+                      <a:tailEnd type="none" w="med" len="med"/>
+                    </a:lnR>
+                    <a:lnT w="12700" cap="flat" cmpd="sng" algn="ctr">
+                      <a:noFill/>
+                      <a:prstDash val="solid"/>
+                      <a:round/>
+                      <a:headEnd type="none" w="med" len="med"/>
+                      <a:tailEnd type="none" w="med" len="med"/>
+                    </a:lnT>
+                    <a:lnB w="12700" cap="flat" cmpd="sng" algn="ctr">
+                      <a:noFill/>
+                      <a:prstDash val="solid"/>
+                      <a:round/>
+                      <a:headEnd type="none" w="med" len="med"/>
+                      <a:tailEnd type="none" w="med" len="med"/>
+                    </a:lnB>
+                    <a:lnTlToBr w="12700" cmpd="sng">
+                      <a:noFill/>
+                      <a:prstDash val="solid"/>
+                    </a:lnTlToBr>
+                    <a:lnBlToTr w="12700" cmpd="sng">
+                      <a:noFill/>
+                      <a:prstDash val="solid"/>
+                    </a:lnBlToTr>
+                  </a:tcPr>
+                </a:tc>
+                <a:tc>
+                  <a:txBody>
+                    <a:bodyPr/>
+                    <a:lstStyle/>
+                    <a:p>
+                      <a:r>
+                        <a:rPr lang="en-US" dirty="0"/>
+                        <a:t>N</a:t>
+                      </a:r>
+                    </a:p>
+                  </a:txBody>
+                  <a:tcPr>
+                    <a:lnL w="12700" cap="flat" cmpd="sng" algn="ctr">
+                      <a:noFill/>
+                      <a:prstDash val="solid"/>
+                      <a:round/>
+                      <a:headEnd type="none" w="med" len="med"/>
+                      <a:tailEnd type="none" w="med" len="med"/>
+                    </a:lnL>
+                    <a:lnR w="12700" cap="flat" cmpd="sng" algn="ctr">
+                      <a:noFill/>
+                      <a:prstDash val="solid"/>
+                      <a:round/>
+                      <a:headEnd type="none" w="med" len="med"/>
+                      <a:tailEnd type="none" w="med" len="med"/>
+                    </a:lnR>
+                    <a:lnT w="12700" cap="flat" cmpd="sng" algn="ctr">
+                      <a:noFill/>
+                      <a:prstDash val="solid"/>
+                      <a:round/>
+                      <a:headEnd type="none" w="med" len="med"/>
+                      <a:tailEnd type="none" w="med" len="med"/>
+                    </a:lnT>
+                    <a:lnB w="12700" cap="flat" cmpd="sng" algn="ctr">
+                      <a:noFill/>
+                      <a:prstDash val="solid"/>
+                      <a:round/>
+                      <a:headEnd type="none" w="med" len="med"/>
+                      <a:tailEnd type="none" w="med" len="med"/>
+                    </a:lnB>
+                    <a:lnTlToBr w="12700" cmpd="sng">
+                      <a:noFill/>
+                      <a:prstDash val="solid"/>
+                    </a:lnTlToBr>
+                    <a:lnBlToTr w="12700" cmpd="sng">
+                      <a:noFill/>
+                      <a:prstDash val="solid"/>
+                    </a:lnBlToTr>
+                  </a:tcPr>
+                </a:tc>
+                <a:tc>
+                  <a:txBody>
+                    <a:bodyPr/>
+                    <a:lstStyle/>
+                    <a:p>
+                      <a:r>
+                        <a:rPr lang="en-US" dirty="0"/>
+                        <a:t>N</a:t>
+                      </a:r>
+                    </a:p>
+                  </a:txBody>
+                  <a:tcPr>
+                    <a:lnL w="12700" cap="flat" cmpd="sng" algn="ctr">
+                      <a:noFill/>
+                      <a:prstDash val="solid"/>
+                      <a:round/>
+                      <a:headEnd type="none" w="med" len="med"/>
+                      <a:tailEnd type="none" w="med" len="med"/>
+                    </a:lnL>
+                    <a:lnR w="12700" cap="flat" cmpd="sng" algn="ctr">
+                      <a:noFill/>
+                      <a:prstDash val="solid"/>
+                      <a:round/>
+                      <a:headEnd type="none" w="med" len="med"/>
+                      <a:tailEnd type="none" w="med" len="med"/>
+                    </a:lnR>
+                    <a:lnT w="12700" cap="flat" cmpd="sng" algn="ctr">
+                      <a:noFill/>
+                      <a:prstDash val="solid"/>
+                      <a:round/>
+                      <a:headEnd type="none" w="med" len="med"/>
+                      <a:tailEnd type="none" w="med" len="med"/>
+                    </a:lnT>
+                    <a:lnB w="12700" cap="flat" cmpd="sng" algn="ctr">
+                      <a:noFill/>
+                      <a:prstDash val="solid"/>
+                      <a:round/>
+                      <a:headEnd type="none" w="med" len="med"/>
+                      <a:tailEnd type="none" w="med" len="med"/>
+                    </a:lnB>
+                    <a:lnTlToBr w="12700" cmpd="sng">
+                      <a:noFill/>
+                      <a:prstDash val="solid"/>
+                    </a:lnTlToBr>
+                    <a:lnBlToTr w="12700" cmpd="sng">
+                      <a:noFill/>
+                      <a:prstDash val="solid"/>
+                    </a:lnBlToTr>
+                  </a:tcPr>
+                </a:tc>
+                <a:tc>
+                  <a:txBody>
+                    <a:bodyPr/>
+                    <a:lstStyle/>
+                    <a:p>
+                      <a:r>
+                        <a:rPr lang="en-US" dirty="0"/>
+                        <a:t>N</a:t>
+                      </a:r>
+                    </a:p>
+                  </a:txBody>
+                  <a:tcPr>
+                    <a:lnL w="12700" cap="flat" cmpd="sng" algn="ctr">
+                      <a:noFill/>
+                      <a:prstDash val="solid"/>
+                      <a:round/>
+                      <a:headEnd type="none" w="med" len="med"/>
+                      <a:tailEnd type="none" w="med" len="med"/>
+                    </a:lnL>
+                    <a:lnR w="12700" cap="flat" cmpd="sng" algn="ctr">
+                      <a:noFill/>
+                      <a:prstDash val="solid"/>
+                      <a:round/>
+                      <a:headEnd type="none" w="med" len="med"/>
+                      <a:tailEnd type="none" w="med" len="med"/>
+                    </a:lnR>
+                    <a:lnT w="12700" cap="flat" cmpd="sng" algn="ctr">
+                      <a:noFill/>
+                      <a:prstDash val="solid"/>
+                      <a:round/>
+                      <a:headEnd type="none" w="med" len="med"/>
+                      <a:tailEnd type="none" w="med" len="med"/>
+                    </a:lnT>
+                    <a:lnB w="12700" cap="flat" cmpd="sng" algn="ctr">
+                      <a:noFill/>
+                      <a:prstDash val="solid"/>
+                      <a:round/>
+                      <a:headEnd type="none" w="med" len="med"/>
+                      <a:tailEnd type="none" w="med" len="med"/>
+                    </a:lnB>
+                    <a:lnTlToBr w="12700" cmpd="sng">
+                      <a:noFill/>
+                      <a:prstDash val="solid"/>
+                    </a:lnTlToBr>
+                    <a:lnBlToTr w="12700" cmpd="sng">
+                      <a:noFill/>
+                      <a:prstDash val="solid"/>
+                    </a:lnBlToTr>
+                  </a:tcPr>
+                </a:tc>
+                <a:extLst>
+                  <a:ext uri="{0D108BD9-81ED-4DB2-BD59-A6C34878D82A}">
+                    <a16:rowId xmlns:a16="http://schemas.microsoft.com/office/drawing/2014/main" val="621720631"/>
+                  </a:ext>
+                </a:extLst>
+              </a:tr>
+              <a:tr h="370840">
+                <a:tc>
+                  <a:txBody>
+                    <a:bodyPr/>
+                    <a:lstStyle/>
+                    <a:p>
+                      <a:r>
+                        <a:rPr lang="en-US" dirty="0"/>
+                        <a:t>N</a:t>
+                      </a:r>
+                    </a:p>
+                  </a:txBody>
+                  <a:tcPr>
+                    <a:lnL w="12700" cap="flat" cmpd="sng" algn="ctr">
+                      <a:noFill/>
+                      <a:prstDash val="solid"/>
+                      <a:round/>
+                      <a:headEnd type="none" w="med" len="med"/>
+                      <a:tailEnd type="none" w="med" len="med"/>
+                    </a:lnL>
+                    <a:lnR w="12700" cap="flat" cmpd="sng" algn="ctr">
+                      <a:noFill/>
+                      <a:prstDash val="solid"/>
+                      <a:round/>
+                      <a:headEnd type="none" w="med" len="med"/>
+                      <a:tailEnd type="none" w="med" len="med"/>
+                    </a:lnR>
+                    <a:lnT w="12700" cap="flat" cmpd="sng" algn="ctr">
+                      <a:noFill/>
+                      <a:prstDash val="solid"/>
+                      <a:round/>
+                      <a:headEnd type="none" w="med" len="med"/>
+                      <a:tailEnd type="none" w="med" len="med"/>
+                    </a:lnT>
+                    <a:lnB w="12700" cap="flat" cmpd="sng" algn="ctr">
+                      <a:noFill/>
+                      <a:prstDash val="solid"/>
+                      <a:round/>
+                      <a:headEnd type="none" w="med" len="med"/>
+                      <a:tailEnd type="none" w="med" len="med"/>
+                    </a:lnB>
+                    <a:lnTlToBr w="12700" cmpd="sng">
+                      <a:noFill/>
+                      <a:prstDash val="solid"/>
+                    </a:lnTlToBr>
+                    <a:lnBlToTr w="12700" cmpd="sng">
+                      <a:noFill/>
+                      <a:prstDash val="solid"/>
+                    </a:lnBlToTr>
+                  </a:tcPr>
+                </a:tc>
+                <a:tc>
+                  <a:txBody>
+                    <a:bodyPr/>
+                    <a:lstStyle/>
+                    <a:p>
+                      <a:r>
+                        <a:rPr lang="en-US" dirty="0"/>
+                        <a:t>N</a:t>
+                      </a:r>
+                    </a:p>
+                  </a:txBody>
+                  <a:tcPr>
+                    <a:lnL w="12700" cap="flat" cmpd="sng" algn="ctr">
+                      <a:noFill/>
+                      <a:prstDash val="solid"/>
+                      <a:round/>
+                      <a:headEnd type="none" w="med" len="med"/>
+                      <a:tailEnd type="none" w="med" len="med"/>
+                    </a:lnL>
+                    <a:lnR w="12700" cap="flat" cmpd="sng" algn="ctr">
+                      <a:noFill/>
+                      <a:prstDash val="solid"/>
+                      <a:round/>
+                      <a:headEnd type="none" w="med" len="med"/>
+                      <a:tailEnd type="none" w="med" len="med"/>
+                    </a:lnR>
+                    <a:lnT w="12700" cap="flat" cmpd="sng" algn="ctr">
+                      <a:noFill/>
+                      <a:prstDash val="solid"/>
+                      <a:round/>
+                      <a:headEnd type="none" w="med" len="med"/>
+                      <a:tailEnd type="none" w="med" len="med"/>
+                    </a:lnT>
+                    <a:lnB w="12700" cap="flat" cmpd="sng" algn="ctr">
+                      <a:noFill/>
+                      <a:prstDash val="solid"/>
+                      <a:round/>
+                      <a:headEnd type="none" w="med" len="med"/>
+                      <a:tailEnd type="none" w="med" len="med"/>
+                    </a:lnB>
+                    <a:lnTlToBr w="12700" cmpd="sng">
+                      <a:noFill/>
+                      <a:prstDash val="solid"/>
+                    </a:lnTlToBr>
+                    <a:lnBlToTr w="12700" cmpd="sng">
+                      <a:noFill/>
+                      <a:prstDash val="solid"/>
+                    </a:lnBlToTr>
+                  </a:tcPr>
+                </a:tc>
+                <a:tc>
+                  <a:txBody>
+                    <a:bodyPr/>
+                    <a:lstStyle/>
+                    <a:p>
+                      <a:r>
+                        <a:rPr lang="en-US" dirty="0"/>
+                        <a:t>N</a:t>
+                      </a:r>
+                    </a:p>
+                  </a:txBody>
+                  <a:tcPr>
+                    <a:lnL w="12700" cap="flat" cmpd="sng" algn="ctr">
+                      <a:noFill/>
+                      <a:prstDash val="solid"/>
+                      <a:round/>
+                      <a:headEnd type="none" w="med" len="med"/>
+                      <a:tailEnd type="none" w="med" len="med"/>
+                    </a:lnL>
+                    <a:lnR w="12700" cap="flat" cmpd="sng" algn="ctr">
+                      <a:noFill/>
+                      <a:prstDash val="solid"/>
+                      <a:round/>
+                      <a:headEnd type="none" w="med" len="med"/>
+                      <a:tailEnd type="none" w="med" len="med"/>
+                    </a:lnR>
+                    <a:lnT w="12700" cap="flat" cmpd="sng" algn="ctr">
+                      <a:noFill/>
+                      <a:prstDash val="solid"/>
+                      <a:round/>
+                      <a:headEnd type="none" w="med" len="med"/>
+                      <a:tailEnd type="none" w="med" len="med"/>
+                    </a:lnT>
+                    <a:lnB w="12700" cap="flat" cmpd="sng" algn="ctr">
+                      <a:noFill/>
+                      <a:prstDash val="solid"/>
+                      <a:round/>
+                      <a:headEnd type="none" w="med" len="med"/>
+                      <a:tailEnd type="none" w="med" len="med"/>
+                    </a:lnB>
+                    <a:lnTlToBr w="12700" cmpd="sng">
+                      <a:noFill/>
+                      <a:prstDash val="solid"/>
+                    </a:lnTlToBr>
+                    <a:lnBlToTr w="12700" cmpd="sng">
+                      <a:noFill/>
+                      <a:prstDash val="solid"/>
+                    </a:lnBlToTr>
+                  </a:tcPr>
+                </a:tc>
+                <a:tc>
+                  <a:txBody>
+                    <a:bodyPr/>
+                    <a:lstStyle/>
+                    <a:p>
+                      <a:r>
+                        <a:rPr lang="en-US" dirty="0"/>
+                        <a:t>N</a:t>
+                      </a:r>
+                    </a:p>
+                  </a:txBody>
+                  <a:tcPr>
+                    <a:lnL w="12700" cap="flat" cmpd="sng" algn="ctr">
+                      <a:noFill/>
+                      <a:prstDash val="solid"/>
+                      <a:round/>
+                      <a:headEnd type="none" w="med" len="med"/>
+                      <a:tailEnd type="none" w="med" len="med"/>
+                    </a:lnL>
+                    <a:lnR w="12700" cap="flat" cmpd="sng" algn="ctr">
+                      <a:noFill/>
+                      <a:prstDash val="solid"/>
+                      <a:round/>
+                      <a:headEnd type="none" w="med" len="med"/>
+                      <a:tailEnd type="none" w="med" len="med"/>
+                    </a:lnR>
+                    <a:lnT w="12700" cap="flat" cmpd="sng" algn="ctr">
+                      <a:noFill/>
+                      <a:prstDash val="solid"/>
+                      <a:round/>
+                      <a:headEnd type="none" w="med" len="med"/>
+                      <a:tailEnd type="none" w="med" len="med"/>
+                    </a:lnT>
+                    <a:lnB w="12700" cap="flat" cmpd="sng" algn="ctr">
+                      <a:noFill/>
+                      <a:prstDash val="solid"/>
+                      <a:round/>
+                      <a:headEnd type="none" w="med" len="med"/>
+                      <a:tailEnd type="none" w="med" len="med"/>
+                    </a:lnB>
+                    <a:lnTlToBr w="12700" cmpd="sng">
+                      <a:noFill/>
+                      <a:prstDash val="solid"/>
+                    </a:lnTlToBr>
+                    <a:lnBlToTr w="12700" cmpd="sng">
+                      <a:noFill/>
+                      <a:prstDash val="solid"/>
+                    </a:lnBlToTr>
+                  </a:tcPr>
+                </a:tc>
+                <a:tc>
+                  <a:txBody>
+                    <a:bodyPr/>
+                    <a:lstStyle/>
+                    <a:p>
+                      <a:r>
+                        <a:rPr lang="en-US" dirty="0"/>
+                        <a:t>N</a:t>
+                      </a:r>
+                    </a:p>
+                  </a:txBody>
+                  <a:tcPr>
+                    <a:lnL w="12700" cap="flat" cmpd="sng" algn="ctr">
+                      <a:noFill/>
+                      <a:prstDash val="solid"/>
+                      <a:round/>
+                      <a:headEnd type="none" w="med" len="med"/>
+                      <a:tailEnd type="none" w="med" len="med"/>
+                    </a:lnL>
+                    <a:lnR w="12700" cap="flat" cmpd="sng" algn="ctr">
+                      <a:noFill/>
+                      <a:prstDash val="solid"/>
+                      <a:round/>
+                      <a:headEnd type="none" w="med" len="med"/>
+                      <a:tailEnd type="none" w="med" len="med"/>
+                    </a:lnR>
+                    <a:lnT w="12700" cap="flat" cmpd="sng" algn="ctr">
+                      <a:noFill/>
+                      <a:prstDash val="solid"/>
+                      <a:round/>
+                      <a:headEnd type="none" w="med" len="med"/>
+                      <a:tailEnd type="none" w="med" len="med"/>
+                    </a:lnT>
+                    <a:lnB w="12700" cap="flat" cmpd="sng" algn="ctr">
+                      <a:noFill/>
+                      <a:prstDash val="solid"/>
+                      <a:round/>
+                      <a:headEnd type="none" w="med" len="med"/>
+                      <a:tailEnd type="none" w="med" len="med"/>
+                    </a:lnB>
+                    <a:lnTlToBr w="12700" cmpd="sng">
+                      <a:noFill/>
+                      <a:prstDash val="solid"/>
+                    </a:lnTlToBr>
+                    <a:lnBlToTr w="12700" cmpd="sng">
+                      <a:noFill/>
+                      <a:prstDash val="solid"/>
+                    </a:lnBlToTr>
+                  </a:tcPr>
+                </a:tc>
+                <a:tc>
+                  <a:txBody>
+                    <a:bodyPr/>
+                    <a:lstStyle/>
+                    <a:p>
+                      <a:r>
+                        <a:rPr lang="en-US" dirty="0"/>
+                        <a:t>N</a:t>
+                      </a:r>
+                    </a:p>
+                  </a:txBody>
+                  <a:tcPr>
+                    <a:lnL w="12700" cap="flat" cmpd="sng" algn="ctr">
+                      <a:noFill/>
+                      <a:prstDash val="solid"/>
+                      <a:round/>
+                      <a:headEnd type="none" w="med" len="med"/>
+                      <a:tailEnd type="none" w="med" len="med"/>
+                    </a:lnL>
+                    <a:lnR w="12700" cap="flat" cmpd="sng" algn="ctr">
+                      <a:noFill/>
+                      <a:prstDash val="solid"/>
+                      <a:round/>
+                      <a:headEnd type="none" w="med" len="med"/>
+                      <a:tailEnd type="none" w="med" len="med"/>
+                    </a:lnR>
+                    <a:lnT w="12700" cap="flat" cmpd="sng" algn="ctr">
+                      <a:noFill/>
+                      <a:prstDash val="solid"/>
+                      <a:round/>
+                      <a:headEnd type="none" w="med" len="med"/>
+                      <a:tailEnd type="none" w="med" len="med"/>
+                    </a:lnT>
+                    <a:lnB w="12700" cap="flat" cmpd="sng" algn="ctr">
+                      <a:noFill/>
+                      <a:prstDash val="solid"/>
+                      <a:round/>
+                      <a:headEnd type="none" w="med" len="med"/>
+                      <a:tailEnd type="none" w="med" len="med"/>
+                    </a:lnB>
+                    <a:lnTlToBr w="12700" cmpd="sng">
+                      <a:noFill/>
+                      <a:prstDash val="solid"/>
+                    </a:lnTlToBr>
+                    <a:lnBlToTr w="12700" cmpd="sng">
+                      <a:noFill/>
+                      <a:prstDash val="solid"/>
+                    </a:lnBlToTr>
+                  </a:tcPr>
+                </a:tc>
+                <a:tc>
+                  <a:txBody>
+                    <a:bodyPr/>
+                    <a:lstStyle/>
+                    <a:p>
+                      <a:r>
+                        <a:rPr lang="en-US" dirty="0"/>
+                        <a:t>N</a:t>
+                      </a:r>
+                    </a:p>
+                  </a:txBody>
+                  <a:tcPr>
+                    <a:lnL w="12700" cap="flat" cmpd="sng" algn="ctr">
+                      <a:noFill/>
+                      <a:prstDash val="solid"/>
+                      <a:round/>
+                      <a:headEnd type="none" w="med" len="med"/>
+                      <a:tailEnd type="none" w="med" len="med"/>
+                    </a:lnL>
+                    <a:lnR w="12700" cap="flat" cmpd="sng" algn="ctr">
+                      <a:noFill/>
+                      <a:prstDash val="solid"/>
+                      <a:round/>
+                      <a:headEnd type="none" w="med" len="med"/>
+                      <a:tailEnd type="none" w="med" len="med"/>
+                    </a:lnR>
+                    <a:lnT w="12700" cap="flat" cmpd="sng" algn="ctr">
+                      <a:noFill/>
+                      <a:prstDash val="solid"/>
+                      <a:round/>
+                      <a:headEnd type="none" w="med" len="med"/>
+                      <a:tailEnd type="none" w="med" len="med"/>
+                    </a:lnT>
+                    <a:lnB w="12700" cap="flat" cmpd="sng" algn="ctr">
+                      <a:noFill/>
+                      <a:prstDash val="solid"/>
+                      <a:round/>
+                      <a:headEnd type="none" w="med" len="med"/>
+                      <a:tailEnd type="none" w="med" len="med"/>
+                    </a:lnB>
+                    <a:lnTlToBr w="12700" cmpd="sng">
+                      <a:noFill/>
+                      <a:prstDash val="solid"/>
+                    </a:lnTlToBr>
+                    <a:lnBlToTr w="12700" cmpd="sng">
+                      <a:noFill/>
+                      <a:prstDash val="solid"/>
+                    </a:lnBlToTr>
+                  </a:tcPr>
+                </a:tc>
+                <a:tc>
+                  <a:txBody>
+                    <a:bodyPr/>
+                    <a:lstStyle/>
+                    <a:p>
+                      <a:r>
+                        <a:rPr lang="en-US" dirty="0"/>
+                        <a:t>N</a:t>
+                      </a:r>
+                    </a:p>
+                  </a:txBody>
+                  <a:tcPr>
+                    <a:lnL w="12700" cap="flat" cmpd="sng" algn="ctr">
+                      <a:noFill/>
+                      <a:prstDash val="solid"/>
+                      <a:round/>
+                      <a:headEnd type="none" w="med" len="med"/>
+                      <a:tailEnd type="none" w="med" len="med"/>
+                    </a:lnL>
+                    <a:lnR w="12700" cap="flat" cmpd="sng" algn="ctr">
+                      <a:noFill/>
+                      <a:prstDash val="solid"/>
+                      <a:round/>
+                      <a:headEnd type="none" w="med" len="med"/>
+                      <a:tailEnd type="none" w="med" len="med"/>
+                    </a:lnR>
+                    <a:lnT w="12700" cap="flat" cmpd="sng" algn="ctr">
+                      <a:noFill/>
+                      <a:prstDash val="solid"/>
+                      <a:round/>
+                      <a:headEnd type="none" w="med" len="med"/>
+                      <a:tailEnd type="none" w="med" len="med"/>
+                    </a:lnT>
+                    <a:lnB w="12700" cap="flat" cmpd="sng" algn="ctr">
+                      <a:noFill/>
+                      <a:prstDash val="solid"/>
+                      <a:round/>
+                      <a:headEnd type="none" w="med" len="med"/>
+                      <a:tailEnd type="none" w="med" len="med"/>
+                    </a:lnB>
+                    <a:lnTlToBr w="12700" cmpd="sng">
+                      <a:noFill/>
+                      <a:prstDash val="solid"/>
+                    </a:lnTlToBr>
+                    <a:lnBlToTr w="12700" cmpd="sng">
+                      <a:noFill/>
+                      <a:prstDash val="solid"/>
+                    </a:lnBlToTr>
+                  </a:tcPr>
+                </a:tc>
+                <a:extLst>
+                  <a:ext uri="{0D108BD9-81ED-4DB2-BD59-A6C34878D82A}">
+                    <a16:rowId xmlns:a16="http://schemas.microsoft.com/office/drawing/2014/main" val="3236293319"/>
+                  </a:ext>
+                </a:extLst>
+              </a:tr>
+              <a:tr h="370840">
+                <a:tc>
+                  <a:txBody>
+                    <a:bodyPr/>
+                    <a:lstStyle/>
+                    <a:p>
+                      <a:r>
+                        <a:rPr lang="en-US" dirty="0"/>
+                        <a:t>P</a:t>
+                      </a:r>
+                    </a:p>
+                  </a:txBody>
+                  <a:tcPr>
+                    <a:lnL w="12700" cap="flat" cmpd="sng" algn="ctr">
+                      <a:noFill/>
+                      <a:prstDash val="solid"/>
+                      <a:round/>
+                      <a:headEnd type="none" w="med" len="med"/>
+                      <a:tailEnd type="none" w="med" len="med"/>
+                    </a:lnL>
+                    <a:lnR w="12700" cap="flat" cmpd="sng" algn="ctr">
+                      <a:noFill/>
+                      <a:prstDash val="solid"/>
+                      <a:round/>
+                      <a:headEnd type="none" w="med" len="med"/>
+                      <a:tailEnd type="none" w="med" len="med"/>
+                    </a:lnR>
+                    <a:lnT w="12700" cap="flat" cmpd="sng" algn="ctr">
+                      <a:noFill/>
+                      <a:prstDash val="solid"/>
+                      <a:round/>
+                      <a:headEnd type="none" w="med" len="med"/>
+                      <a:tailEnd type="none" w="med" len="med"/>
+                    </a:lnT>
+                    <a:lnB w="12700" cap="flat" cmpd="sng" algn="ctr">
+                      <a:noFill/>
+                      <a:prstDash val="solid"/>
+                      <a:round/>
+                      <a:headEnd type="none" w="med" len="med"/>
+                      <a:tailEnd type="none" w="med" len="med"/>
+                    </a:lnB>
+                    <a:lnTlToBr w="12700" cmpd="sng">
+                      <a:noFill/>
+                      <a:prstDash val="solid"/>
+                    </a:lnTlToBr>
+                    <a:lnBlToTr w="12700" cmpd="sng">
+                      <a:noFill/>
+                      <a:prstDash val="solid"/>
+                    </a:lnBlToTr>
+                  </a:tcPr>
+                </a:tc>
+                <a:tc>
+                  <a:txBody>
+                    <a:bodyPr/>
+                    <a:lstStyle/>
+                    <a:p>
+                      <a:r>
+                        <a:rPr lang="en-US" dirty="0"/>
+                        <a:t>N</a:t>
+                      </a:r>
+                    </a:p>
+                  </a:txBody>
+                  <a:tcPr>
+                    <a:lnL w="12700" cap="flat" cmpd="sng" algn="ctr">
+                      <a:noFill/>
+                      <a:prstDash val="solid"/>
+                      <a:round/>
+                      <a:headEnd type="none" w="med" len="med"/>
+                      <a:tailEnd type="none" w="med" len="med"/>
+                    </a:lnL>
+                    <a:lnR w="12700" cap="flat" cmpd="sng" algn="ctr">
+                      <a:noFill/>
+                      <a:prstDash val="solid"/>
+                      <a:round/>
+                      <a:headEnd type="none" w="med" len="med"/>
+                      <a:tailEnd type="none" w="med" len="med"/>
+                    </a:lnR>
+                    <a:lnT w="12700" cap="flat" cmpd="sng" algn="ctr">
+                      <a:noFill/>
+                      <a:prstDash val="solid"/>
+                      <a:round/>
+                      <a:headEnd type="none" w="med" len="med"/>
+                      <a:tailEnd type="none" w="med" len="med"/>
+                    </a:lnT>
+                    <a:lnB w="12700" cap="flat" cmpd="sng" algn="ctr">
+                      <a:noFill/>
+                      <a:prstDash val="solid"/>
+                      <a:round/>
+                      <a:headEnd type="none" w="med" len="med"/>
+                      <a:tailEnd type="none" w="med" len="med"/>
+                    </a:lnB>
+                    <a:lnTlToBr w="12700" cmpd="sng">
+                      <a:noFill/>
+                      <a:prstDash val="solid"/>
+                    </a:lnTlToBr>
+                    <a:lnBlToTr w="12700" cmpd="sng">
+                      <a:noFill/>
+                      <a:prstDash val="solid"/>
+                    </a:lnBlToTr>
+                  </a:tcPr>
+                </a:tc>
+                <a:tc>
+                  <a:txBody>
+                    <a:bodyPr/>
+                    <a:lstStyle/>
+                    <a:p>
+                      <a:r>
+                        <a:rPr lang="en-US" dirty="0"/>
+                        <a:t>N</a:t>
+                      </a:r>
+                    </a:p>
+                  </a:txBody>
+                  <a:tcPr>
+                    <a:lnL w="12700" cap="flat" cmpd="sng" algn="ctr">
+                      <a:noFill/>
+                      <a:prstDash val="solid"/>
+                      <a:round/>
+                      <a:headEnd type="none" w="med" len="med"/>
+                      <a:tailEnd type="none" w="med" len="med"/>
+                    </a:lnL>
+                    <a:lnR w="12700" cap="flat" cmpd="sng" algn="ctr">
+                      <a:noFill/>
+                      <a:prstDash val="solid"/>
+                      <a:round/>
+                      <a:headEnd type="none" w="med" len="med"/>
+                      <a:tailEnd type="none" w="med" len="med"/>
+                    </a:lnR>
+                    <a:lnT w="12700" cap="flat" cmpd="sng" algn="ctr">
+                      <a:noFill/>
+                      <a:prstDash val="solid"/>
+                      <a:round/>
+                      <a:headEnd type="none" w="med" len="med"/>
+                      <a:tailEnd type="none" w="med" len="med"/>
+                    </a:lnT>
+                    <a:lnB w="12700" cap="flat" cmpd="sng" algn="ctr">
+                      <a:noFill/>
+                      <a:prstDash val="solid"/>
+                      <a:round/>
+                      <a:headEnd type="none" w="med" len="med"/>
+                      <a:tailEnd type="none" w="med" len="med"/>
+                    </a:lnB>
+                    <a:lnTlToBr w="12700" cmpd="sng">
+                      <a:noFill/>
+                      <a:prstDash val="solid"/>
+                    </a:lnTlToBr>
+                    <a:lnBlToTr w="12700" cmpd="sng">
+                      <a:noFill/>
+                      <a:prstDash val="solid"/>
+                    </a:lnBlToTr>
+                  </a:tcPr>
+                </a:tc>
+                <a:tc>
+                  <a:txBody>
+                    <a:bodyPr/>
+                    <a:lstStyle/>
+                    <a:p>
+                      <a:r>
+                        <a:rPr lang="en-US" dirty="0"/>
+                        <a:t>N</a:t>
+                      </a:r>
+                    </a:p>
+                  </a:txBody>
+                  <a:tcPr>
+                    <a:lnL w="12700" cap="flat" cmpd="sng" algn="ctr">
+                      <a:noFill/>
+                      <a:prstDash val="solid"/>
+                      <a:round/>
+                      <a:headEnd type="none" w="med" len="med"/>
+                      <a:tailEnd type="none" w="med" len="med"/>
+                    </a:lnL>
+                    <a:lnR w="12700" cap="flat" cmpd="sng" algn="ctr">
+                      <a:noFill/>
+                      <a:prstDash val="solid"/>
+                      <a:round/>
+                      <a:headEnd type="none" w="med" len="med"/>
+                      <a:tailEnd type="none" w="med" len="med"/>
+                    </a:lnR>
+                    <a:lnT w="12700" cap="flat" cmpd="sng" algn="ctr">
+                      <a:noFill/>
+                      <a:prstDash val="solid"/>
+                      <a:round/>
+                      <a:headEnd type="none" w="med" len="med"/>
+                      <a:tailEnd type="none" w="med" len="med"/>
+                    </a:lnT>
+                    <a:lnB w="12700" cap="flat" cmpd="sng" algn="ctr">
+                      <a:noFill/>
+                      <a:prstDash val="solid"/>
+                      <a:round/>
+                      <a:headEnd type="none" w="med" len="med"/>
+                      <a:tailEnd type="none" w="med" len="med"/>
+                    </a:lnB>
+                    <a:lnTlToBr w="12700" cmpd="sng">
+                      <a:noFill/>
+                      <a:prstDash val="solid"/>
+                    </a:lnTlToBr>
+                    <a:lnBlToTr w="12700" cmpd="sng">
+                      <a:noFill/>
+                      <a:prstDash val="solid"/>
+                    </a:lnBlToTr>
+                  </a:tcPr>
+                </a:tc>
+                <a:tc>
+                  <a:txBody>
+                    <a:bodyPr/>
+                    <a:lstStyle/>
+                    <a:p>
+                      <a:r>
+                        <a:rPr lang="en-US" dirty="0"/>
+                        <a:t>N</a:t>
+                      </a:r>
+                    </a:p>
+                  </a:txBody>
+                  <a:tcPr>
+                    <a:lnL w="12700" cap="flat" cmpd="sng" algn="ctr">
+                      <a:noFill/>
+                      <a:prstDash val="solid"/>
+                      <a:round/>
+                      <a:headEnd type="none" w="med" len="med"/>
+                      <a:tailEnd type="none" w="med" len="med"/>
+                    </a:lnL>
+                    <a:lnR w="12700" cap="flat" cmpd="sng" algn="ctr">
+                      <a:noFill/>
+                      <a:prstDash val="solid"/>
+                      <a:round/>
+                      <a:headEnd type="none" w="med" len="med"/>
+                      <a:tailEnd type="none" w="med" len="med"/>
+                    </a:lnR>
+                    <a:lnT w="12700" cap="flat" cmpd="sng" algn="ctr">
+                      <a:noFill/>
+                      <a:prstDash val="solid"/>
+                      <a:round/>
+                      <a:headEnd type="none" w="med" len="med"/>
+                      <a:tailEnd type="none" w="med" len="med"/>
+                    </a:lnT>
+                    <a:lnB w="12700" cap="flat" cmpd="sng" algn="ctr">
+                      <a:noFill/>
+                      <a:prstDash val="solid"/>
+                      <a:round/>
+                      <a:headEnd type="none" w="med" len="med"/>
+                      <a:tailEnd type="none" w="med" len="med"/>
+                    </a:lnB>
+                    <a:lnTlToBr w="12700" cmpd="sng">
+                      <a:noFill/>
+                      <a:prstDash val="solid"/>
+                    </a:lnTlToBr>
+                    <a:lnBlToTr w="12700" cmpd="sng">
+                      <a:noFill/>
+                      <a:prstDash val="solid"/>
+                    </a:lnBlToTr>
+                  </a:tcPr>
+                </a:tc>
+                <a:tc>
+                  <a:txBody>
+                    <a:bodyPr/>
+                    <a:lstStyle/>
+                    <a:p>
+                      <a:r>
+                        <a:rPr lang="en-US" dirty="0"/>
+                        <a:t>N</a:t>
+                      </a:r>
+                    </a:p>
+                  </a:txBody>
+                  <a:tcPr>
+                    <a:lnL w="12700" cap="flat" cmpd="sng" algn="ctr">
+                      <a:noFill/>
+                      <a:prstDash val="solid"/>
+                      <a:round/>
+                      <a:headEnd type="none" w="med" len="med"/>
+                      <a:tailEnd type="none" w="med" len="med"/>
+                    </a:lnL>
+                    <a:lnR w="12700" cap="flat" cmpd="sng" algn="ctr">
+                      <a:noFill/>
+                      <a:prstDash val="solid"/>
+                      <a:round/>
+                      <a:headEnd type="none" w="med" len="med"/>
+                      <a:tailEnd type="none" w="med" len="med"/>
+                    </a:lnR>
+                    <a:lnT w="12700" cap="flat" cmpd="sng" algn="ctr">
+                      <a:noFill/>
+                      <a:prstDash val="solid"/>
+                      <a:round/>
+                      <a:headEnd type="none" w="med" len="med"/>
+                      <a:tailEnd type="none" w="med" len="med"/>
+                    </a:lnT>
+                    <a:lnB w="12700" cap="flat" cmpd="sng" algn="ctr">
+                      <a:noFill/>
+                      <a:prstDash val="solid"/>
+                      <a:round/>
+                      <a:headEnd type="none" w="med" len="med"/>
+                      <a:tailEnd type="none" w="med" len="med"/>
+                    </a:lnB>
+                    <a:lnTlToBr w="12700" cmpd="sng">
+                      <a:noFill/>
+                      <a:prstDash val="solid"/>
+                    </a:lnTlToBr>
+                    <a:lnBlToTr w="12700" cmpd="sng">
+                      <a:noFill/>
+                      <a:prstDash val="solid"/>
+                    </a:lnBlToTr>
+                  </a:tcPr>
+                </a:tc>
+                <a:tc>
+                  <a:txBody>
+                    <a:bodyPr/>
+                    <a:lstStyle/>
+                    <a:p>
+                      <a:r>
+                        <a:rPr lang="en-US" dirty="0"/>
+                        <a:t>N</a:t>
+                      </a:r>
+                    </a:p>
+                  </a:txBody>
+                  <a:tcPr>
+                    <a:lnL w="12700" cap="flat" cmpd="sng" algn="ctr">
+                      <a:noFill/>
+                      <a:prstDash val="solid"/>
+                      <a:round/>
+                      <a:headEnd type="none" w="med" len="med"/>
+                      <a:tailEnd type="none" w="med" len="med"/>
+                    </a:lnL>
+                    <a:lnR w="12700" cap="flat" cmpd="sng" algn="ctr">
+                      <a:noFill/>
+                      <a:prstDash val="solid"/>
+                      <a:round/>
+                      <a:headEnd type="none" w="med" len="med"/>
+                      <a:tailEnd type="none" w="med" len="med"/>
+                    </a:lnR>
+                    <a:lnT w="12700" cap="flat" cmpd="sng" algn="ctr">
+                      <a:noFill/>
+                      <a:prstDash val="solid"/>
+                      <a:round/>
+                      <a:headEnd type="none" w="med" len="med"/>
+                      <a:tailEnd type="none" w="med" len="med"/>
+                    </a:lnT>
+                    <a:lnB w="12700" cap="flat" cmpd="sng" algn="ctr">
+                      <a:noFill/>
+                      <a:prstDash val="solid"/>
+                      <a:round/>
+                      <a:headEnd type="none" w="med" len="med"/>
+                      <a:tailEnd type="none" w="med" len="med"/>
+                    </a:lnB>
+                    <a:lnTlToBr w="12700" cmpd="sng">
+                      <a:noFill/>
+                      <a:prstDash val="solid"/>
+                    </a:lnTlToBr>
+                    <a:lnBlToTr w="12700" cmpd="sng">
+                      <a:noFill/>
+                      <a:prstDash val="solid"/>
+                    </a:lnBlToTr>
+                  </a:tcPr>
+                </a:tc>
+                <a:tc>
+                  <a:txBody>
+                    <a:bodyPr/>
+                    <a:lstStyle/>
+                    <a:p>
+                      <a:r>
+                        <a:rPr lang="en-US" dirty="0"/>
+                        <a:t>P</a:t>
+                      </a:r>
+                    </a:p>
+                  </a:txBody>
+                  <a:tcPr>
+                    <a:lnL w="12700" cap="flat" cmpd="sng" algn="ctr">
+                      <a:noFill/>
+                      <a:prstDash val="solid"/>
+                      <a:round/>
+                      <a:headEnd type="none" w="med" len="med"/>
+                      <a:tailEnd type="none" w="med" len="med"/>
+                    </a:lnL>
+                    <a:lnR w="12700" cap="flat" cmpd="sng" algn="ctr">
+                      <a:noFill/>
+                      <a:prstDash val="solid"/>
+                      <a:round/>
+                      <a:headEnd type="none" w="med" len="med"/>
+                      <a:tailEnd type="none" w="med" len="med"/>
+                    </a:lnR>
+                    <a:lnT w="12700" cap="flat" cmpd="sng" algn="ctr">
+                      <a:noFill/>
+                      <a:prstDash val="solid"/>
+                      <a:round/>
+                      <a:headEnd type="none" w="med" len="med"/>
+                      <a:tailEnd type="none" w="med" len="med"/>
+                    </a:lnT>
+                    <a:lnB w="12700" cap="flat" cmpd="sng" algn="ctr">
+                      <a:noFill/>
+                      <a:prstDash val="solid"/>
+                      <a:round/>
+                      <a:headEnd type="none" w="med" len="med"/>
+                      <a:tailEnd type="none" w="med" len="med"/>
+                    </a:lnB>
+                    <a:lnTlToBr w="12700" cmpd="sng">
+                      <a:noFill/>
+                      <a:prstDash val="solid"/>
+                    </a:lnTlToBr>
+                    <a:lnBlToTr w="12700" cmpd="sng">
+                      <a:noFill/>
+                      <a:prstDash val="solid"/>
+                    </a:lnBlToTr>
+                  </a:tcPr>
+                </a:tc>
+                <a:extLst>
+                  <a:ext uri="{0D108BD9-81ED-4DB2-BD59-A6C34878D82A}">
+                    <a16:rowId xmlns:a16="http://schemas.microsoft.com/office/drawing/2014/main" val="3585668597"/>
+                  </a:ext>
+                </a:extLst>
+              </a:tr>
+              <a:tr h="370840">
+                <a:tc>
+                  <a:txBody>
+                    <a:bodyPr/>
+                    <a:lstStyle/>
+                    <a:p>
+                      <a:r>
+                        <a:rPr lang="en-US" dirty="0"/>
+                        <a:t>N</a:t>
+                      </a:r>
+                    </a:p>
+                  </a:txBody>
+                  <a:tcPr>
+                    <a:lnL w="12700" cap="flat" cmpd="sng" algn="ctr">
+                      <a:noFill/>
+                      <a:prstDash val="solid"/>
+                      <a:round/>
+                      <a:headEnd type="none" w="med" len="med"/>
+                      <a:tailEnd type="none" w="med" len="med"/>
+                    </a:lnL>
+                    <a:lnR w="12700" cap="flat" cmpd="sng" algn="ctr">
+                      <a:noFill/>
+                      <a:prstDash val="solid"/>
+                      <a:round/>
+                      <a:headEnd type="none" w="med" len="med"/>
+                      <a:tailEnd type="none" w="med" len="med"/>
+                    </a:lnR>
+                    <a:lnT w="12700" cap="flat" cmpd="sng" algn="ctr">
+                      <a:noFill/>
+                      <a:prstDash val="solid"/>
+                      <a:round/>
+                      <a:headEnd type="none" w="med" len="med"/>
+                      <a:tailEnd type="none" w="med" len="med"/>
+                    </a:lnT>
+                    <a:lnB w="12700" cap="flat" cmpd="sng" algn="ctr">
+                      <a:noFill/>
+                      <a:prstDash val="solid"/>
+                      <a:round/>
+                      <a:headEnd type="none" w="med" len="med"/>
+                      <a:tailEnd type="none" w="med" len="med"/>
+                    </a:lnB>
+                    <a:lnTlToBr w="12700" cmpd="sng">
+                      <a:noFill/>
+                      <a:prstDash val="solid"/>
+                    </a:lnTlToBr>
+                    <a:lnBlToTr w="12700" cmpd="sng">
+                      <a:noFill/>
+                      <a:prstDash val="solid"/>
+                    </a:lnBlToTr>
+                  </a:tcPr>
+                </a:tc>
+                <a:tc>
+                  <a:txBody>
+                    <a:bodyPr/>
+                    <a:lstStyle/>
+                    <a:p>
+                      <a:r>
+                        <a:rPr lang="en-US" dirty="0"/>
+                        <a:t>P</a:t>
+                      </a:r>
+                    </a:p>
+                  </a:txBody>
+                  <a:tcPr>
+                    <a:lnL w="12700" cap="flat" cmpd="sng" algn="ctr">
+                      <a:noFill/>
+                      <a:prstDash val="solid"/>
+                      <a:round/>
+                      <a:headEnd type="none" w="med" len="med"/>
+                      <a:tailEnd type="none" w="med" len="med"/>
+                    </a:lnL>
+                    <a:lnR w="12700" cap="flat" cmpd="sng" algn="ctr">
+                      <a:noFill/>
+                      <a:prstDash val="solid"/>
+                      <a:round/>
+                      <a:headEnd type="none" w="med" len="med"/>
+                      <a:tailEnd type="none" w="med" len="med"/>
+                    </a:lnR>
+                    <a:lnT w="12700" cap="flat" cmpd="sng" algn="ctr">
+                      <a:noFill/>
+                      <a:prstDash val="solid"/>
+                      <a:round/>
+                      <a:headEnd type="none" w="med" len="med"/>
+                      <a:tailEnd type="none" w="med" len="med"/>
+                    </a:lnT>
+                    <a:lnB w="12700" cap="flat" cmpd="sng" algn="ctr">
+                      <a:noFill/>
+                      <a:prstDash val="solid"/>
+                      <a:round/>
+                      <a:headEnd type="none" w="med" len="med"/>
+                      <a:tailEnd type="none" w="med" len="med"/>
+                    </a:lnB>
+                    <a:lnTlToBr w="12700" cmpd="sng">
+                      <a:noFill/>
+                      <a:prstDash val="solid"/>
+                    </a:lnTlToBr>
+                    <a:lnBlToTr w="12700" cmpd="sng">
+                      <a:noFill/>
+                      <a:prstDash val="solid"/>
+                    </a:lnBlToTr>
+                  </a:tcPr>
+                </a:tc>
+                <a:tc>
+                  <a:txBody>
+                    <a:bodyPr/>
+                    <a:lstStyle/>
+                    <a:p>
+                      <a:r>
+                        <a:rPr lang="en-US" dirty="0"/>
+                        <a:t>N</a:t>
+                      </a:r>
+                    </a:p>
+                  </a:txBody>
+                  <a:tcPr>
+                    <a:lnL w="12700" cap="flat" cmpd="sng" algn="ctr">
+                      <a:noFill/>
+                      <a:prstDash val="solid"/>
+                      <a:round/>
+                      <a:headEnd type="none" w="med" len="med"/>
+                      <a:tailEnd type="none" w="med" len="med"/>
+                    </a:lnL>
+                    <a:lnR w="12700" cap="flat" cmpd="sng" algn="ctr">
+                      <a:noFill/>
+                      <a:prstDash val="solid"/>
+                      <a:round/>
+                      <a:headEnd type="none" w="med" len="med"/>
+                      <a:tailEnd type="none" w="med" len="med"/>
+                    </a:lnR>
+                    <a:lnT w="12700" cap="flat" cmpd="sng" algn="ctr">
+                      <a:noFill/>
+                      <a:prstDash val="solid"/>
+                      <a:round/>
+                      <a:headEnd type="none" w="med" len="med"/>
+                      <a:tailEnd type="none" w="med" len="med"/>
+                    </a:lnT>
+                    <a:lnB w="12700" cap="flat" cmpd="sng" algn="ctr">
+                      <a:noFill/>
+                      <a:prstDash val="solid"/>
+                      <a:round/>
+                      <a:headEnd type="none" w="med" len="med"/>
+                      <a:tailEnd type="none" w="med" len="med"/>
+                    </a:lnB>
+                    <a:lnTlToBr w="12700" cmpd="sng">
+                      <a:noFill/>
+                      <a:prstDash val="solid"/>
+                    </a:lnTlToBr>
+                    <a:lnBlToTr w="12700" cmpd="sng">
+                      <a:noFill/>
+                      <a:prstDash val="solid"/>
+                    </a:lnBlToTr>
+                  </a:tcPr>
+                </a:tc>
+                <a:tc>
+                  <a:txBody>
+                    <a:bodyPr/>
+                    <a:lstStyle/>
+                    <a:p>
+                      <a:r>
+                        <a:rPr lang="en-US" dirty="0"/>
+                        <a:t>P</a:t>
+                      </a:r>
+                    </a:p>
+                  </a:txBody>
+                  <a:tcPr>
+                    <a:lnL w="12700" cap="flat" cmpd="sng" algn="ctr">
+                      <a:noFill/>
+                      <a:prstDash val="solid"/>
+                      <a:round/>
+                      <a:headEnd type="none" w="med" len="med"/>
+                      <a:tailEnd type="none" w="med" len="med"/>
+                    </a:lnL>
+                    <a:lnR w="12700" cap="flat" cmpd="sng" algn="ctr">
+                      <a:noFill/>
+                      <a:prstDash val="solid"/>
+                      <a:round/>
+                      <a:headEnd type="none" w="med" len="med"/>
+                      <a:tailEnd type="none" w="med" len="med"/>
+                    </a:lnR>
+                    <a:lnT w="12700" cap="flat" cmpd="sng" algn="ctr">
+                      <a:noFill/>
+                      <a:prstDash val="solid"/>
+                      <a:round/>
+                      <a:headEnd type="none" w="med" len="med"/>
+                      <a:tailEnd type="none" w="med" len="med"/>
+                    </a:lnT>
+                    <a:lnB w="12700" cap="flat" cmpd="sng" algn="ctr">
+                      <a:noFill/>
+                      <a:prstDash val="solid"/>
+                      <a:round/>
+                      <a:headEnd type="none" w="med" len="med"/>
+                      <a:tailEnd type="none" w="med" len="med"/>
+                    </a:lnB>
+                    <a:lnTlToBr w="12700" cmpd="sng">
+                      <a:noFill/>
+                      <a:prstDash val="solid"/>
+                    </a:lnTlToBr>
+                    <a:lnBlToTr w="12700" cmpd="sng">
+                      <a:noFill/>
+                      <a:prstDash val="solid"/>
+                    </a:lnBlToTr>
+                  </a:tcPr>
+                </a:tc>
+                <a:tc>
+                  <a:txBody>
+                    <a:bodyPr/>
+                    <a:lstStyle/>
+                    <a:p>
+                      <a:r>
+                        <a:rPr lang="en-US" dirty="0"/>
+                        <a:t>N</a:t>
+                      </a:r>
+                    </a:p>
+                  </a:txBody>
+                  <a:tcPr>
+                    <a:lnL w="12700" cap="flat" cmpd="sng" algn="ctr">
+                      <a:noFill/>
+                      <a:prstDash val="solid"/>
+                      <a:round/>
+                      <a:headEnd type="none" w="med" len="med"/>
+                      <a:tailEnd type="none" w="med" len="med"/>
+                    </a:lnL>
+                    <a:lnR w="12700" cap="flat" cmpd="sng" algn="ctr">
+                      <a:noFill/>
+                      <a:prstDash val="solid"/>
+                      <a:round/>
+                      <a:headEnd type="none" w="med" len="med"/>
+                      <a:tailEnd type="none" w="med" len="med"/>
+                    </a:lnR>
+                    <a:lnT w="12700" cap="flat" cmpd="sng" algn="ctr">
+                      <a:noFill/>
+                      <a:prstDash val="solid"/>
+                      <a:round/>
+                      <a:headEnd type="none" w="med" len="med"/>
+                      <a:tailEnd type="none" w="med" len="med"/>
+                    </a:lnT>
+                    <a:lnB w="12700" cap="flat" cmpd="sng" algn="ctr">
+                      <a:noFill/>
+                      <a:prstDash val="solid"/>
+                      <a:round/>
+                      <a:headEnd type="none" w="med" len="med"/>
+                      <a:tailEnd type="none" w="med" len="med"/>
+                    </a:lnB>
+                    <a:lnTlToBr w="12700" cmpd="sng">
+                      <a:noFill/>
+                      <a:prstDash val="solid"/>
+                    </a:lnTlToBr>
+                    <a:lnBlToTr w="12700" cmpd="sng">
+                      <a:noFill/>
+                      <a:prstDash val="solid"/>
+                    </a:lnBlToTr>
+                  </a:tcPr>
+                </a:tc>
+                <a:tc>
+                  <a:txBody>
+                    <a:bodyPr/>
+                    <a:lstStyle/>
+                    <a:p>
+                      <a:r>
+                        <a:rPr lang="en-US" dirty="0"/>
+                        <a:t>P</a:t>
+                      </a:r>
+                    </a:p>
+                  </a:txBody>
+                  <a:tcPr>
+                    <a:lnL w="12700" cap="flat" cmpd="sng" algn="ctr">
+                      <a:noFill/>
+                      <a:prstDash val="solid"/>
+                      <a:round/>
+                      <a:headEnd type="none" w="med" len="med"/>
+                      <a:tailEnd type="none" w="med" len="med"/>
+                    </a:lnL>
+                    <a:lnR w="12700" cap="flat" cmpd="sng" algn="ctr">
+                      <a:noFill/>
+                      <a:prstDash val="solid"/>
+                      <a:round/>
+                      <a:headEnd type="none" w="med" len="med"/>
+                      <a:tailEnd type="none" w="med" len="med"/>
+                    </a:lnR>
+                    <a:lnT w="12700" cap="flat" cmpd="sng" algn="ctr">
+                      <a:noFill/>
+                      <a:prstDash val="solid"/>
+                      <a:round/>
+                      <a:headEnd type="none" w="med" len="med"/>
+                      <a:tailEnd type="none" w="med" len="med"/>
+                    </a:lnT>
+                    <a:lnB w="12700" cap="flat" cmpd="sng" algn="ctr">
+                      <a:noFill/>
+                      <a:prstDash val="solid"/>
+                      <a:round/>
+                      <a:headEnd type="none" w="med" len="med"/>
+                      <a:tailEnd type="none" w="med" len="med"/>
+                    </a:lnB>
+                    <a:lnTlToBr w="12700" cmpd="sng">
+                      <a:noFill/>
+                      <a:prstDash val="solid"/>
+                    </a:lnTlToBr>
+                    <a:lnBlToTr w="12700" cmpd="sng">
+                      <a:noFill/>
+                      <a:prstDash val="solid"/>
+                    </a:lnBlToTr>
+                  </a:tcPr>
+                </a:tc>
+                <a:tc>
+                  <a:txBody>
+                    <a:bodyPr/>
+                    <a:lstStyle/>
+                    <a:p>
+                      <a:r>
+                        <a:rPr lang="en-US" dirty="0"/>
+                        <a:t>N</a:t>
+                      </a:r>
+                    </a:p>
+                  </a:txBody>
+                  <a:tcPr>
+                    <a:lnL w="12700" cap="flat" cmpd="sng" algn="ctr">
+                      <a:noFill/>
+                      <a:prstDash val="solid"/>
+                      <a:round/>
+                      <a:headEnd type="none" w="med" len="med"/>
+                      <a:tailEnd type="none" w="med" len="med"/>
+                    </a:lnL>
+                    <a:lnR w="12700" cap="flat" cmpd="sng" algn="ctr">
+                      <a:noFill/>
+                      <a:prstDash val="solid"/>
+                      <a:round/>
+                      <a:headEnd type="none" w="med" len="med"/>
+                      <a:tailEnd type="none" w="med" len="med"/>
+                    </a:lnR>
+                    <a:lnT w="12700" cap="flat" cmpd="sng" algn="ctr">
+                      <a:noFill/>
+                      <a:prstDash val="solid"/>
+                      <a:round/>
+                      <a:headEnd type="none" w="med" len="med"/>
+                      <a:tailEnd type="none" w="med" len="med"/>
+                    </a:lnT>
+                    <a:lnB w="12700" cap="flat" cmpd="sng" algn="ctr">
+                      <a:noFill/>
+                      <a:prstDash val="solid"/>
+                      <a:round/>
+                      <a:headEnd type="none" w="med" len="med"/>
+                      <a:tailEnd type="none" w="med" len="med"/>
+                    </a:lnB>
+                    <a:lnTlToBr w="12700" cmpd="sng">
+                      <a:noFill/>
+                      <a:prstDash val="solid"/>
+                    </a:lnTlToBr>
+                    <a:lnBlToTr w="12700" cmpd="sng">
+                      <a:noFill/>
+                      <a:prstDash val="solid"/>
+                    </a:lnBlToTr>
+                  </a:tcPr>
+                </a:tc>
+                <a:tc>
+                  <a:txBody>
+                    <a:bodyPr/>
+                    <a:lstStyle/>
+                    <a:p>
+                      <a:r>
+                        <a:rPr lang="en-US" dirty="0"/>
+                        <a:t>P</a:t>
+                      </a:r>
+                    </a:p>
+                  </a:txBody>
+                  <a:tcPr>
+                    <a:lnL w="12700" cap="flat" cmpd="sng" algn="ctr">
+                      <a:noFill/>
+                      <a:prstDash val="solid"/>
+                      <a:round/>
+                      <a:headEnd type="none" w="med" len="med"/>
+                      <a:tailEnd type="none" w="med" len="med"/>
+                    </a:lnL>
+                    <a:lnR w="12700" cap="flat" cmpd="sng" algn="ctr">
+                      <a:noFill/>
+                      <a:prstDash val="solid"/>
+                      <a:round/>
+                      <a:headEnd type="none" w="med" len="med"/>
+                      <a:tailEnd type="none" w="med" len="med"/>
+                    </a:lnR>
+                    <a:lnT w="12700" cap="flat" cmpd="sng" algn="ctr">
+                      <a:noFill/>
+                      <a:prstDash val="solid"/>
+                      <a:round/>
+                      <a:headEnd type="none" w="med" len="med"/>
+                      <a:tailEnd type="none" w="med" len="med"/>
+                    </a:lnT>
+                    <a:lnB w="12700" cap="flat" cmpd="sng" algn="ctr">
+                      <a:noFill/>
+                      <a:prstDash val="solid"/>
+                      <a:round/>
+                      <a:headEnd type="none" w="med" len="med"/>
+                      <a:tailEnd type="none" w="med" len="med"/>
+                    </a:lnB>
+                    <a:lnTlToBr w="12700" cmpd="sng">
+                      <a:noFill/>
+                      <a:prstDash val="solid"/>
+                    </a:lnTlToBr>
+                    <a:lnBlToTr w="12700" cmpd="sng">
+                      <a:noFill/>
+                      <a:prstDash val="solid"/>
+                    </a:lnBlToTr>
+                  </a:tcPr>
+                </a:tc>
+                <a:extLst>
+                  <a:ext uri="{0D108BD9-81ED-4DB2-BD59-A6C34878D82A}">
+                    <a16:rowId xmlns:a16="http://schemas.microsoft.com/office/drawing/2014/main" val="1231822951"/>
+                  </a:ext>
+                </a:extLst>
+              </a:tr>
+            </a:tbl>
+          </a:graphicData>
+        </a:graphic>
+      </p:graphicFrame>
+      <p:graphicFrame>
+        <p:nvGraphicFramePr>
+          <p:cNvPr id="17" name="Table 8">
+            <a:extLst>
+              <a:ext uri="{FF2B5EF4-FFF2-40B4-BE49-F238E27FC236}">
+                <a16:creationId xmlns:a16="http://schemas.microsoft.com/office/drawing/2014/main" id="{009205E9-8E43-4C0A-BDFF-A30FE0F10268}"/>
+              </a:ext>
+            </a:extLst>
+          </p:cNvPr>
+          <p:cNvGraphicFramePr>
+            <a:graphicFrameLocks noGrp="1"/>
+          </p:cNvGraphicFramePr>
+          <p:nvPr>
+            <p:extLst>
+              <p:ext uri="{D42A27DB-BD31-4B8C-83A1-F6EECF244321}">
+                <p14:modId xmlns:p14="http://schemas.microsoft.com/office/powerpoint/2010/main" val="531748200"/>
+              </p:ext>
+            </p:extLst>
+          </p:nvPr>
+        </p:nvGraphicFramePr>
+        <p:xfrm>
+          <a:off x="7216397" y="2916937"/>
+          <a:ext cx="2660304" cy="1854200"/>
+        </p:xfrm>
+        <a:graphic>
+          <a:graphicData uri="http://schemas.openxmlformats.org/drawingml/2006/table">
+            <a:tbl>
+              <a:tblPr firstRow="1" bandRow="1">
+                <a:tableStyleId>{2D5ABB26-0587-4C30-8999-92F81FD0307C}</a:tableStyleId>
+              </a:tblPr>
+              <a:tblGrid>
+                <a:gridCol w="332538">
+                  <a:extLst>
+                    <a:ext uri="{9D8B030D-6E8A-4147-A177-3AD203B41FA5}">
+                      <a16:colId xmlns:a16="http://schemas.microsoft.com/office/drawing/2014/main" val="2130302862"/>
+                    </a:ext>
+                  </a:extLst>
+                </a:gridCol>
+                <a:gridCol w="332538">
+                  <a:extLst>
+                    <a:ext uri="{9D8B030D-6E8A-4147-A177-3AD203B41FA5}">
+                      <a16:colId xmlns:a16="http://schemas.microsoft.com/office/drawing/2014/main" val="2050654205"/>
+                    </a:ext>
+                  </a:extLst>
+                </a:gridCol>
+                <a:gridCol w="332538">
+                  <a:extLst>
+                    <a:ext uri="{9D8B030D-6E8A-4147-A177-3AD203B41FA5}">
+                      <a16:colId xmlns:a16="http://schemas.microsoft.com/office/drawing/2014/main" val="3184777218"/>
+                    </a:ext>
+                  </a:extLst>
+                </a:gridCol>
+                <a:gridCol w="332538">
+                  <a:extLst>
+                    <a:ext uri="{9D8B030D-6E8A-4147-A177-3AD203B41FA5}">
+                      <a16:colId xmlns:a16="http://schemas.microsoft.com/office/drawing/2014/main" val="217263564"/>
+                    </a:ext>
+                  </a:extLst>
+                </a:gridCol>
+                <a:gridCol w="332538">
+                  <a:extLst>
+                    <a:ext uri="{9D8B030D-6E8A-4147-A177-3AD203B41FA5}">
+                      <a16:colId xmlns:a16="http://schemas.microsoft.com/office/drawing/2014/main" val="3588753139"/>
+                    </a:ext>
+                  </a:extLst>
+                </a:gridCol>
+                <a:gridCol w="332538">
+                  <a:extLst>
+                    <a:ext uri="{9D8B030D-6E8A-4147-A177-3AD203B41FA5}">
+                      <a16:colId xmlns:a16="http://schemas.microsoft.com/office/drawing/2014/main" val="132650084"/>
+                    </a:ext>
+                  </a:extLst>
+                </a:gridCol>
+                <a:gridCol w="332538">
+                  <a:extLst>
+                    <a:ext uri="{9D8B030D-6E8A-4147-A177-3AD203B41FA5}">
+                      <a16:colId xmlns:a16="http://schemas.microsoft.com/office/drawing/2014/main" val="185288485"/>
+                    </a:ext>
+                  </a:extLst>
+                </a:gridCol>
+                <a:gridCol w="332538">
+                  <a:extLst>
+                    <a:ext uri="{9D8B030D-6E8A-4147-A177-3AD203B41FA5}">
+                      <a16:colId xmlns:a16="http://schemas.microsoft.com/office/drawing/2014/main" val="1366128805"/>
+                    </a:ext>
+                  </a:extLst>
+                </a:gridCol>
+              </a:tblGrid>
+              <a:tr h="370840">
+                <a:tc>
+                  <a:txBody>
+                    <a:bodyPr/>
+                    <a:lstStyle/>
+                    <a:p>
+                      <a:r>
+                        <a:rPr lang="en-US" dirty="0"/>
+                        <a:t>N</a:t>
+                      </a:r>
+                    </a:p>
+                  </a:txBody>
+                  <a:tcPr>
+                    <a:lnL w="12700" cap="flat" cmpd="sng" algn="ctr">
+                      <a:noFill/>
+                      <a:prstDash val="solid"/>
+                      <a:round/>
+                      <a:headEnd type="none" w="med" len="med"/>
+                      <a:tailEnd type="none" w="med" len="med"/>
+                    </a:lnL>
+                    <a:lnR w="12700" cap="flat" cmpd="sng" algn="ctr">
+                      <a:noFill/>
+                      <a:prstDash val="solid"/>
+                      <a:round/>
+                      <a:headEnd type="none" w="med" len="med"/>
+                      <a:tailEnd type="none" w="med" len="med"/>
+                    </a:lnR>
+                    <a:lnT w="12700" cap="flat" cmpd="sng" algn="ctr">
+                      <a:noFill/>
+                      <a:prstDash val="solid"/>
+                      <a:round/>
+                      <a:headEnd type="none" w="med" len="med"/>
+                      <a:tailEnd type="none" w="med" len="med"/>
+                    </a:lnT>
+                    <a:lnB w="12700" cap="flat" cmpd="sng" algn="ctr">
+                      <a:noFill/>
+                      <a:prstDash val="solid"/>
+                      <a:round/>
+                      <a:headEnd type="none" w="med" len="med"/>
+                      <a:tailEnd type="none" w="med" len="med"/>
+                    </a:lnB>
+                    <a:lnTlToBr w="12700" cmpd="sng">
+                      <a:noFill/>
+                      <a:prstDash val="solid"/>
+                    </a:lnTlToBr>
+                    <a:lnBlToTr w="12700" cmpd="sng">
+                      <a:noFill/>
+                      <a:prstDash val="solid"/>
+                    </a:lnBlToTr>
+                  </a:tcPr>
+                </a:tc>
+                <a:tc>
+                  <a:txBody>
+                    <a:bodyPr/>
+                    <a:lstStyle/>
+                    <a:p>
+                      <a:r>
+                        <a:rPr lang="en-US" dirty="0"/>
+                        <a:t>P</a:t>
+                      </a:r>
+                    </a:p>
+                  </a:txBody>
+                  <a:tcPr>
+                    <a:lnL w="12700" cap="flat" cmpd="sng" algn="ctr">
+                      <a:noFill/>
+                      <a:prstDash val="solid"/>
+                      <a:round/>
+                      <a:headEnd type="none" w="med" len="med"/>
+                      <a:tailEnd type="none" w="med" len="med"/>
+                    </a:lnL>
+                    <a:lnR w="12700" cap="flat" cmpd="sng" algn="ctr">
+                      <a:noFill/>
+                      <a:prstDash val="solid"/>
+                      <a:round/>
+                      <a:headEnd type="none" w="med" len="med"/>
+                      <a:tailEnd type="none" w="med" len="med"/>
+                    </a:lnR>
+                    <a:lnT w="12700" cap="flat" cmpd="sng" algn="ctr">
+                      <a:noFill/>
+                      <a:prstDash val="solid"/>
+                      <a:round/>
+                      <a:headEnd type="none" w="med" len="med"/>
+                      <a:tailEnd type="none" w="med" len="med"/>
+                    </a:lnT>
+                    <a:lnB w="12700" cap="flat" cmpd="sng" algn="ctr">
+                      <a:noFill/>
+                      <a:prstDash val="solid"/>
+                      <a:round/>
+                      <a:headEnd type="none" w="med" len="med"/>
+                      <a:tailEnd type="none" w="med" len="med"/>
+                    </a:lnB>
+                    <a:lnTlToBr w="12700" cmpd="sng">
+                      <a:noFill/>
+                      <a:prstDash val="solid"/>
+                    </a:lnTlToBr>
+                    <a:lnBlToTr w="12700" cmpd="sng">
+                      <a:noFill/>
+                      <a:prstDash val="solid"/>
+                    </a:lnBlToTr>
+                  </a:tcPr>
+                </a:tc>
+                <a:tc>
+                  <a:txBody>
+                    <a:bodyPr/>
+                    <a:lstStyle/>
+                    <a:p>
+                      <a:r>
+                        <a:rPr lang="en-US" dirty="0"/>
+                        <a:t>N</a:t>
+                      </a:r>
+                    </a:p>
+                  </a:txBody>
+                  <a:tcPr>
+                    <a:lnL w="12700" cap="flat" cmpd="sng" algn="ctr">
+                      <a:noFill/>
+                      <a:prstDash val="solid"/>
+                      <a:round/>
+                      <a:headEnd type="none" w="med" len="med"/>
+                      <a:tailEnd type="none" w="med" len="med"/>
+                    </a:lnL>
+                    <a:lnR w="12700" cap="flat" cmpd="sng" algn="ctr">
+                      <a:noFill/>
+                      <a:prstDash val="solid"/>
+                      <a:round/>
+                      <a:headEnd type="none" w="med" len="med"/>
+                      <a:tailEnd type="none" w="med" len="med"/>
+                    </a:lnR>
+                    <a:lnT w="12700" cap="flat" cmpd="sng" algn="ctr">
+                      <a:noFill/>
+                      <a:prstDash val="solid"/>
+                      <a:round/>
+                      <a:headEnd type="none" w="med" len="med"/>
+                      <a:tailEnd type="none" w="med" len="med"/>
+                    </a:lnT>
+                    <a:lnB w="12700" cap="flat" cmpd="sng" algn="ctr">
+                      <a:noFill/>
+                      <a:prstDash val="solid"/>
+                      <a:round/>
+                      <a:headEnd type="none" w="med" len="med"/>
+                      <a:tailEnd type="none" w="med" len="med"/>
+                    </a:lnB>
+                    <a:lnTlToBr w="12700" cmpd="sng">
+                      <a:noFill/>
+                      <a:prstDash val="solid"/>
+                    </a:lnTlToBr>
+                    <a:lnBlToTr w="12700" cmpd="sng">
+                      <a:noFill/>
+                      <a:prstDash val="solid"/>
+                    </a:lnBlToTr>
+                  </a:tcPr>
+                </a:tc>
+                <a:tc>
+                  <a:txBody>
+                    <a:bodyPr/>
+                    <a:lstStyle/>
+                    <a:p>
+                      <a:r>
+                        <a:rPr lang="en-US" dirty="0"/>
+                        <a:t>P</a:t>
+                      </a:r>
+                    </a:p>
+                  </a:txBody>
+                  <a:tcPr>
+                    <a:lnL w="12700" cap="flat" cmpd="sng" algn="ctr">
+                      <a:noFill/>
+                      <a:prstDash val="solid"/>
+                      <a:round/>
+                      <a:headEnd type="none" w="med" len="med"/>
+                      <a:tailEnd type="none" w="med" len="med"/>
+                    </a:lnL>
+                    <a:lnR w="12700" cap="flat" cmpd="sng" algn="ctr">
+                      <a:noFill/>
+                      <a:prstDash val="solid"/>
+                      <a:round/>
+                      <a:headEnd type="none" w="med" len="med"/>
+                      <a:tailEnd type="none" w="med" len="med"/>
+                    </a:lnR>
+                    <a:lnT w="12700" cap="flat" cmpd="sng" algn="ctr">
+                      <a:noFill/>
+                      <a:prstDash val="solid"/>
+                      <a:round/>
+                      <a:headEnd type="none" w="med" len="med"/>
+                      <a:tailEnd type="none" w="med" len="med"/>
+                    </a:lnT>
+                    <a:lnB w="12700" cap="flat" cmpd="sng" algn="ctr">
+                      <a:noFill/>
+                      <a:prstDash val="solid"/>
+                      <a:round/>
+                      <a:headEnd type="none" w="med" len="med"/>
+                      <a:tailEnd type="none" w="med" len="med"/>
+                    </a:lnB>
+                    <a:lnTlToBr w="12700" cmpd="sng">
+                      <a:noFill/>
+                      <a:prstDash val="solid"/>
+                    </a:lnTlToBr>
+                    <a:lnBlToTr w="12700" cmpd="sng">
+                      <a:noFill/>
+                      <a:prstDash val="solid"/>
+                    </a:lnBlToTr>
+                  </a:tcPr>
+                </a:tc>
+                <a:tc>
+                  <a:txBody>
+                    <a:bodyPr/>
+                    <a:lstStyle/>
+                    <a:p>
+                      <a:r>
+                        <a:rPr lang="en-US" dirty="0"/>
+                        <a:t>N</a:t>
+                      </a:r>
+                    </a:p>
+                  </a:txBody>
+                  <a:tcPr>
+                    <a:lnL w="12700" cap="flat" cmpd="sng" algn="ctr">
+                      <a:noFill/>
+                      <a:prstDash val="solid"/>
+                      <a:round/>
+                      <a:headEnd type="none" w="med" len="med"/>
+                      <a:tailEnd type="none" w="med" len="med"/>
+                    </a:lnL>
+                    <a:lnR w="12700" cap="flat" cmpd="sng" algn="ctr">
+                      <a:noFill/>
+                      <a:prstDash val="solid"/>
+                      <a:round/>
+                      <a:headEnd type="none" w="med" len="med"/>
+                      <a:tailEnd type="none" w="med" len="med"/>
+                    </a:lnR>
+                    <a:lnT w="12700" cap="flat" cmpd="sng" algn="ctr">
+                      <a:noFill/>
+                      <a:prstDash val="solid"/>
+                      <a:round/>
+                      <a:headEnd type="none" w="med" len="med"/>
+                      <a:tailEnd type="none" w="med" len="med"/>
+                    </a:lnT>
+                    <a:lnB w="12700" cap="flat" cmpd="sng" algn="ctr">
+                      <a:noFill/>
+                      <a:prstDash val="solid"/>
+                      <a:round/>
+                      <a:headEnd type="none" w="med" len="med"/>
+                      <a:tailEnd type="none" w="med" len="med"/>
+                    </a:lnB>
+                    <a:lnTlToBr w="12700" cmpd="sng">
+                      <a:noFill/>
+                      <a:prstDash val="solid"/>
+                    </a:lnTlToBr>
+                    <a:lnBlToTr w="12700" cmpd="sng">
+                      <a:noFill/>
+                      <a:prstDash val="solid"/>
+                    </a:lnBlToTr>
+                  </a:tcPr>
+                </a:tc>
+                <a:tc>
+                  <a:txBody>
+                    <a:bodyPr/>
+                    <a:lstStyle/>
+                    <a:p>
+                      <a:r>
+                        <a:rPr lang="en-US" dirty="0"/>
+                        <a:t>N</a:t>
+                      </a:r>
+                    </a:p>
+                  </a:txBody>
+                  <a:tcPr>
+                    <a:lnL w="12700" cap="flat" cmpd="sng" algn="ctr">
+                      <a:noFill/>
+                      <a:prstDash val="solid"/>
+                      <a:round/>
+                      <a:headEnd type="none" w="med" len="med"/>
+                      <a:tailEnd type="none" w="med" len="med"/>
+                    </a:lnL>
+                    <a:lnR w="12700" cap="flat" cmpd="sng" algn="ctr">
+                      <a:noFill/>
+                      <a:prstDash val="solid"/>
+                      <a:round/>
+                      <a:headEnd type="none" w="med" len="med"/>
+                      <a:tailEnd type="none" w="med" len="med"/>
+                    </a:lnR>
+                    <a:lnT w="12700" cap="flat" cmpd="sng" algn="ctr">
+                      <a:noFill/>
+                      <a:prstDash val="solid"/>
+                      <a:round/>
+                      <a:headEnd type="none" w="med" len="med"/>
+                      <a:tailEnd type="none" w="med" len="med"/>
+                    </a:lnT>
+                    <a:lnB w="12700" cap="flat" cmpd="sng" algn="ctr">
+                      <a:noFill/>
+                      <a:prstDash val="solid"/>
+                      <a:round/>
+                      <a:headEnd type="none" w="med" len="med"/>
+                      <a:tailEnd type="none" w="med" len="med"/>
+                    </a:lnB>
+                    <a:lnTlToBr w="12700" cmpd="sng">
+                      <a:noFill/>
+                      <a:prstDash val="solid"/>
+                    </a:lnTlToBr>
+                    <a:lnBlToTr w="12700" cmpd="sng">
+                      <a:noFill/>
+                      <a:prstDash val="solid"/>
+                    </a:lnBlToTr>
+                  </a:tcPr>
+                </a:tc>
+                <a:tc>
+                  <a:txBody>
+                    <a:bodyPr/>
+                    <a:lstStyle/>
+                    <a:p>
+                      <a:r>
+                        <a:rPr lang="en-US" dirty="0"/>
+                        <a:t>P</a:t>
+                      </a:r>
+                    </a:p>
+                  </a:txBody>
+                  <a:tcPr>
+                    <a:lnL w="12700" cap="flat" cmpd="sng" algn="ctr">
+                      <a:noFill/>
+                      <a:prstDash val="solid"/>
+                      <a:round/>
+                      <a:headEnd type="none" w="med" len="med"/>
+                      <a:tailEnd type="none" w="med" len="med"/>
+                    </a:lnL>
+                    <a:lnR w="12700" cap="flat" cmpd="sng" algn="ctr">
+                      <a:noFill/>
+                      <a:prstDash val="solid"/>
+                      <a:round/>
+                      <a:headEnd type="none" w="med" len="med"/>
+                      <a:tailEnd type="none" w="med" len="med"/>
+                    </a:lnR>
+                    <a:lnT w="12700" cap="flat" cmpd="sng" algn="ctr">
+                      <a:noFill/>
+                      <a:prstDash val="solid"/>
+                      <a:round/>
+                      <a:headEnd type="none" w="med" len="med"/>
+                      <a:tailEnd type="none" w="med" len="med"/>
+                    </a:lnT>
+                    <a:lnB w="12700" cap="flat" cmpd="sng" algn="ctr">
+                      <a:noFill/>
+                      <a:prstDash val="solid"/>
+                      <a:round/>
+                      <a:headEnd type="none" w="med" len="med"/>
+                      <a:tailEnd type="none" w="med" len="med"/>
+                    </a:lnB>
+                    <a:lnTlToBr w="12700" cmpd="sng">
+                      <a:noFill/>
+                      <a:prstDash val="solid"/>
+                    </a:lnTlToBr>
+                    <a:lnBlToTr w="12700" cmpd="sng">
+                      <a:noFill/>
+                      <a:prstDash val="solid"/>
+                    </a:lnBlToTr>
+                  </a:tcPr>
+                </a:tc>
+                <a:tc>
+                  <a:txBody>
+                    <a:bodyPr/>
+                    <a:lstStyle/>
+                    <a:p>
+                      <a:r>
+                        <a:rPr lang="en-US" dirty="0"/>
+                        <a:t>P</a:t>
+                      </a:r>
+                    </a:p>
+                  </a:txBody>
+                  <a:tcPr>
+                    <a:lnL w="12700" cap="flat" cmpd="sng" algn="ctr">
+                      <a:noFill/>
+                      <a:prstDash val="solid"/>
+                      <a:round/>
+                      <a:headEnd type="none" w="med" len="med"/>
+                      <a:tailEnd type="none" w="med" len="med"/>
+                    </a:lnL>
+                    <a:lnR w="12700" cap="flat" cmpd="sng" algn="ctr">
+                      <a:noFill/>
+                      <a:prstDash val="solid"/>
+                      <a:round/>
+                      <a:headEnd type="none" w="med" len="med"/>
+                      <a:tailEnd type="none" w="med" len="med"/>
+                    </a:lnR>
+                    <a:lnT w="12700" cap="flat" cmpd="sng" algn="ctr">
+                      <a:noFill/>
+                      <a:prstDash val="solid"/>
+                      <a:round/>
+                      <a:headEnd type="none" w="med" len="med"/>
+                      <a:tailEnd type="none" w="med" len="med"/>
+                    </a:lnT>
+                    <a:lnB w="12700" cap="flat" cmpd="sng" algn="ctr">
+                      <a:noFill/>
+                      <a:prstDash val="solid"/>
+                      <a:round/>
+                      <a:headEnd type="none" w="med" len="med"/>
+                      <a:tailEnd type="none" w="med" len="med"/>
+                    </a:lnB>
+                    <a:lnTlToBr w="12700" cmpd="sng">
+                      <a:noFill/>
+                      <a:prstDash val="solid"/>
+                    </a:lnTlToBr>
+                    <a:lnBlToTr w="12700" cmpd="sng">
+                      <a:noFill/>
+                      <a:prstDash val="solid"/>
+                    </a:lnBlToTr>
+                  </a:tcPr>
+                </a:tc>
+                <a:extLst>
+                  <a:ext uri="{0D108BD9-81ED-4DB2-BD59-A6C34878D82A}">
+                    <a16:rowId xmlns:a16="http://schemas.microsoft.com/office/drawing/2014/main" val="4071993798"/>
+                  </a:ext>
+                </a:extLst>
+              </a:tr>
+              <a:tr h="370840">
+                <a:tc>
+                  <a:txBody>
+                    <a:bodyPr/>
+                    <a:lstStyle/>
+                    <a:p>
+                      <a:r>
+                        <a:rPr lang="en-US" dirty="0"/>
+                        <a:t>N</a:t>
+                      </a:r>
+                    </a:p>
+                  </a:txBody>
+                  <a:tcPr>
+                    <a:lnL w="12700" cap="flat" cmpd="sng" algn="ctr">
+                      <a:noFill/>
+                      <a:prstDash val="solid"/>
+                      <a:round/>
+                      <a:headEnd type="none" w="med" len="med"/>
+                      <a:tailEnd type="none" w="med" len="med"/>
+                    </a:lnL>
+                    <a:lnR w="12700" cap="flat" cmpd="sng" algn="ctr">
+                      <a:noFill/>
+                      <a:prstDash val="solid"/>
+                      <a:round/>
+                      <a:headEnd type="none" w="med" len="med"/>
+                      <a:tailEnd type="none" w="med" len="med"/>
+                    </a:lnR>
+                    <a:lnT w="12700" cap="flat" cmpd="sng" algn="ctr">
+                      <a:noFill/>
+                      <a:prstDash val="solid"/>
+                      <a:round/>
+                      <a:headEnd type="none" w="med" len="med"/>
+                      <a:tailEnd type="none" w="med" len="med"/>
+                    </a:lnT>
+                    <a:lnB w="12700" cap="flat" cmpd="sng" algn="ctr">
+                      <a:noFill/>
+                      <a:prstDash val="solid"/>
+                      <a:round/>
+                      <a:headEnd type="none" w="med" len="med"/>
+                      <a:tailEnd type="none" w="med" len="med"/>
+                    </a:lnB>
+                    <a:lnTlToBr w="12700" cmpd="sng">
+                      <a:noFill/>
+                      <a:prstDash val="solid"/>
+                    </a:lnTlToBr>
+                    <a:lnBlToTr w="12700" cmpd="sng">
+                      <a:noFill/>
+                      <a:prstDash val="solid"/>
+                    </a:lnBlToTr>
+                  </a:tcPr>
+                </a:tc>
+                <a:tc>
+                  <a:txBody>
+                    <a:bodyPr/>
+                    <a:lstStyle/>
+                    <a:p>
+                      <a:r>
+                        <a:rPr lang="en-US" dirty="0"/>
+                        <a:t>P</a:t>
+                      </a:r>
+                    </a:p>
+                  </a:txBody>
+                  <a:tcPr>
+                    <a:lnL w="12700" cap="flat" cmpd="sng" algn="ctr">
+                      <a:noFill/>
+                      <a:prstDash val="solid"/>
+                      <a:round/>
+                      <a:headEnd type="none" w="med" len="med"/>
+                      <a:tailEnd type="none" w="med" len="med"/>
+                    </a:lnL>
+                    <a:lnR w="12700" cap="flat" cmpd="sng" algn="ctr">
+                      <a:noFill/>
+                      <a:prstDash val="solid"/>
+                      <a:round/>
+                      <a:headEnd type="none" w="med" len="med"/>
+                      <a:tailEnd type="none" w="med" len="med"/>
+                    </a:lnR>
+                    <a:lnT w="12700" cap="flat" cmpd="sng" algn="ctr">
+                      <a:noFill/>
+                      <a:prstDash val="solid"/>
+                      <a:round/>
+                      <a:headEnd type="none" w="med" len="med"/>
+                      <a:tailEnd type="none" w="med" len="med"/>
+                    </a:lnT>
+                    <a:lnB w="12700" cap="flat" cmpd="sng" algn="ctr">
+                      <a:noFill/>
+                      <a:prstDash val="solid"/>
+                      <a:round/>
+                      <a:headEnd type="none" w="med" len="med"/>
+                      <a:tailEnd type="none" w="med" len="med"/>
+                    </a:lnB>
+                    <a:lnTlToBr w="12700" cmpd="sng">
+                      <a:noFill/>
+                      <a:prstDash val="solid"/>
+                    </a:lnTlToBr>
+                    <a:lnBlToTr w="12700" cmpd="sng">
+                      <a:noFill/>
+                      <a:prstDash val="solid"/>
+                    </a:lnBlToTr>
+                  </a:tcPr>
+                </a:tc>
+                <a:tc>
+                  <a:txBody>
+                    <a:bodyPr/>
+                    <a:lstStyle/>
+                    <a:p>
+                      <a:r>
+                        <a:rPr lang="en-US" dirty="0"/>
+                        <a:t>N</a:t>
+                      </a:r>
+                    </a:p>
+                  </a:txBody>
+                  <a:tcPr>
+                    <a:lnL w="12700" cap="flat" cmpd="sng" algn="ctr">
+                      <a:noFill/>
+                      <a:prstDash val="solid"/>
+                      <a:round/>
+                      <a:headEnd type="none" w="med" len="med"/>
+                      <a:tailEnd type="none" w="med" len="med"/>
+                    </a:lnL>
+                    <a:lnR w="12700" cap="flat" cmpd="sng" algn="ctr">
+                      <a:noFill/>
+                      <a:prstDash val="solid"/>
+                      <a:round/>
+                      <a:headEnd type="none" w="med" len="med"/>
+                      <a:tailEnd type="none" w="med" len="med"/>
+                    </a:lnR>
+                    <a:lnT w="12700" cap="flat" cmpd="sng" algn="ctr">
+                      <a:noFill/>
+                      <a:prstDash val="solid"/>
+                      <a:round/>
+                      <a:headEnd type="none" w="med" len="med"/>
+                      <a:tailEnd type="none" w="med" len="med"/>
+                    </a:lnT>
+                    <a:lnB w="12700" cap="flat" cmpd="sng" algn="ctr">
+                      <a:noFill/>
+                      <a:prstDash val="solid"/>
+                      <a:round/>
+                      <a:headEnd type="none" w="med" len="med"/>
+                      <a:tailEnd type="none" w="med" len="med"/>
+                    </a:lnB>
+                    <a:lnTlToBr w="12700" cmpd="sng">
+                      <a:noFill/>
+                      <a:prstDash val="solid"/>
+                    </a:lnTlToBr>
+                    <a:lnBlToTr w="12700" cmpd="sng">
+                      <a:noFill/>
+                      <a:prstDash val="solid"/>
+                    </a:lnBlToTr>
+                  </a:tcPr>
+                </a:tc>
+                <a:tc>
+                  <a:txBody>
+                    <a:bodyPr/>
+                    <a:lstStyle/>
+                    <a:p>
+                      <a:r>
+                        <a:rPr lang="en-US" dirty="0"/>
+                        <a:t>P</a:t>
+                      </a:r>
+                    </a:p>
+                  </a:txBody>
+                  <a:tcPr>
+                    <a:lnL w="12700" cap="flat" cmpd="sng" algn="ctr">
+                      <a:noFill/>
+                      <a:prstDash val="solid"/>
+                      <a:round/>
+                      <a:headEnd type="none" w="med" len="med"/>
+                      <a:tailEnd type="none" w="med" len="med"/>
+                    </a:lnL>
+                    <a:lnR w="12700" cap="flat" cmpd="sng" algn="ctr">
+                      <a:noFill/>
+                      <a:prstDash val="solid"/>
+                      <a:round/>
+                      <a:headEnd type="none" w="med" len="med"/>
+                      <a:tailEnd type="none" w="med" len="med"/>
+                    </a:lnR>
+                    <a:lnT w="12700" cap="flat" cmpd="sng" algn="ctr">
+                      <a:noFill/>
+                      <a:prstDash val="solid"/>
+                      <a:round/>
+                      <a:headEnd type="none" w="med" len="med"/>
+                      <a:tailEnd type="none" w="med" len="med"/>
+                    </a:lnT>
+                    <a:lnB w="12700" cap="flat" cmpd="sng" algn="ctr">
+                      <a:noFill/>
+                      <a:prstDash val="solid"/>
+                      <a:round/>
+                      <a:headEnd type="none" w="med" len="med"/>
+                      <a:tailEnd type="none" w="med" len="med"/>
+                    </a:lnB>
+                    <a:lnTlToBr w="12700" cmpd="sng">
+                      <a:noFill/>
+                      <a:prstDash val="solid"/>
+                    </a:lnTlToBr>
+                    <a:lnBlToTr w="12700" cmpd="sng">
+                      <a:noFill/>
+                      <a:prstDash val="solid"/>
+                    </a:lnBlToTr>
+                  </a:tcPr>
+                </a:tc>
+                <a:tc>
+                  <a:txBody>
+                    <a:bodyPr/>
+                    <a:lstStyle/>
+                    <a:p>
+                      <a:r>
+                        <a:rPr lang="en-US" dirty="0"/>
+                        <a:t>N</a:t>
+                      </a:r>
+                    </a:p>
+                  </a:txBody>
+                  <a:tcPr>
+                    <a:lnL w="12700" cap="flat" cmpd="sng" algn="ctr">
+                      <a:noFill/>
+                      <a:prstDash val="solid"/>
+                      <a:round/>
+                      <a:headEnd type="none" w="med" len="med"/>
+                      <a:tailEnd type="none" w="med" len="med"/>
+                    </a:lnL>
+                    <a:lnR w="12700" cap="flat" cmpd="sng" algn="ctr">
+                      <a:noFill/>
+                      <a:prstDash val="solid"/>
+                      <a:round/>
+                      <a:headEnd type="none" w="med" len="med"/>
+                      <a:tailEnd type="none" w="med" len="med"/>
+                    </a:lnR>
+                    <a:lnT w="12700" cap="flat" cmpd="sng" algn="ctr">
+                      <a:noFill/>
+                      <a:prstDash val="solid"/>
+                      <a:round/>
+                      <a:headEnd type="none" w="med" len="med"/>
+                      <a:tailEnd type="none" w="med" len="med"/>
+                    </a:lnT>
+                    <a:lnB w="12700" cap="flat" cmpd="sng" algn="ctr">
+                      <a:noFill/>
+                      <a:prstDash val="solid"/>
+                      <a:round/>
+                      <a:headEnd type="none" w="med" len="med"/>
+                      <a:tailEnd type="none" w="med" len="med"/>
+                    </a:lnB>
+                    <a:lnTlToBr w="12700" cmpd="sng">
+                      <a:noFill/>
+                      <a:prstDash val="solid"/>
+                    </a:lnTlToBr>
+                    <a:lnBlToTr w="12700" cmpd="sng">
+                      <a:noFill/>
+                      <a:prstDash val="solid"/>
+                    </a:lnBlToTr>
+                  </a:tcPr>
+                </a:tc>
+                <a:tc>
+                  <a:txBody>
+                    <a:bodyPr/>
+                    <a:lstStyle/>
+                    <a:p>
+                      <a:r>
+                        <a:rPr lang="en-US" dirty="0"/>
+                        <a:t>N</a:t>
+                      </a:r>
+                    </a:p>
+                  </a:txBody>
+                  <a:tcPr>
+                    <a:lnL w="12700" cap="flat" cmpd="sng" algn="ctr">
+                      <a:noFill/>
+                      <a:prstDash val="solid"/>
+                      <a:round/>
+                      <a:headEnd type="none" w="med" len="med"/>
+                      <a:tailEnd type="none" w="med" len="med"/>
+                    </a:lnL>
+                    <a:lnR w="12700" cap="flat" cmpd="sng" algn="ctr">
+                      <a:noFill/>
+                      <a:prstDash val="solid"/>
+                      <a:round/>
+                      <a:headEnd type="none" w="med" len="med"/>
+                      <a:tailEnd type="none" w="med" len="med"/>
+                    </a:lnR>
+                    <a:lnT w="12700" cap="flat" cmpd="sng" algn="ctr">
+                      <a:noFill/>
+                      <a:prstDash val="solid"/>
+                      <a:round/>
+                      <a:headEnd type="none" w="med" len="med"/>
+                      <a:tailEnd type="none" w="med" len="med"/>
+                    </a:lnT>
+                    <a:lnB w="12700" cap="flat" cmpd="sng" algn="ctr">
+                      <a:noFill/>
+                      <a:prstDash val="solid"/>
+                      <a:round/>
+                      <a:headEnd type="none" w="med" len="med"/>
+                      <a:tailEnd type="none" w="med" len="med"/>
+                    </a:lnB>
+                    <a:lnTlToBr w="12700" cmpd="sng">
+                      <a:noFill/>
+                      <a:prstDash val="solid"/>
+                    </a:lnTlToBr>
+                    <a:lnBlToTr w="12700" cmpd="sng">
+                      <a:noFill/>
+                      <a:prstDash val="solid"/>
+                    </a:lnBlToTr>
+                  </a:tcPr>
+                </a:tc>
+                <a:tc>
+                  <a:txBody>
+                    <a:bodyPr/>
+                    <a:lstStyle/>
+                    <a:p>
+                      <a:r>
+                        <a:rPr lang="en-US" dirty="0"/>
+                        <a:t>P</a:t>
+                      </a:r>
+                    </a:p>
+                  </a:txBody>
+                  <a:tcPr>
+                    <a:lnL w="12700" cap="flat" cmpd="sng" algn="ctr">
+                      <a:noFill/>
+                      <a:prstDash val="solid"/>
+                      <a:round/>
+                      <a:headEnd type="none" w="med" len="med"/>
+                      <a:tailEnd type="none" w="med" len="med"/>
+                    </a:lnL>
+                    <a:lnR w="12700" cap="flat" cmpd="sng" algn="ctr">
+                      <a:noFill/>
+                      <a:prstDash val="solid"/>
+                      <a:round/>
+                      <a:headEnd type="none" w="med" len="med"/>
+                      <a:tailEnd type="none" w="med" len="med"/>
+                    </a:lnR>
+                    <a:lnT w="12700" cap="flat" cmpd="sng" algn="ctr">
+                      <a:noFill/>
+                      <a:prstDash val="solid"/>
+                      <a:round/>
+                      <a:headEnd type="none" w="med" len="med"/>
+                      <a:tailEnd type="none" w="med" len="med"/>
+                    </a:lnT>
+                    <a:lnB w="12700" cap="flat" cmpd="sng" algn="ctr">
+                      <a:noFill/>
+                      <a:prstDash val="solid"/>
+                      <a:round/>
+                      <a:headEnd type="none" w="med" len="med"/>
+                      <a:tailEnd type="none" w="med" len="med"/>
+                    </a:lnB>
+                    <a:lnTlToBr w="12700" cmpd="sng">
+                      <a:noFill/>
+                      <a:prstDash val="solid"/>
+                    </a:lnTlToBr>
+                    <a:lnBlToTr w="12700" cmpd="sng">
+                      <a:noFill/>
+                      <a:prstDash val="solid"/>
+                    </a:lnBlToTr>
+                  </a:tcPr>
+                </a:tc>
+                <a:tc>
+                  <a:txBody>
+                    <a:bodyPr/>
+                    <a:lstStyle/>
+                    <a:p>
+                      <a:r>
+                        <a:rPr lang="en-US" dirty="0"/>
+                        <a:t>P</a:t>
+                      </a:r>
+                    </a:p>
+                  </a:txBody>
+                  <a:tcPr>
+                    <a:lnL w="12700" cap="flat" cmpd="sng" algn="ctr">
+                      <a:noFill/>
+                      <a:prstDash val="solid"/>
+                      <a:round/>
+                      <a:headEnd type="none" w="med" len="med"/>
+                      <a:tailEnd type="none" w="med" len="med"/>
+                    </a:lnL>
+                    <a:lnR w="12700" cap="flat" cmpd="sng" algn="ctr">
+                      <a:noFill/>
+                      <a:prstDash val="solid"/>
+                      <a:round/>
+                      <a:headEnd type="none" w="med" len="med"/>
+                      <a:tailEnd type="none" w="med" len="med"/>
+                    </a:lnR>
+                    <a:lnT w="12700" cap="flat" cmpd="sng" algn="ctr">
+                      <a:noFill/>
+                      <a:prstDash val="solid"/>
+                      <a:round/>
+                      <a:headEnd type="none" w="med" len="med"/>
+                      <a:tailEnd type="none" w="med" len="med"/>
+                    </a:lnT>
+                    <a:lnB w="12700" cap="flat" cmpd="sng" algn="ctr">
+                      <a:noFill/>
+                      <a:prstDash val="solid"/>
+                      <a:round/>
+                      <a:headEnd type="none" w="med" len="med"/>
+                      <a:tailEnd type="none" w="med" len="med"/>
+                    </a:lnB>
+                    <a:lnTlToBr w="12700" cmpd="sng">
+                      <a:noFill/>
+                      <a:prstDash val="solid"/>
+                    </a:lnTlToBr>
+                    <a:lnBlToTr w="12700" cmpd="sng">
+                      <a:noFill/>
+                      <a:prstDash val="solid"/>
+                    </a:lnBlToTr>
+                  </a:tcPr>
+                </a:tc>
+                <a:extLst>
+                  <a:ext uri="{0D108BD9-81ED-4DB2-BD59-A6C34878D82A}">
+                    <a16:rowId xmlns:a16="http://schemas.microsoft.com/office/drawing/2014/main" val="3367263138"/>
+                  </a:ext>
+                </a:extLst>
+              </a:tr>
+              <a:tr h="370840">
+                <a:tc>
+                  <a:txBody>
+                    <a:bodyPr/>
+                    <a:lstStyle/>
+                    <a:p>
+                      <a:r>
+                        <a:rPr lang="en-US" dirty="0"/>
+                        <a:t>N</a:t>
+                      </a:r>
+                    </a:p>
+                  </a:txBody>
+                  <a:tcPr>
+                    <a:lnL w="12700" cap="flat" cmpd="sng" algn="ctr">
+                      <a:noFill/>
+                      <a:prstDash val="solid"/>
+                      <a:round/>
+                      <a:headEnd type="none" w="med" len="med"/>
+                      <a:tailEnd type="none" w="med" len="med"/>
+                    </a:lnL>
+                    <a:lnR w="12700" cap="flat" cmpd="sng" algn="ctr">
+                      <a:noFill/>
+                      <a:prstDash val="solid"/>
+                      <a:round/>
+                      <a:headEnd type="none" w="med" len="med"/>
+                      <a:tailEnd type="none" w="med" len="med"/>
+                    </a:lnR>
+                    <a:lnT w="12700" cap="flat" cmpd="sng" algn="ctr">
+                      <a:noFill/>
+                      <a:prstDash val="solid"/>
+                      <a:round/>
+                      <a:headEnd type="none" w="med" len="med"/>
+                      <a:tailEnd type="none" w="med" len="med"/>
+                    </a:lnT>
+                    <a:lnB w="12700" cap="flat" cmpd="sng" algn="ctr">
+                      <a:noFill/>
+                      <a:prstDash val="solid"/>
+                      <a:round/>
+                      <a:headEnd type="none" w="med" len="med"/>
+                      <a:tailEnd type="none" w="med" len="med"/>
+                    </a:lnB>
+                    <a:lnTlToBr w="12700" cmpd="sng">
+                      <a:noFill/>
+                      <a:prstDash val="solid"/>
+                    </a:lnTlToBr>
+                    <a:lnBlToTr w="12700" cmpd="sng">
+                      <a:noFill/>
+                      <a:prstDash val="solid"/>
+                    </a:lnBlToTr>
+                  </a:tcPr>
+                </a:tc>
+                <a:tc>
+                  <a:txBody>
+                    <a:bodyPr/>
+                    <a:lstStyle/>
+                    <a:p>
+                      <a:r>
+                        <a:rPr lang="en-US" dirty="0"/>
+                        <a:t>N</a:t>
+                      </a:r>
+                    </a:p>
+                  </a:txBody>
+                  <a:tcPr>
+                    <a:lnL w="12700" cap="flat" cmpd="sng" algn="ctr">
+                      <a:noFill/>
+                      <a:prstDash val="solid"/>
+                      <a:round/>
+                      <a:headEnd type="none" w="med" len="med"/>
+                      <a:tailEnd type="none" w="med" len="med"/>
+                    </a:lnL>
+                    <a:lnR w="12700" cap="flat" cmpd="sng" algn="ctr">
+                      <a:noFill/>
+                      <a:prstDash val="solid"/>
+                      <a:round/>
+                      <a:headEnd type="none" w="med" len="med"/>
+                      <a:tailEnd type="none" w="med" len="med"/>
+                    </a:lnR>
+                    <a:lnT w="12700" cap="flat" cmpd="sng" algn="ctr">
+                      <a:noFill/>
+                      <a:prstDash val="solid"/>
+                      <a:round/>
+                      <a:headEnd type="none" w="med" len="med"/>
+                      <a:tailEnd type="none" w="med" len="med"/>
+                    </a:lnT>
+                    <a:lnB w="12700" cap="flat" cmpd="sng" algn="ctr">
+                      <a:noFill/>
+                      <a:prstDash val="solid"/>
+                      <a:round/>
+                      <a:headEnd type="none" w="med" len="med"/>
+                      <a:tailEnd type="none" w="med" len="med"/>
+                    </a:lnB>
+                    <a:lnTlToBr w="12700" cmpd="sng">
+                      <a:noFill/>
+                      <a:prstDash val="solid"/>
+                    </a:lnTlToBr>
+                    <a:lnBlToTr w="12700" cmpd="sng">
+                      <a:noFill/>
+                      <a:prstDash val="solid"/>
+                    </a:lnBlToTr>
+                  </a:tcPr>
+                </a:tc>
+                <a:tc>
+                  <a:txBody>
+                    <a:bodyPr/>
+                    <a:lstStyle/>
+                    <a:p>
+                      <a:r>
+                        <a:rPr lang="en-US" dirty="0"/>
+                        <a:t>N</a:t>
+                      </a:r>
+                    </a:p>
+                  </a:txBody>
+                  <a:tcPr>
+                    <a:lnL w="12700" cap="flat" cmpd="sng" algn="ctr">
+                      <a:noFill/>
+                      <a:prstDash val="solid"/>
+                      <a:round/>
+                      <a:headEnd type="none" w="med" len="med"/>
+                      <a:tailEnd type="none" w="med" len="med"/>
+                    </a:lnL>
+                    <a:lnR w="12700" cap="flat" cmpd="sng" algn="ctr">
+                      <a:noFill/>
+                      <a:prstDash val="solid"/>
+                      <a:round/>
+                      <a:headEnd type="none" w="med" len="med"/>
+                      <a:tailEnd type="none" w="med" len="med"/>
+                    </a:lnR>
+                    <a:lnT w="12700" cap="flat" cmpd="sng" algn="ctr">
+                      <a:noFill/>
+                      <a:prstDash val="solid"/>
+                      <a:round/>
+                      <a:headEnd type="none" w="med" len="med"/>
+                      <a:tailEnd type="none" w="med" len="med"/>
+                    </a:lnT>
+                    <a:lnB w="12700" cap="flat" cmpd="sng" algn="ctr">
+                      <a:noFill/>
+                      <a:prstDash val="solid"/>
+                      <a:round/>
+                      <a:headEnd type="none" w="med" len="med"/>
+                      <a:tailEnd type="none" w="med" len="med"/>
+                    </a:lnB>
+                    <a:lnTlToBr w="12700" cmpd="sng">
+                      <a:noFill/>
+                      <a:prstDash val="solid"/>
+                    </a:lnTlToBr>
+                    <a:lnBlToTr w="12700" cmpd="sng">
+                      <a:noFill/>
+                      <a:prstDash val="solid"/>
+                    </a:lnBlToTr>
+                  </a:tcPr>
+                </a:tc>
+                <a:tc>
+                  <a:txBody>
+                    <a:bodyPr/>
+                    <a:lstStyle/>
+                    <a:p>
+                      <a:r>
+                        <a:rPr lang="en-US" dirty="0"/>
+                        <a:t>N</a:t>
+                      </a:r>
+                    </a:p>
+                  </a:txBody>
+                  <a:tcPr>
+                    <a:lnL w="12700" cap="flat" cmpd="sng" algn="ctr">
+                      <a:noFill/>
+                      <a:prstDash val="solid"/>
+                      <a:round/>
+                      <a:headEnd type="none" w="med" len="med"/>
+                      <a:tailEnd type="none" w="med" len="med"/>
+                    </a:lnL>
+                    <a:lnR w="12700" cap="flat" cmpd="sng" algn="ctr">
+                      <a:noFill/>
+                      <a:prstDash val="solid"/>
+                      <a:round/>
+                      <a:headEnd type="none" w="med" len="med"/>
+                      <a:tailEnd type="none" w="med" len="med"/>
+                    </a:lnR>
+                    <a:lnT w="12700" cap="flat" cmpd="sng" algn="ctr">
+                      <a:noFill/>
+                      <a:prstDash val="solid"/>
+                      <a:round/>
+                      <a:headEnd type="none" w="med" len="med"/>
+                      <a:tailEnd type="none" w="med" len="med"/>
+                    </a:lnT>
+                    <a:lnB w="12700" cap="flat" cmpd="sng" algn="ctr">
+                      <a:noFill/>
+                      <a:prstDash val="solid"/>
+                      <a:round/>
+                      <a:headEnd type="none" w="med" len="med"/>
+                      <a:tailEnd type="none" w="med" len="med"/>
+                    </a:lnB>
+                    <a:lnTlToBr w="12700" cmpd="sng">
+                      <a:noFill/>
+                      <a:prstDash val="solid"/>
+                    </a:lnTlToBr>
+                    <a:lnBlToTr w="12700" cmpd="sng">
+                      <a:noFill/>
+                      <a:prstDash val="solid"/>
+                    </a:lnBlToTr>
+                  </a:tcPr>
+                </a:tc>
+                <a:tc>
+                  <a:txBody>
+                    <a:bodyPr/>
+                    <a:lstStyle/>
+                    <a:p>
+                      <a:r>
+                        <a:rPr lang="en-US" dirty="0"/>
+                        <a:t>N</a:t>
+                      </a:r>
+                    </a:p>
+                  </a:txBody>
+                  <a:tcPr>
+                    <a:lnL w="12700" cap="flat" cmpd="sng" algn="ctr">
+                      <a:noFill/>
+                      <a:prstDash val="solid"/>
+                      <a:round/>
+                      <a:headEnd type="none" w="med" len="med"/>
+                      <a:tailEnd type="none" w="med" len="med"/>
+                    </a:lnL>
+                    <a:lnR w="12700" cap="flat" cmpd="sng" algn="ctr">
+                      <a:noFill/>
+                      <a:prstDash val="solid"/>
+                      <a:round/>
+                      <a:headEnd type="none" w="med" len="med"/>
+                      <a:tailEnd type="none" w="med" len="med"/>
+                    </a:lnR>
+                    <a:lnT w="12700" cap="flat" cmpd="sng" algn="ctr">
+                      <a:noFill/>
+                      <a:prstDash val="solid"/>
+                      <a:round/>
+                      <a:headEnd type="none" w="med" len="med"/>
+                      <a:tailEnd type="none" w="med" len="med"/>
+                    </a:lnT>
+                    <a:lnB w="12700" cap="flat" cmpd="sng" algn="ctr">
+                      <a:noFill/>
+                      <a:prstDash val="solid"/>
+                      <a:round/>
+                      <a:headEnd type="none" w="med" len="med"/>
+                      <a:tailEnd type="none" w="med" len="med"/>
+                    </a:lnB>
+                    <a:lnTlToBr w="12700" cmpd="sng">
+                      <a:noFill/>
+                      <a:prstDash val="solid"/>
+                    </a:lnTlToBr>
+                    <a:lnBlToTr w="12700" cmpd="sng">
+                      <a:noFill/>
+                      <a:prstDash val="solid"/>
+                    </a:lnBlToTr>
+                  </a:tcPr>
+                </a:tc>
+                <a:tc>
+                  <a:txBody>
+                    <a:bodyPr/>
+                    <a:lstStyle/>
+                    <a:p>
+                      <a:r>
+                        <a:rPr lang="en-US" dirty="0"/>
+                        <a:t>N</a:t>
+                      </a:r>
+                    </a:p>
+                  </a:txBody>
+                  <a:tcPr>
+                    <a:lnL w="12700" cap="flat" cmpd="sng" algn="ctr">
+                      <a:noFill/>
+                      <a:prstDash val="solid"/>
+                      <a:round/>
+                      <a:headEnd type="none" w="med" len="med"/>
+                      <a:tailEnd type="none" w="med" len="med"/>
+                    </a:lnL>
+                    <a:lnR w="12700" cap="flat" cmpd="sng" algn="ctr">
+                      <a:noFill/>
+                      <a:prstDash val="solid"/>
+                      <a:round/>
+                      <a:headEnd type="none" w="med" len="med"/>
+                      <a:tailEnd type="none" w="med" len="med"/>
+                    </a:lnR>
+                    <a:lnT w="12700" cap="flat" cmpd="sng" algn="ctr">
+                      <a:noFill/>
+                      <a:prstDash val="solid"/>
+                      <a:round/>
+                      <a:headEnd type="none" w="med" len="med"/>
+                      <a:tailEnd type="none" w="med" len="med"/>
+                    </a:lnT>
+                    <a:lnB w="12700" cap="flat" cmpd="sng" algn="ctr">
+                      <a:noFill/>
+                      <a:prstDash val="solid"/>
+                      <a:round/>
+                      <a:headEnd type="none" w="med" len="med"/>
+                      <a:tailEnd type="none" w="med" len="med"/>
+                    </a:lnB>
+                    <a:lnTlToBr w="12700" cmpd="sng">
+                      <a:noFill/>
+                      <a:prstDash val="solid"/>
+                    </a:lnTlToBr>
+                    <a:lnBlToTr w="12700" cmpd="sng">
+                      <a:noFill/>
+                      <a:prstDash val="solid"/>
+                    </a:lnBlToTr>
+                  </a:tcPr>
+                </a:tc>
+                <a:tc>
+                  <a:txBody>
+                    <a:bodyPr/>
+                    <a:lstStyle/>
+                    <a:p>
+                      <a:r>
+                        <a:rPr lang="en-US" dirty="0"/>
+                        <a:t>N</a:t>
+                      </a:r>
+                    </a:p>
+                  </a:txBody>
+                  <a:tcPr>
+                    <a:lnL w="12700" cap="flat" cmpd="sng" algn="ctr">
+                      <a:noFill/>
+                      <a:prstDash val="solid"/>
+                      <a:round/>
+                      <a:headEnd type="none" w="med" len="med"/>
+                      <a:tailEnd type="none" w="med" len="med"/>
+                    </a:lnL>
+                    <a:lnR w="12700" cap="flat" cmpd="sng" algn="ctr">
+                      <a:noFill/>
+                      <a:prstDash val="solid"/>
+                      <a:round/>
+                      <a:headEnd type="none" w="med" len="med"/>
+                      <a:tailEnd type="none" w="med" len="med"/>
+                    </a:lnR>
+                    <a:lnT w="12700" cap="flat" cmpd="sng" algn="ctr">
+                      <a:noFill/>
+                      <a:prstDash val="solid"/>
+                      <a:round/>
+                      <a:headEnd type="none" w="med" len="med"/>
+                      <a:tailEnd type="none" w="med" len="med"/>
+                    </a:lnT>
+                    <a:lnB w="12700" cap="flat" cmpd="sng" algn="ctr">
+                      <a:noFill/>
+                      <a:prstDash val="solid"/>
+                      <a:round/>
+                      <a:headEnd type="none" w="med" len="med"/>
+                      <a:tailEnd type="none" w="med" len="med"/>
+                    </a:lnB>
+                    <a:lnTlToBr w="12700" cmpd="sng">
+                      <a:noFill/>
+                      <a:prstDash val="solid"/>
+                    </a:lnTlToBr>
+                    <a:lnBlToTr w="12700" cmpd="sng">
+                      <a:noFill/>
+                      <a:prstDash val="solid"/>
+                    </a:lnBlToTr>
+                  </a:tcPr>
+                </a:tc>
+                <a:tc>
+                  <a:txBody>
+                    <a:bodyPr/>
+                    <a:lstStyle/>
+                    <a:p>
+                      <a:r>
+                        <a:rPr lang="en-US" dirty="0"/>
+                        <a:t>N</a:t>
+                      </a:r>
+                    </a:p>
+                  </a:txBody>
+                  <a:tcPr>
+                    <a:lnL w="12700" cap="flat" cmpd="sng" algn="ctr">
+                      <a:noFill/>
+                      <a:prstDash val="solid"/>
+                      <a:round/>
+                      <a:headEnd type="none" w="med" len="med"/>
+                      <a:tailEnd type="none" w="med" len="med"/>
+                    </a:lnL>
+                    <a:lnR w="12700" cap="flat" cmpd="sng" algn="ctr">
+                      <a:noFill/>
+                      <a:prstDash val="solid"/>
+                      <a:round/>
+                      <a:headEnd type="none" w="med" len="med"/>
+                      <a:tailEnd type="none" w="med" len="med"/>
+                    </a:lnR>
+                    <a:lnT w="12700" cap="flat" cmpd="sng" algn="ctr">
+                      <a:noFill/>
+                      <a:prstDash val="solid"/>
+                      <a:round/>
+                      <a:headEnd type="none" w="med" len="med"/>
+                      <a:tailEnd type="none" w="med" len="med"/>
+                    </a:lnT>
+                    <a:lnB w="12700" cap="flat" cmpd="sng" algn="ctr">
+                      <a:noFill/>
+                      <a:prstDash val="solid"/>
+                      <a:round/>
+                      <a:headEnd type="none" w="med" len="med"/>
+                      <a:tailEnd type="none" w="med" len="med"/>
+                    </a:lnB>
+                    <a:lnTlToBr w="12700" cmpd="sng">
+                      <a:noFill/>
+                      <a:prstDash val="solid"/>
+                    </a:lnTlToBr>
+                    <a:lnBlToTr w="12700" cmpd="sng">
+                      <a:noFill/>
+                      <a:prstDash val="solid"/>
+                    </a:lnBlToTr>
+                  </a:tcPr>
+                </a:tc>
+                <a:extLst>
+                  <a:ext uri="{0D108BD9-81ED-4DB2-BD59-A6C34878D82A}">
+                    <a16:rowId xmlns:a16="http://schemas.microsoft.com/office/drawing/2014/main" val="1022969756"/>
+                  </a:ext>
+                </a:extLst>
+              </a:tr>
+              <a:tr h="370840">
+                <a:tc>
+                  <a:txBody>
+                    <a:bodyPr/>
+                    <a:lstStyle/>
+                    <a:p>
+                      <a:r>
+                        <a:rPr lang="en-US" dirty="0"/>
+                        <a:t>P</a:t>
+                      </a:r>
+                    </a:p>
+                  </a:txBody>
+                  <a:tcPr>
+                    <a:lnL w="12700" cap="flat" cmpd="sng" algn="ctr">
+                      <a:noFill/>
+                      <a:prstDash val="solid"/>
+                      <a:round/>
+                      <a:headEnd type="none" w="med" len="med"/>
+                      <a:tailEnd type="none" w="med" len="med"/>
+                    </a:lnL>
+                    <a:lnR w="12700" cap="flat" cmpd="sng" algn="ctr">
+                      <a:noFill/>
+                      <a:prstDash val="solid"/>
+                      <a:round/>
+                      <a:headEnd type="none" w="med" len="med"/>
+                      <a:tailEnd type="none" w="med" len="med"/>
+                    </a:lnR>
+                    <a:lnT w="12700" cap="flat" cmpd="sng" algn="ctr">
+                      <a:noFill/>
+                      <a:prstDash val="solid"/>
+                      <a:round/>
+                      <a:headEnd type="none" w="med" len="med"/>
+                      <a:tailEnd type="none" w="med" len="med"/>
+                    </a:lnT>
+                    <a:lnB w="12700" cap="flat" cmpd="sng" algn="ctr">
+                      <a:noFill/>
+                      <a:prstDash val="solid"/>
+                      <a:round/>
+                      <a:headEnd type="none" w="med" len="med"/>
+                      <a:tailEnd type="none" w="med" len="med"/>
+                    </a:lnB>
+                    <a:lnTlToBr w="12700" cmpd="sng">
+                      <a:noFill/>
+                      <a:prstDash val="solid"/>
+                    </a:lnTlToBr>
+                    <a:lnBlToTr w="12700" cmpd="sng">
+                      <a:noFill/>
+                      <a:prstDash val="solid"/>
+                    </a:lnBlToTr>
+                  </a:tcPr>
+                </a:tc>
+                <a:tc>
+                  <a:txBody>
+                    <a:bodyPr/>
+                    <a:lstStyle/>
+                    <a:p>
+                      <a:r>
+                        <a:rPr lang="en-US" dirty="0"/>
+                        <a:t>P</a:t>
+                      </a:r>
+                    </a:p>
+                  </a:txBody>
+                  <a:tcPr>
+                    <a:lnL w="12700" cap="flat" cmpd="sng" algn="ctr">
+                      <a:noFill/>
+                      <a:prstDash val="solid"/>
+                      <a:round/>
+                      <a:headEnd type="none" w="med" len="med"/>
+                      <a:tailEnd type="none" w="med" len="med"/>
+                    </a:lnL>
+                    <a:lnR w="12700" cap="flat" cmpd="sng" algn="ctr">
+                      <a:noFill/>
+                      <a:prstDash val="solid"/>
+                      <a:round/>
+                      <a:headEnd type="none" w="med" len="med"/>
+                      <a:tailEnd type="none" w="med" len="med"/>
+                    </a:lnR>
+                    <a:lnT w="12700" cap="flat" cmpd="sng" algn="ctr">
+                      <a:noFill/>
+                      <a:prstDash val="solid"/>
+                      <a:round/>
+                      <a:headEnd type="none" w="med" len="med"/>
+                      <a:tailEnd type="none" w="med" len="med"/>
+                    </a:lnT>
+                    <a:lnB w="12700" cap="flat" cmpd="sng" algn="ctr">
+                      <a:noFill/>
+                      <a:prstDash val="solid"/>
+                      <a:round/>
+                      <a:headEnd type="none" w="med" len="med"/>
+                      <a:tailEnd type="none" w="med" len="med"/>
+                    </a:lnB>
+                    <a:lnTlToBr w="12700" cmpd="sng">
+                      <a:noFill/>
+                      <a:prstDash val="solid"/>
+                    </a:lnTlToBr>
+                    <a:lnBlToTr w="12700" cmpd="sng">
+                      <a:noFill/>
+                      <a:prstDash val="solid"/>
+                    </a:lnBlToTr>
+                  </a:tcPr>
+                </a:tc>
+                <a:tc>
+                  <a:txBody>
+                    <a:bodyPr/>
+                    <a:lstStyle/>
+                    <a:p>
+                      <a:r>
+                        <a:rPr lang="en-US" dirty="0"/>
+                        <a:t>N</a:t>
+                      </a:r>
+                    </a:p>
+                  </a:txBody>
+                  <a:tcPr>
+                    <a:lnL w="12700" cap="flat" cmpd="sng" algn="ctr">
+                      <a:noFill/>
+                      <a:prstDash val="solid"/>
+                      <a:round/>
+                      <a:headEnd type="none" w="med" len="med"/>
+                      <a:tailEnd type="none" w="med" len="med"/>
+                    </a:lnL>
+                    <a:lnR w="12700" cap="flat" cmpd="sng" algn="ctr">
+                      <a:noFill/>
+                      <a:prstDash val="solid"/>
+                      <a:round/>
+                      <a:headEnd type="none" w="med" len="med"/>
+                      <a:tailEnd type="none" w="med" len="med"/>
+                    </a:lnR>
+                    <a:lnT w="12700" cap="flat" cmpd="sng" algn="ctr">
+                      <a:noFill/>
+                      <a:prstDash val="solid"/>
+                      <a:round/>
+                      <a:headEnd type="none" w="med" len="med"/>
+                      <a:tailEnd type="none" w="med" len="med"/>
+                    </a:lnT>
+                    <a:lnB w="12700" cap="flat" cmpd="sng" algn="ctr">
+                      <a:noFill/>
+                      <a:prstDash val="solid"/>
+                      <a:round/>
+                      <a:headEnd type="none" w="med" len="med"/>
+                      <a:tailEnd type="none" w="med" len="med"/>
+                    </a:lnB>
+                    <a:lnTlToBr w="12700" cmpd="sng">
+                      <a:noFill/>
+                      <a:prstDash val="solid"/>
+                    </a:lnTlToBr>
+                    <a:lnBlToTr w="12700" cmpd="sng">
+                      <a:noFill/>
+                      <a:prstDash val="solid"/>
+                    </a:lnBlToTr>
+                  </a:tcPr>
+                </a:tc>
+                <a:tc>
+                  <a:txBody>
+                    <a:bodyPr/>
+                    <a:lstStyle/>
+                    <a:p>
+                      <a:r>
+                        <a:rPr lang="en-US" dirty="0"/>
+                        <a:t>P</a:t>
+                      </a:r>
+                    </a:p>
+                  </a:txBody>
+                  <a:tcPr>
+                    <a:lnL w="12700" cap="flat" cmpd="sng" algn="ctr">
+                      <a:noFill/>
+                      <a:prstDash val="solid"/>
+                      <a:round/>
+                      <a:headEnd type="none" w="med" len="med"/>
+                      <a:tailEnd type="none" w="med" len="med"/>
+                    </a:lnL>
+                    <a:lnR w="12700" cap="flat" cmpd="sng" algn="ctr">
+                      <a:noFill/>
+                      <a:prstDash val="solid"/>
+                      <a:round/>
+                      <a:headEnd type="none" w="med" len="med"/>
+                      <a:tailEnd type="none" w="med" len="med"/>
+                    </a:lnR>
+                    <a:lnT w="12700" cap="flat" cmpd="sng" algn="ctr">
+                      <a:noFill/>
+                      <a:prstDash val="solid"/>
+                      <a:round/>
+                      <a:headEnd type="none" w="med" len="med"/>
+                      <a:tailEnd type="none" w="med" len="med"/>
+                    </a:lnT>
+                    <a:lnB w="12700" cap="flat" cmpd="sng" algn="ctr">
+                      <a:noFill/>
+                      <a:prstDash val="solid"/>
+                      <a:round/>
+                      <a:headEnd type="none" w="med" len="med"/>
+                      <a:tailEnd type="none" w="med" len="med"/>
+                    </a:lnB>
+                    <a:lnTlToBr w="12700" cmpd="sng">
+                      <a:noFill/>
+                      <a:prstDash val="solid"/>
+                    </a:lnTlToBr>
+                    <a:lnBlToTr w="12700" cmpd="sng">
+                      <a:noFill/>
+                      <a:prstDash val="solid"/>
+                    </a:lnBlToTr>
+                  </a:tcPr>
+                </a:tc>
+                <a:tc>
+                  <a:txBody>
+                    <a:bodyPr/>
+                    <a:lstStyle/>
+                    <a:p>
+                      <a:r>
+                        <a:rPr lang="en-US" dirty="0"/>
+                        <a:t>N</a:t>
+                      </a:r>
+                    </a:p>
+                  </a:txBody>
+                  <a:tcPr>
+                    <a:lnL w="12700" cap="flat" cmpd="sng" algn="ctr">
+                      <a:noFill/>
+                      <a:prstDash val="solid"/>
+                      <a:round/>
+                      <a:headEnd type="none" w="med" len="med"/>
+                      <a:tailEnd type="none" w="med" len="med"/>
+                    </a:lnL>
+                    <a:lnR w="12700" cap="flat" cmpd="sng" algn="ctr">
+                      <a:noFill/>
+                      <a:prstDash val="solid"/>
+                      <a:round/>
+                      <a:headEnd type="none" w="med" len="med"/>
+                      <a:tailEnd type="none" w="med" len="med"/>
+                    </a:lnR>
+                    <a:lnT w="12700" cap="flat" cmpd="sng" algn="ctr">
+                      <a:noFill/>
+                      <a:prstDash val="solid"/>
+                      <a:round/>
+                      <a:headEnd type="none" w="med" len="med"/>
+                      <a:tailEnd type="none" w="med" len="med"/>
+                    </a:lnT>
+                    <a:lnB w="12700" cap="flat" cmpd="sng" algn="ctr">
+                      <a:noFill/>
+                      <a:prstDash val="solid"/>
+                      <a:round/>
+                      <a:headEnd type="none" w="med" len="med"/>
+                      <a:tailEnd type="none" w="med" len="med"/>
+                    </a:lnB>
+                    <a:lnTlToBr w="12700" cmpd="sng">
+                      <a:noFill/>
+                      <a:prstDash val="solid"/>
+                    </a:lnTlToBr>
+                    <a:lnBlToTr w="12700" cmpd="sng">
+                      <a:noFill/>
+                      <a:prstDash val="solid"/>
+                    </a:lnBlToTr>
+                  </a:tcPr>
+                </a:tc>
+                <a:tc>
+                  <a:txBody>
+                    <a:bodyPr/>
+                    <a:lstStyle/>
+                    <a:p>
+                      <a:r>
+                        <a:rPr lang="en-US" dirty="0"/>
+                        <a:t>N</a:t>
+                      </a:r>
+                    </a:p>
+                  </a:txBody>
+                  <a:tcPr>
+                    <a:lnL w="12700" cap="flat" cmpd="sng" algn="ctr">
+                      <a:noFill/>
+                      <a:prstDash val="solid"/>
+                      <a:round/>
+                      <a:headEnd type="none" w="med" len="med"/>
+                      <a:tailEnd type="none" w="med" len="med"/>
+                    </a:lnL>
+                    <a:lnR w="12700" cap="flat" cmpd="sng" algn="ctr">
+                      <a:noFill/>
+                      <a:prstDash val="solid"/>
+                      <a:round/>
+                      <a:headEnd type="none" w="med" len="med"/>
+                      <a:tailEnd type="none" w="med" len="med"/>
+                    </a:lnR>
+                    <a:lnT w="12700" cap="flat" cmpd="sng" algn="ctr">
+                      <a:noFill/>
+                      <a:prstDash val="solid"/>
+                      <a:round/>
+                      <a:headEnd type="none" w="med" len="med"/>
+                      <a:tailEnd type="none" w="med" len="med"/>
+                    </a:lnT>
+                    <a:lnB w="12700" cap="flat" cmpd="sng" algn="ctr">
+                      <a:noFill/>
+                      <a:prstDash val="solid"/>
+                      <a:round/>
+                      <a:headEnd type="none" w="med" len="med"/>
+                      <a:tailEnd type="none" w="med" len="med"/>
+                    </a:lnB>
+                    <a:lnTlToBr w="12700" cmpd="sng">
+                      <a:noFill/>
+                      <a:prstDash val="solid"/>
+                    </a:lnTlToBr>
+                    <a:lnBlToTr w="12700" cmpd="sng">
+                      <a:noFill/>
+                      <a:prstDash val="solid"/>
+                    </a:lnBlToTr>
+                  </a:tcPr>
+                </a:tc>
+                <a:tc>
+                  <a:txBody>
+                    <a:bodyPr/>
+                    <a:lstStyle/>
+                    <a:p>
+                      <a:r>
+                        <a:rPr lang="en-US" dirty="0"/>
+                        <a:t>N</a:t>
+                      </a:r>
+                    </a:p>
+                  </a:txBody>
+                  <a:tcPr>
+                    <a:lnL w="12700" cap="flat" cmpd="sng" algn="ctr">
+                      <a:noFill/>
+                      <a:prstDash val="solid"/>
+                      <a:round/>
+                      <a:headEnd type="none" w="med" len="med"/>
+                      <a:tailEnd type="none" w="med" len="med"/>
+                    </a:lnL>
+                    <a:lnR w="12700" cap="flat" cmpd="sng" algn="ctr">
+                      <a:noFill/>
+                      <a:prstDash val="solid"/>
+                      <a:round/>
+                      <a:headEnd type="none" w="med" len="med"/>
+                      <a:tailEnd type="none" w="med" len="med"/>
+                    </a:lnR>
+                    <a:lnT w="12700" cap="flat" cmpd="sng" algn="ctr">
+                      <a:noFill/>
+                      <a:prstDash val="solid"/>
+                      <a:round/>
+                      <a:headEnd type="none" w="med" len="med"/>
+                      <a:tailEnd type="none" w="med" len="med"/>
+                    </a:lnT>
+                    <a:lnB w="12700" cap="flat" cmpd="sng" algn="ctr">
+                      <a:noFill/>
+                      <a:prstDash val="solid"/>
+                      <a:round/>
+                      <a:headEnd type="none" w="med" len="med"/>
+                      <a:tailEnd type="none" w="med" len="med"/>
+                    </a:lnB>
+                    <a:lnTlToBr w="12700" cmpd="sng">
+                      <a:noFill/>
+                      <a:prstDash val="solid"/>
+                    </a:lnTlToBr>
+                    <a:lnBlToTr w="12700" cmpd="sng">
+                      <a:noFill/>
+                      <a:prstDash val="solid"/>
+                    </a:lnBlToTr>
+                  </a:tcPr>
+                </a:tc>
+                <a:tc>
+                  <a:txBody>
+                    <a:bodyPr/>
+                    <a:lstStyle/>
+                    <a:p>
+                      <a:r>
+                        <a:rPr lang="en-US" dirty="0"/>
+                        <a:t>P</a:t>
+                      </a:r>
+                    </a:p>
+                  </a:txBody>
+                  <a:tcPr>
+                    <a:lnL w="12700" cap="flat" cmpd="sng" algn="ctr">
+                      <a:noFill/>
+                      <a:prstDash val="solid"/>
+                      <a:round/>
+                      <a:headEnd type="none" w="med" len="med"/>
+                      <a:tailEnd type="none" w="med" len="med"/>
+                    </a:lnL>
+                    <a:lnR w="12700" cap="flat" cmpd="sng" algn="ctr">
+                      <a:noFill/>
+                      <a:prstDash val="solid"/>
+                      <a:round/>
+                      <a:headEnd type="none" w="med" len="med"/>
+                      <a:tailEnd type="none" w="med" len="med"/>
+                    </a:lnR>
+                    <a:lnT w="12700" cap="flat" cmpd="sng" algn="ctr">
+                      <a:noFill/>
+                      <a:prstDash val="solid"/>
+                      <a:round/>
+                      <a:headEnd type="none" w="med" len="med"/>
+                      <a:tailEnd type="none" w="med" len="med"/>
+                    </a:lnT>
+                    <a:lnB w="12700" cap="flat" cmpd="sng" algn="ctr">
+                      <a:noFill/>
+                      <a:prstDash val="solid"/>
+                      <a:round/>
+                      <a:headEnd type="none" w="med" len="med"/>
+                      <a:tailEnd type="none" w="med" len="med"/>
+                    </a:lnB>
+                    <a:lnTlToBr w="12700" cmpd="sng">
+                      <a:noFill/>
+                      <a:prstDash val="solid"/>
+                    </a:lnTlToBr>
+                    <a:lnBlToTr w="12700" cmpd="sng">
+                      <a:noFill/>
+                      <a:prstDash val="solid"/>
+                    </a:lnBlToTr>
+                  </a:tcPr>
+                </a:tc>
+                <a:extLst>
+                  <a:ext uri="{0D108BD9-81ED-4DB2-BD59-A6C34878D82A}">
+                    <a16:rowId xmlns:a16="http://schemas.microsoft.com/office/drawing/2014/main" val="1535973640"/>
+                  </a:ext>
+                </a:extLst>
+              </a:tr>
+              <a:tr h="370840">
+                <a:tc>
+                  <a:txBody>
+                    <a:bodyPr/>
+                    <a:lstStyle/>
+                    <a:p>
+                      <a:r>
+                        <a:rPr lang="en-US" dirty="0"/>
+                        <a:t>N</a:t>
+                      </a:r>
+                    </a:p>
+                  </a:txBody>
+                  <a:tcPr>
+                    <a:lnL w="12700" cap="flat" cmpd="sng" algn="ctr">
+                      <a:noFill/>
+                      <a:prstDash val="solid"/>
+                      <a:round/>
+                      <a:headEnd type="none" w="med" len="med"/>
+                      <a:tailEnd type="none" w="med" len="med"/>
+                    </a:lnL>
+                    <a:lnR w="12700" cap="flat" cmpd="sng" algn="ctr">
+                      <a:noFill/>
+                      <a:prstDash val="solid"/>
+                      <a:round/>
+                      <a:headEnd type="none" w="med" len="med"/>
+                      <a:tailEnd type="none" w="med" len="med"/>
+                    </a:lnR>
+                    <a:lnT w="12700" cap="flat" cmpd="sng" algn="ctr">
+                      <a:noFill/>
+                      <a:prstDash val="solid"/>
+                      <a:round/>
+                      <a:headEnd type="none" w="med" len="med"/>
+                      <a:tailEnd type="none" w="med" len="med"/>
+                    </a:lnT>
+                    <a:lnB w="12700" cap="flat" cmpd="sng" algn="ctr">
+                      <a:noFill/>
+                      <a:prstDash val="solid"/>
+                      <a:round/>
+                      <a:headEnd type="none" w="med" len="med"/>
+                      <a:tailEnd type="none" w="med" len="med"/>
+                    </a:lnB>
+                    <a:lnTlToBr w="12700" cmpd="sng">
+                      <a:noFill/>
+                      <a:prstDash val="solid"/>
+                    </a:lnTlToBr>
+                    <a:lnBlToTr w="12700" cmpd="sng">
+                      <a:noFill/>
+                      <a:prstDash val="solid"/>
+                    </a:lnBlToTr>
+                  </a:tcPr>
+                </a:tc>
+                <a:tc>
+                  <a:txBody>
+                    <a:bodyPr/>
+                    <a:lstStyle/>
+                    <a:p>
+                      <a:r>
+                        <a:rPr lang="en-US" dirty="0"/>
+                        <a:t>P</a:t>
+                      </a:r>
+                    </a:p>
+                  </a:txBody>
+                  <a:tcPr>
+                    <a:lnL w="12700" cap="flat" cmpd="sng" algn="ctr">
+                      <a:noFill/>
+                      <a:prstDash val="solid"/>
+                      <a:round/>
+                      <a:headEnd type="none" w="med" len="med"/>
+                      <a:tailEnd type="none" w="med" len="med"/>
+                    </a:lnL>
+                    <a:lnR w="12700" cap="flat" cmpd="sng" algn="ctr">
+                      <a:noFill/>
+                      <a:prstDash val="solid"/>
+                      <a:round/>
+                      <a:headEnd type="none" w="med" len="med"/>
+                      <a:tailEnd type="none" w="med" len="med"/>
+                    </a:lnR>
+                    <a:lnT w="12700" cap="flat" cmpd="sng" algn="ctr">
+                      <a:noFill/>
+                      <a:prstDash val="solid"/>
+                      <a:round/>
+                      <a:headEnd type="none" w="med" len="med"/>
+                      <a:tailEnd type="none" w="med" len="med"/>
+                    </a:lnT>
+                    <a:lnB w="12700" cap="flat" cmpd="sng" algn="ctr">
+                      <a:noFill/>
+                      <a:prstDash val="solid"/>
+                      <a:round/>
+                      <a:headEnd type="none" w="med" len="med"/>
+                      <a:tailEnd type="none" w="med" len="med"/>
+                    </a:lnB>
+                    <a:lnTlToBr w="12700" cmpd="sng">
+                      <a:noFill/>
+                      <a:prstDash val="solid"/>
+                    </a:lnTlToBr>
+                    <a:lnBlToTr w="12700" cmpd="sng">
+                      <a:noFill/>
+                      <a:prstDash val="solid"/>
+                    </a:lnBlToTr>
+                  </a:tcPr>
+                </a:tc>
+                <a:tc>
+                  <a:txBody>
+                    <a:bodyPr/>
+                    <a:lstStyle/>
+                    <a:p>
+                      <a:r>
+                        <a:rPr lang="en-US" dirty="0"/>
+                        <a:t>P</a:t>
+                      </a:r>
+                    </a:p>
+                  </a:txBody>
+                  <a:tcPr>
+                    <a:lnL w="12700" cap="flat" cmpd="sng" algn="ctr">
+                      <a:noFill/>
+                      <a:prstDash val="solid"/>
+                      <a:round/>
+                      <a:headEnd type="none" w="med" len="med"/>
+                      <a:tailEnd type="none" w="med" len="med"/>
+                    </a:lnL>
+                    <a:lnR w="12700" cap="flat" cmpd="sng" algn="ctr">
+                      <a:noFill/>
+                      <a:prstDash val="solid"/>
+                      <a:round/>
+                      <a:headEnd type="none" w="med" len="med"/>
+                      <a:tailEnd type="none" w="med" len="med"/>
+                    </a:lnR>
+                    <a:lnT w="12700" cap="flat" cmpd="sng" algn="ctr">
+                      <a:noFill/>
+                      <a:prstDash val="solid"/>
+                      <a:round/>
+                      <a:headEnd type="none" w="med" len="med"/>
+                      <a:tailEnd type="none" w="med" len="med"/>
+                    </a:lnT>
+                    <a:lnB w="12700" cap="flat" cmpd="sng" algn="ctr">
+                      <a:noFill/>
+                      <a:prstDash val="solid"/>
+                      <a:round/>
+                      <a:headEnd type="none" w="med" len="med"/>
+                      <a:tailEnd type="none" w="med" len="med"/>
+                    </a:lnB>
+                    <a:lnTlToBr w="12700" cmpd="sng">
+                      <a:noFill/>
+                      <a:prstDash val="solid"/>
+                    </a:lnTlToBr>
+                    <a:lnBlToTr w="12700" cmpd="sng">
+                      <a:noFill/>
+                      <a:prstDash val="solid"/>
+                    </a:lnBlToTr>
+                  </a:tcPr>
+                </a:tc>
+                <a:tc>
+                  <a:txBody>
+                    <a:bodyPr/>
+                    <a:lstStyle/>
+                    <a:p>
+                      <a:r>
+                        <a:rPr lang="en-US" dirty="0"/>
+                        <a:t>P</a:t>
+                      </a:r>
+                    </a:p>
+                  </a:txBody>
+                  <a:tcPr>
+                    <a:lnL w="12700" cap="flat" cmpd="sng" algn="ctr">
+                      <a:noFill/>
+                      <a:prstDash val="solid"/>
+                      <a:round/>
+                      <a:headEnd type="none" w="med" len="med"/>
+                      <a:tailEnd type="none" w="med" len="med"/>
+                    </a:lnL>
+                    <a:lnR w="12700" cap="flat" cmpd="sng" algn="ctr">
+                      <a:noFill/>
+                      <a:prstDash val="solid"/>
+                      <a:round/>
+                      <a:headEnd type="none" w="med" len="med"/>
+                      <a:tailEnd type="none" w="med" len="med"/>
+                    </a:lnR>
+                    <a:lnT w="12700" cap="flat" cmpd="sng" algn="ctr">
+                      <a:noFill/>
+                      <a:prstDash val="solid"/>
+                      <a:round/>
+                      <a:headEnd type="none" w="med" len="med"/>
+                      <a:tailEnd type="none" w="med" len="med"/>
+                    </a:lnT>
+                    <a:lnB w="12700" cap="flat" cmpd="sng" algn="ctr">
+                      <a:noFill/>
+                      <a:prstDash val="solid"/>
+                      <a:round/>
+                      <a:headEnd type="none" w="med" len="med"/>
+                      <a:tailEnd type="none" w="med" len="med"/>
+                    </a:lnB>
+                    <a:lnTlToBr w="12700" cmpd="sng">
+                      <a:noFill/>
+                      <a:prstDash val="solid"/>
+                    </a:lnTlToBr>
+                    <a:lnBlToTr w="12700" cmpd="sng">
+                      <a:noFill/>
+                      <a:prstDash val="solid"/>
+                    </a:lnBlToTr>
+                  </a:tcPr>
+                </a:tc>
+                <a:tc>
+                  <a:txBody>
+                    <a:bodyPr/>
+                    <a:lstStyle/>
+                    <a:p>
+                      <a:r>
+                        <a:rPr lang="en-US" dirty="0"/>
+                        <a:t>N</a:t>
+                      </a:r>
+                    </a:p>
+                  </a:txBody>
+                  <a:tcPr>
+                    <a:lnL w="12700" cap="flat" cmpd="sng" algn="ctr">
+                      <a:noFill/>
+                      <a:prstDash val="solid"/>
+                      <a:round/>
+                      <a:headEnd type="none" w="med" len="med"/>
+                      <a:tailEnd type="none" w="med" len="med"/>
+                    </a:lnL>
+                    <a:lnR w="12700" cap="flat" cmpd="sng" algn="ctr">
+                      <a:noFill/>
+                      <a:prstDash val="solid"/>
+                      <a:round/>
+                      <a:headEnd type="none" w="med" len="med"/>
+                      <a:tailEnd type="none" w="med" len="med"/>
+                    </a:lnR>
+                    <a:lnT w="12700" cap="flat" cmpd="sng" algn="ctr">
+                      <a:noFill/>
+                      <a:prstDash val="solid"/>
+                      <a:round/>
+                      <a:headEnd type="none" w="med" len="med"/>
+                      <a:tailEnd type="none" w="med" len="med"/>
+                    </a:lnT>
+                    <a:lnB w="12700" cap="flat" cmpd="sng" algn="ctr">
+                      <a:noFill/>
+                      <a:prstDash val="solid"/>
+                      <a:round/>
+                      <a:headEnd type="none" w="med" len="med"/>
+                      <a:tailEnd type="none" w="med" len="med"/>
+                    </a:lnB>
+                    <a:lnTlToBr w="12700" cmpd="sng">
+                      <a:noFill/>
+                      <a:prstDash val="solid"/>
+                    </a:lnTlToBr>
+                    <a:lnBlToTr w="12700" cmpd="sng">
+                      <a:noFill/>
+                      <a:prstDash val="solid"/>
+                    </a:lnBlToTr>
+                  </a:tcPr>
+                </a:tc>
+                <a:tc>
+                  <a:txBody>
+                    <a:bodyPr/>
+                    <a:lstStyle/>
+                    <a:p>
+                      <a:r>
+                        <a:rPr lang="en-US" dirty="0"/>
+                        <a:t>N</a:t>
+                      </a:r>
+                    </a:p>
+                  </a:txBody>
+                  <a:tcPr>
+                    <a:lnL w="12700" cap="flat" cmpd="sng" algn="ctr">
+                      <a:noFill/>
+                      <a:prstDash val="solid"/>
+                      <a:round/>
+                      <a:headEnd type="none" w="med" len="med"/>
+                      <a:tailEnd type="none" w="med" len="med"/>
+                    </a:lnL>
+                    <a:lnR w="12700" cap="flat" cmpd="sng" algn="ctr">
+                      <a:noFill/>
+                      <a:prstDash val="solid"/>
+                      <a:round/>
+                      <a:headEnd type="none" w="med" len="med"/>
+                      <a:tailEnd type="none" w="med" len="med"/>
+                    </a:lnR>
+                    <a:lnT w="12700" cap="flat" cmpd="sng" algn="ctr">
+                      <a:noFill/>
+                      <a:prstDash val="solid"/>
+                      <a:round/>
+                      <a:headEnd type="none" w="med" len="med"/>
+                      <a:tailEnd type="none" w="med" len="med"/>
+                    </a:lnT>
+                    <a:lnB w="12700" cap="flat" cmpd="sng" algn="ctr">
+                      <a:noFill/>
+                      <a:prstDash val="solid"/>
+                      <a:round/>
+                      <a:headEnd type="none" w="med" len="med"/>
+                      <a:tailEnd type="none" w="med" len="med"/>
+                    </a:lnB>
+                    <a:lnTlToBr w="12700" cmpd="sng">
+                      <a:noFill/>
+                      <a:prstDash val="solid"/>
+                    </a:lnTlToBr>
+                    <a:lnBlToTr w="12700" cmpd="sng">
+                      <a:noFill/>
+                      <a:prstDash val="solid"/>
+                    </a:lnBlToTr>
+                  </a:tcPr>
+                </a:tc>
+                <a:tc>
+                  <a:txBody>
+                    <a:bodyPr/>
+                    <a:lstStyle/>
+                    <a:p>
+                      <a:r>
+                        <a:rPr lang="en-US" dirty="0"/>
+                        <a:t>P</a:t>
+                      </a:r>
+                    </a:p>
+                  </a:txBody>
+                  <a:tcPr>
+                    <a:lnL w="12700" cap="flat" cmpd="sng" algn="ctr">
+                      <a:noFill/>
+                      <a:prstDash val="solid"/>
+                      <a:round/>
+                      <a:headEnd type="none" w="med" len="med"/>
+                      <a:tailEnd type="none" w="med" len="med"/>
+                    </a:lnL>
+                    <a:lnR w="12700" cap="flat" cmpd="sng" algn="ctr">
+                      <a:noFill/>
+                      <a:prstDash val="solid"/>
+                      <a:round/>
+                      <a:headEnd type="none" w="med" len="med"/>
+                      <a:tailEnd type="none" w="med" len="med"/>
+                    </a:lnR>
+                    <a:lnT w="12700" cap="flat" cmpd="sng" algn="ctr">
+                      <a:noFill/>
+                      <a:prstDash val="solid"/>
+                      <a:round/>
+                      <a:headEnd type="none" w="med" len="med"/>
+                      <a:tailEnd type="none" w="med" len="med"/>
+                    </a:lnT>
+                    <a:lnB w="12700" cap="flat" cmpd="sng" algn="ctr">
+                      <a:noFill/>
+                      <a:prstDash val="solid"/>
+                      <a:round/>
+                      <a:headEnd type="none" w="med" len="med"/>
+                      <a:tailEnd type="none" w="med" len="med"/>
+                    </a:lnB>
+                    <a:lnTlToBr w="12700" cmpd="sng">
+                      <a:noFill/>
+                      <a:prstDash val="solid"/>
+                    </a:lnTlToBr>
+                    <a:lnBlToTr w="12700" cmpd="sng">
+                      <a:noFill/>
+                      <a:prstDash val="solid"/>
+                    </a:lnBlToTr>
+                  </a:tcPr>
+                </a:tc>
+                <a:tc>
+                  <a:txBody>
+                    <a:bodyPr/>
+                    <a:lstStyle/>
+                    <a:p>
+                      <a:r>
+                        <a:rPr lang="en-US" dirty="0"/>
+                        <a:t>P</a:t>
+                      </a:r>
+                    </a:p>
+                  </a:txBody>
+                  <a:tcPr>
+                    <a:lnL w="12700" cap="flat" cmpd="sng" algn="ctr">
+                      <a:noFill/>
+                      <a:prstDash val="solid"/>
+                      <a:round/>
+                      <a:headEnd type="none" w="med" len="med"/>
+                      <a:tailEnd type="none" w="med" len="med"/>
+                    </a:lnL>
+                    <a:lnR w="12700" cap="flat" cmpd="sng" algn="ctr">
+                      <a:noFill/>
+                      <a:prstDash val="solid"/>
+                      <a:round/>
+                      <a:headEnd type="none" w="med" len="med"/>
+                      <a:tailEnd type="none" w="med" len="med"/>
+                    </a:lnR>
+                    <a:lnT w="12700" cap="flat" cmpd="sng" algn="ctr">
+                      <a:noFill/>
+                      <a:prstDash val="solid"/>
+                      <a:round/>
+                      <a:headEnd type="none" w="med" len="med"/>
+                      <a:tailEnd type="none" w="med" len="med"/>
+                    </a:lnT>
+                    <a:lnB w="12700" cap="flat" cmpd="sng" algn="ctr">
+                      <a:noFill/>
+                      <a:prstDash val="solid"/>
+                      <a:round/>
+                      <a:headEnd type="none" w="med" len="med"/>
+                      <a:tailEnd type="none" w="med" len="med"/>
+                    </a:lnB>
+                    <a:lnTlToBr w="12700" cmpd="sng">
+                      <a:noFill/>
+                      <a:prstDash val="solid"/>
+                    </a:lnTlToBr>
+                    <a:lnBlToTr w="12700" cmpd="sng">
+                      <a:noFill/>
+                      <a:prstDash val="solid"/>
+                    </a:lnBlToTr>
+                  </a:tcPr>
+                </a:tc>
+                <a:extLst>
+                  <a:ext uri="{0D108BD9-81ED-4DB2-BD59-A6C34878D82A}">
+                    <a16:rowId xmlns:a16="http://schemas.microsoft.com/office/drawing/2014/main" val="3885119111"/>
+                  </a:ext>
+                </a:extLst>
+              </a:tr>
+            </a:tbl>
+          </a:graphicData>
+        </a:graphic>
+      </p:graphicFrame>
+      <p:pic>
+        <p:nvPicPr>
+          <p:cNvPr id="18" name="Picture 17" descr="Chart, scatter chart&#10;&#10;Description automatically generated">
+            <a:extLst>
+              <a:ext uri="{FF2B5EF4-FFF2-40B4-BE49-F238E27FC236}">
+                <a16:creationId xmlns:a16="http://schemas.microsoft.com/office/drawing/2014/main" id="{F3D080FC-80F9-43C4-93DE-6A04C89A70F3}"/>
+              </a:ext>
+            </a:extLst>
+          </p:cNvPr>
+          <p:cNvPicPr>
+            <a:picLocks noChangeAspect="1"/>
+          </p:cNvPicPr>
+          <p:nvPr/>
+        </p:nvPicPr>
+        <p:blipFill rotWithShape="1">
+          <a:blip r:embed="rId3">
+            <a:extLst>
+              <a:ext uri="{28A0092B-C50C-407E-A947-70E740481C1C}">
+                <a14:useLocalDpi xmlns:a14="http://schemas.microsoft.com/office/drawing/2010/main" val="0"/>
+              </a:ext>
+            </a:extLst>
+          </a:blip>
+          <a:srcRect l="4869" b="31948"/>
+          <a:stretch/>
+        </p:blipFill>
+        <p:spPr>
+          <a:xfrm>
+            <a:off x="6909532" y="5175"/>
+            <a:ext cx="6341386" cy="2800229"/>
+          </a:xfrm>
+          <a:prstGeom prst="rect">
+            <a:avLst/>
+          </a:prstGeom>
+        </p:spPr>
+      </p:pic>
+      <p:pic>
+        <p:nvPicPr>
+          <p:cNvPr id="19" name="Picture 18" descr="Chart, scatter chart&#10;&#10;Description automatically generated">
+            <a:extLst>
+              <a:ext uri="{FF2B5EF4-FFF2-40B4-BE49-F238E27FC236}">
+                <a16:creationId xmlns:a16="http://schemas.microsoft.com/office/drawing/2014/main" id="{AD8D4265-E436-4020-867D-F14F400E9E60}"/>
+              </a:ext>
+            </a:extLst>
+          </p:cNvPr>
+          <p:cNvPicPr>
+            <a:picLocks noChangeAspect="1"/>
+          </p:cNvPicPr>
+          <p:nvPr/>
+        </p:nvPicPr>
+        <p:blipFill rotWithShape="1">
+          <a:blip r:embed="rId3">
+            <a:extLst>
+              <a:ext uri="{28A0092B-C50C-407E-A947-70E740481C1C}">
+                <a14:useLocalDpi xmlns:a14="http://schemas.microsoft.com/office/drawing/2010/main" val="0"/>
+              </a:ext>
+            </a:extLst>
+          </a:blip>
+          <a:srcRect l="4584" t="68593"/>
+          <a:stretch/>
+        </p:blipFill>
+        <p:spPr>
+          <a:xfrm>
+            <a:off x="6768067" y="4756410"/>
+            <a:ext cx="6360448" cy="1292356"/>
           </a:xfrm>
           <a:prstGeom prst="rect">
             <a:avLst/>
@@ -8443,35 +12880,10 @@
       </p:grpSpPr>
       <p:sp>
         <p:nvSpPr>
-          <p:cNvPr id="2" name="Title 1">
-            <a:extLst>
-              <a:ext uri="{FF2B5EF4-FFF2-40B4-BE49-F238E27FC236}">
-                <a16:creationId xmlns:a16="http://schemas.microsoft.com/office/drawing/2014/main" id="{A967D871-CA0F-4978-A06D-064D77165198}"/>
-              </a:ext>
-            </a:extLst>
-          </p:cNvPr>
-          <p:cNvSpPr>
-            <a:spLocks noGrp="1"/>
-          </p:cNvSpPr>
-          <p:nvPr>
-            <p:ph type="title"/>
-          </p:nvPr>
-        </p:nvSpPr>
-        <p:spPr/>
-        <p:txBody>
-          <a:bodyPr/>
-          <a:lstStyle/>
-          <a:p>
-            <a:endParaRPr lang="en-US"/>
-          </a:p>
-        </p:txBody>
-      </p:sp>
-      <p:sp>
-        <p:nvSpPr>
           <p:cNvPr id="3" name="Content Placeholder 2">
             <a:extLst>
               <a:ext uri="{FF2B5EF4-FFF2-40B4-BE49-F238E27FC236}">
-                <a16:creationId xmlns:a16="http://schemas.microsoft.com/office/drawing/2014/main" id="{3DAB5B43-5CEB-44CE-8AD3-1663B7B9AAEC}"/>
+                <a16:creationId xmlns:a16="http://schemas.microsoft.com/office/drawing/2014/main" id="{5D74C697-3734-42CD-B702-4FE1FE2F2500}"/>
               </a:ext>
             </a:extLst>
           </p:cNvPr>
@@ -8482,21 +12894,34 @@
             <p:ph idx="1"/>
           </p:nvPr>
         </p:nvSpPr>
-        <p:spPr/>
+        <p:spPr>
+          <a:xfrm>
+            <a:off x="838199" y="5739319"/>
+            <a:ext cx="11087911" cy="437644"/>
+          </a:xfrm>
+        </p:spPr>
         <p:txBody>
-          <a:bodyPr/>
+          <a:bodyPr>
+            <a:normAutofit/>
+          </a:bodyPr>
           <a:lstStyle/>
           <a:p>
-            <a:endParaRPr lang="en-US" dirty="0"/>
+            <a:pPr marL="0" indent="0">
+              <a:buNone/>
+            </a:pPr>
+            <a:r>
+              <a:rPr lang="en-US" sz="1600" i="1" dirty="0"/>
+              <a:t>                                                                          Haber 2017                                                                                                           Kang 2017</a:t>
+            </a:r>
           </a:p>
         </p:txBody>
       </p:sp>
       <p:pic>
         <p:nvPicPr>
-          <p:cNvPr id="9" name="Picture 8">
+          <p:cNvPr id="5" name="Picture 4">
             <a:extLst>
               <a:ext uri="{FF2B5EF4-FFF2-40B4-BE49-F238E27FC236}">
-                <a16:creationId xmlns:a16="http://schemas.microsoft.com/office/drawing/2014/main" id="{CDD84770-D872-4C0B-BC13-00E765320062}"/>
+                <a16:creationId xmlns:a16="http://schemas.microsoft.com/office/drawing/2014/main" id="{4FC55CB1-4035-455D-90AE-45280802E170}"/>
               </a:ext>
             </a:extLst>
           </p:cNvPr>
@@ -8507,13 +12932,13 @@
         </p:nvPicPr>
         <p:blipFill rotWithShape="1">
           <a:blip r:embed="rId2"/>
-          <a:srcRect l="7537" t="1542" r="3244" b="8299"/>
+          <a:srcRect t="4965"/>
           <a:stretch/>
         </p:blipFill>
         <p:spPr>
           <a:xfrm>
-            <a:off x="2649894" y="105747"/>
-            <a:ext cx="7240555" cy="6183086"/>
+            <a:off x="0" y="301574"/>
+            <a:ext cx="12192000" cy="5196978"/>
           </a:xfrm>
           <a:prstGeom prst="rect">
             <a:avLst/>
@@ -8523,7 +12948,7 @@
     </p:spTree>
     <p:extLst>
       <p:ext uri="{BB962C8B-B14F-4D97-AF65-F5344CB8AC3E}">
-        <p14:creationId xmlns:p14="http://schemas.microsoft.com/office/powerpoint/2010/main" val="3016769139"/>
+        <p14:creationId xmlns:p14="http://schemas.microsoft.com/office/powerpoint/2010/main" val="518205072"/>
       </p:ext>
     </p:extLst>
   </p:cSld>
@@ -13136,6 +17561,1480 @@
     <p:extLst>
       <p:ext uri="{BB962C8B-B14F-4D97-AF65-F5344CB8AC3E}">
         <p14:creationId xmlns:p14="http://schemas.microsoft.com/office/powerpoint/2010/main" val="2270007124"/>
+      </p:ext>
+    </p:extLst>
+  </p:cSld>
+  <p:clrMapOvr>
+    <a:masterClrMapping/>
+  </p:clrMapOvr>
+</p:sld>
+</file>
+
+<file path=ppt/slides/slide8.xml><?xml version="1.0" encoding="utf-8"?>
+<p:sld xmlns:a="http://schemas.openxmlformats.org/drawingml/2006/main" xmlns:r="http://schemas.openxmlformats.org/officeDocument/2006/relationships" xmlns:p="http://schemas.openxmlformats.org/presentationml/2006/main">
+  <p:cSld>
+    <p:spTree>
+      <p:nvGrpSpPr>
+        <p:cNvPr id="1" name=""/>
+        <p:cNvGrpSpPr/>
+        <p:nvPr/>
+      </p:nvGrpSpPr>
+      <p:grpSpPr>
+        <a:xfrm>
+          <a:off x="0" y="0"/>
+          <a:ext cx="0" cy="0"/>
+          <a:chOff x="0" y="0"/>
+          <a:chExt cx="0" cy="0"/>
+        </a:xfrm>
+      </p:grpSpPr>
+      <p:sp>
+        <p:nvSpPr>
+          <p:cNvPr id="2" name="Title 1">
+            <a:extLst>
+              <a:ext uri="{FF2B5EF4-FFF2-40B4-BE49-F238E27FC236}">
+                <a16:creationId xmlns:a16="http://schemas.microsoft.com/office/drawing/2014/main" id="{AFA1B825-CD8F-460E-9F0E-55CE47DDA3A4}"/>
+              </a:ext>
+            </a:extLst>
+          </p:cNvPr>
+          <p:cNvSpPr>
+            <a:spLocks noGrp="1"/>
+          </p:cNvSpPr>
+          <p:nvPr>
+            <p:ph type="title"/>
+          </p:nvPr>
+        </p:nvSpPr>
+        <p:spPr/>
+        <p:txBody>
+          <a:bodyPr/>
+          <a:lstStyle/>
+          <a:p>
+            <a:endParaRPr lang="en-US"/>
+          </a:p>
+        </p:txBody>
+      </p:sp>
+      <p:pic>
+        <p:nvPicPr>
+          <p:cNvPr id="5" name="Content Placeholder 4" descr="Chart, scatter chart&#10;&#10;Description automatically generated">
+            <a:extLst>
+              <a:ext uri="{FF2B5EF4-FFF2-40B4-BE49-F238E27FC236}">
+                <a16:creationId xmlns:a16="http://schemas.microsoft.com/office/drawing/2014/main" id="{7B759427-4A45-4EA3-925E-0AC83B3CFF70}"/>
+              </a:ext>
+            </a:extLst>
+          </p:cNvPr>
+          <p:cNvPicPr>
+            <a:picLocks noGrp="1" noChangeAspect="1"/>
+          </p:cNvPicPr>
+          <p:nvPr>
+            <p:ph idx="1"/>
+          </p:nvPr>
+        </p:nvPicPr>
+        <p:blipFill>
+          <a:blip r:embed="rId2">
+            <a:extLst>
+              <a:ext uri="{28A0092B-C50C-407E-A947-70E740481C1C}">
+                <a14:useLocalDpi xmlns:a14="http://schemas.microsoft.com/office/drawing/2010/main" val="0"/>
+              </a:ext>
+            </a:extLst>
+          </a:blip>
+          <a:stretch>
+            <a:fillRect/>
+          </a:stretch>
+        </p:blipFill>
+        <p:spPr>
+          <a:xfrm>
+            <a:off x="0" y="1941444"/>
+            <a:ext cx="7971211" cy="4145639"/>
+          </a:xfrm>
+        </p:spPr>
+      </p:pic>
+      <p:sp>
+        <p:nvSpPr>
+          <p:cNvPr id="6" name="Content Placeholder 2">
+            <a:extLst>
+              <a:ext uri="{FF2B5EF4-FFF2-40B4-BE49-F238E27FC236}">
+                <a16:creationId xmlns:a16="http://schemas.microsoft.com/office/drawing/2014/main" id="{D71A3225-5EC1-43F8-9D42-73D69D58CBA3}"/>
+              </a:ext>
+            </a:extLst>
+          </p:cNvPr>
+          <p:cNvSpPr txBox="1">
+            <a:spLocks/>
+          </p:cNvSpPr>
+          <p:nvPr/>
+        </p:nvSpPr>
+        <p:spPr>
+          <a:xfrm>
+            <a:off x="1999034" y="3892701"/>
+            <a:ext cx="1697477" cy="463618"/>
+          </a:xfrm>
+          <a:prstGeom prst="rect">
+            <a:avLst/>
+          </a:prstGeom>
+        </p:spPr>
+        <p:txBody>
+          <a:bodyPr vert="horz" lIns="91440" tIns="45720" rIns="91440" bIns="45720" rtlCol="0">
+            <a:normAutofit/>
+          </a:bodyPr>
+          <a:lstStyle>
+            <a:lvl1pPr marL="228600" indent="-228600" algn="l" defTabSz="914400" rtl="0" eaLnBrk="1" latinLnBrk="0" hangingPunct="1">
+              <a:lnSpc>
+                <a:spcPct val="90000"/>
+              </a:lnSpc>
+              <a:spcBef>
+                <a:spcPts val="1000"/>
+              </a:spcBef>
+              <a:buFont typeface="Arial" panose="020B0604020202020204" pitchFamily="34" charset="0"/>
+              <a:buChar char="•"/>
+              <a:defRPr sz="2800" kern="1200">
+                <a:solidFill>
+                  <a:schemeClr val="tx1"/>
+                </a:solidFill>
+                <a:latin typeface="+mn-lt"/>
+                <a:ea typeface="+mn-ea"/>
+                <a:cs typeface="+mn-cs"/>
+              </a:defRPr>
+            </a:lvl1pPr>
+            <a:lvl2pPr marL="685800" indent="-228600" algn="l" defTabSz="914400" rtl="0" eaLnBrk="1" latinLnBrk="0" hangingPunct="1">
+              <a:lnSpc>
+                <a:spcPct val="90000"/>
+              </a:lnSpc>
+              <a:spcBef>
+                <a:spcPts val="500"/>
+              </a:spcBef>
+              <a:buFont typeface="Arial" panose="020B0604020202020204" pitchFamily="34" charset="0"/>
+              <a:buChar char="•"/>
+              <a:defRPr sz="2400" kern="1200">
+                <a:solidFill>
+                  <a:schemeClr val="tx1"/>
+                </a:solidFill>
+                <a:latin typeface="+mn-lt"/>
+                <a:ea typeface="+mn-ea"/>
+                <a:cs typeface="+mn-cs"/>
+              </a:defRPr>
+            </a:lvl2pPr>
+            <a:lvl3pPr marL="1143000" indent="-228600" algn="l" defTabSz="914400" rtl="0" eaLnBrk="1" latinLnBrk="0" hangingPunct="1">
+              <a:lnSpc>
+                <a:spcPct val="90000"/>
+              </a:lnSpc>
+              <a:spcBef>
+                <a:spcPts val="500"/>
+              </a:spcBef>
+              <a:buFont typeface="Arial" panose="020B0604020202020204" pitchFamily="34" charset="0"/>
+              <a:buChar char="•"/>
+              <a:defRPr sz="2000" kern="1200">
+                <a:solidFill>
+                  <a:schemeClr val="tx1"/>
+                </a:solidFill>
+                <a:latin typeface="+mn-lt"/>
+                <a:ea typeface="+mn-ea"/>
+                <a:cs typeface="+mn-cs"/>
+              </a:defRPr>
+            </a:lvl3pPr>
+            <a:lvl4pPr marL="1600200" indent="-228600" algn="l" defTabSz="914400" rtl="0" eaLnBrk="1" latinLnBrk="0" hangingPunct="1">
+              <a:lnSpc>
+                <a:spcPct val="90000"/>
+              </a:lnSpc>
+              <a:spcBef>
+                <a:spcPts val="500"/>
+              </a:spcBef>
+              <a:buFont typeface="Arial" panose="020B0604020202020204" pitchFamily="34" charset="0"/>
+              <a:buChar char="•"/>
+              <a:defRPr sz="1800" kern="1200">
+                <a:solidFill>
+                  <a:schemeClr val="tx1"/>
+                </a:solidFill>
+                <a:latin typeface="+mn-lt"/>
+                <a:ea typeface="+mn-ea"/>
+                <a:cs typeface="+mn-cs"/>
+              </a:defRPr>
+            </a:lvl4pPr>
+            <a:lvl5pPr marL="2057400" indent="-228600" algn="l" defTabSz="914400" rtl="0" eaLnBrk="1" latinLnBrk="0" hangingPunct="1">
+              <a:lnSpc>
+                <a:spcPct val="90000"/>
+              </a:lnSpc>
+              <a:spcBef>
+                <a:spcPts val="500"/>
+              </a:spcBef>
+              <a:buFont typeface="Arial" panose="020B0604020202020204" pitchFamily="34" charset="0"/>
+              <a:buChar char="•"/>
+              <a:defRPr sz="1800" kern="1200">
+                <a:solidFill>
+                  <a:schemeClr val="tx1"/>
+                </a:solidFill>
+                <a:latin typeface="+mn-lt"/>
+                <a:ea typeface="+mn-ea"/>
+                <a:cs typeface="+mn-cs"/>
+              </a:defRPr>
+            </a:lvl5pPr>
+            <a:lvl6pPr marL="2514600" indent="-228600" algn="l" defTabSz="914400" rtl="0" eaLnBrk="1" latinLnBrk="0" hangingPunct="1">
+              <a:lnSpc>
+                <a:spcPct val="90000"/>
+              </a:lnSpc>
+              <a:spcBef>
+                <a:spcPts val="500"/>
+              </a:spcBef>
+              <a:buFont typeface="Arial" panose="020B0604020202020204" pitchFamily="34" charset="0"/>
+              <a:buChar char="•"/>
+              <a:defRPr sz="1800" kern="1200">
+                <a:solidFill>
+                  <a:schemeClr val="tx1"/>
+                </a:solidFill>
+                <a:latin typeface="+mn-lt"/>
+                <a:ea typeface="+mn-ea"/>
+                <a:cs typeface="+mn-cs"/>
+              </a:defRPr>
+            </a:lvl6pPr>
+            <a:lvl7pPr marL="2971800" indent="-228600" algn="l" defTabSz="914400" rtl="0" eaLnBrk="1" latinLnBrk="0" hangingPunct="1">
+              <a:lnSpc>
+                <a:spcPct val="90000"/>
+              </a:lnSpc>
+              <a:spcBef>
+                <a:spcPts val="500"/>
+              </a:spcBef>
+              <a:buFont typeface="Arial" panose="020B0604020202020204" pitchFamily="34" charset="0"/>
+              <a:buChar char="•"/>
+              <a:defRPr sz="1800" kern="1200">
+                <a:solidFill>
+                  <a:schemeClr val="tx1"/>
+                </a:solidFill>
+                <a:latin typeface="+mn-lt"/>
+                <a:ea typeface="+mn-ea"/>
+                <a:cs typeface="+mn-cs"/>
+              </a:defRPr>
+            </a:lvl7pPr>
+            <a:lvl8pPr marL="3429000" indent="-228600" algn="l" defTabSz="914400" rtl="0" eaLnBrk="1" latinLnBrk="0" hangingPunct="1">
+              <a:lnSpc>
+                <a:spcPct val="90000"/>
+              </a:lnSpc>
+              <a:spcBef>
+                <a:spcPts val="500"/>
+              </a:spcBef>
+              <a:buFont typeface="Arial" panose="020B0604020202020204" pitchFamily="34" charset="0"/>
+              <a:buChar char="•"/>
+              <a:defRPr sz="1800" kern="1200">
+                <a:solidFill>
+                  <a:schemeClr val="tx1"/>
+                </a:solidFill>
+                <a:latin typeface="+mn-lt"/>
+                <a:ea typeface="+mn-ea"/>
+                <a:cs typeface="+mn-cs"/>
+              </a:defRPr>
+            </a:lvl8pPr>
+            <a:lvl9pPr marL="3886200" indent="-228600" algn="l" defTabSz="914400" rtl="0" eaLnBrk="1" latinLnBrk="0" hangingPunct="1">
+              <a:lnSpc>
+                <a:spcPct val="90000"/>
+              </a:lnSpc>
+              <a:spcBef>
+                <a:spcPts val="500"/>
+              </a:spcBef>
+              <a:buFont typeface="Arial" panose="020B0604020202020204" pitchFamily="34" charset="0"/>
+              <a:buChar char="•"/>
+              <a:defRPr sz="1800" kern="1200">
+                <a:solidFill>
+                  <a:schemeClr val="tx1"/>
+                </a:solidFill>
+                <a:latin typeface="+mn-lt"/>
+                <a:ea typeface="+mn-ea"/>
+                <a:cs typeface="+mn-cs"/>
+              </a:defRPr>
+            </a:lvl9pPr>
+          </a:lstStyle>
+          <a:p>
+            <a:pPr marL="0" indent="0">
+              <a:buFont typeface="Arial" panose="020B0604020202020204" pitchFamily="34" charset="0"/>
+              <a:buNone/>
+            </a:pPr>
+            <a:r>
+              <a:rPr lang="en-US" sz="2000" dirty="0"/>
+              <a:t>Neoplastic </a:t>
+            </a:r>
+          </a:p>
+        </p:txBody>
+      </p:sp>
+      <p:sp>
+        <p:nvSpPr>
+          <p:cNvPr id="7" name="Content Placeholder 2">
+            <a:extLst>
+              <a:ext uri="{FF2B5EF4-FFF2-40B4-BE49-F238E27FC236}">
+                <a16:creationId xmlns:a16="http://schemas.microsoft.com/office/drawing/2014/main" id="{05BDCC20-7132-4734-BD6A-91B7AF5932C8}"/>
+              </a:ext>
+            </a:extLst>
+          </p:cNvPr>
+          <p:cNvSpPr txBox="1">
+            <a:spLocks/>
+          </p:cNvSpPr>
+          <p:nvPr/>
+        </p:nvSpPr>
+        <p:spPr>
+          <a:xfrm>
+            <a:off x="3785681" y="2177391"/>
+            <a:ext cx="1697477" cy="463618"/>
+          </a:xfrm>
+          <a:prstGeom prst="rect">
+            <a:avLst/>
+          </a:prstGeom>
+        </p:spPr>
+        <p:txBody>
+          <a:bodyPr vert="horz" lIns="91440" tIns="45720" rIns="91440" bIns="45720" rtlCol="0">
+            <a:normAutofit/>
+          </a:bodyPr>
+          <a:lstStyle>
+            <a:lvl1pPr marL="228600" indent="-228600" algn="l" defTabSz="914400" rtl="0" eaLnBrk="1" latinLnBrk="0" hangingPunct="1">
+              <a:lnSpc>
+                <a:spcPct val="90000"/>
+              </a:lnSpc>
+              <a:spcBef>
+                <a:spcPts val="1000"/>
+              </a:spcBef>
+              <a:buFont typeface="Arial" panose="020B0604020202020204" pitchFamily="34" charset="0"/>
+              <a:buChar char="•"/>
+              <a:defRPr sz="2800" kern="1200">
+                <a:solidFill>
+                  <a:schemeClr val="tx1"/>
+                </a:solidFill>
+                <a:latin typeface="+mn-lt"/>
+                <a:ea typeface="+mn-ea"/>
+                <a:cs typeface="+mn-cs"/>
+              </a:defRPr>
+            </a:lvl1pPr>
+            <a:lvl2pPr marL="685800" indent="-228600" algn="l" defTabSz="914400" rtl="0" eaLnBrk="1" latinLnBrk="0" hangingPunct="1">
+              <a:lnSpc>
+                <a:spcPct val="90000"/>
+              </a:lnSpc>
+              <a:spcBef>
+                <a:spcPts val="500"/>
+              </a:spcBef>
+              <a:buFont typeface="Arial" panose="020B0604020202020204" pitchFamily="34" charset="0"/>
+              <a:buChar char="•"/>
+              <a:defRPr sz="2400" kern="1200">
+                <a:solidFill>
+                  <a:schemeClr val="tx1"/>
+                </a:solidFill>
+                <a:latin typeface="+mn-lt"/>
+                <a:ea typeface="+mn-ea"/>
+                <a:cs typeface="+mn-cs"/>
+              </a:defRPr>
+            </a:lvl2pPr>
+            <a:lvl3pPr marL="1143000" indent="-228600" algn="l" defTabSz="914400" rtl="0" eaLnBrk="1" latinLnBrk="0" hangingPunct="1">
+              <a:lnSpc>
+                <a:spcPct val="90000"/>
+              </a:lnSpc>
+              <a:spcBef>
+                <a:spcPts val="500"/>
+              </a:spcBef>
+              <a:buFont typeface="Arial" panose="020B0604020202020204" pitchFamily="34" charset="0"/>
+              <a:buChar char="•"/>
+              <a:defRPr sz="2000" kern="1200">
+                <a:solidFill>
+                  <a:schemeClr val="tx1"/>
+                </a:solidFill>
+                <a:latin typeface="+mn-lt"/>
+                <a:ea typeface="+mn-ea"/>
+                <a:cs typeface="+mn-cs"/>
+              </a:defRPr>
+            </a:lvl3pPr>
+            <a:lvl4pPr marL="1600200" indent="-228600" algn="l" defTabSz="914400" rtl="0" eaLnBrk="1" latinLnBrk="0" hangingPunct="1">
+              <a:lnSpc>
+                <a:spcPct val="90000"/>
+              </a:lnSpc>
+              <a:spcBef>
+                <a:spcPts val="500"/>
+              </a:spcBef>
+              <a:buFont typeface="Arial" panose="020B0604020202020204" pitchFamily="34" charset="0"/>
+              <a:buChar char="•"/>
+              <a:defRPr sz="1800" kern="1200">
+                <a:solidFill>
+                  <a:schemeClr val="tx1"/>
+                </a:solidFill>
+                <a:latin typeface="+mn-lt"/>
+                <a:ea typeface="+mn-ea"/>
+                <a:cs typeface="+mn-cs"/>
+              </a:defRPr>
+            </a:lvl4pPr>
+            <a:lvl5pPr marL="2057400" indent="-228600" algn="l" defTabSz="914400" rtl="0" eaLnBrk="1" latinLnBrk="0" hangingPunct="1">
+              <a:lnSpc>
+                <a:spcPct val="90000"/>
+              </a:lnSpc>
+              <a:spcBef>
+                <a:spcPts val="500"/>
+              </a:spcBef>
+              <a:buFont typeface="Arial" panose="020B0604020202020204" pitchFamily="34" charset="0"/>
+              <a:buChar char="•"/>
+              <a:defRPr sz="1800" kern="1200">
+                <a:solidFill>
+                  <a:schemeClr val="tx1"/>
+                </a:solidFill>
+                <a:latin typeface="+mn-lt"/>
+                <a:ea typeface="+mn-ea"/>
+                <a:cs typeface="+mn-cs"/>
+              </a:defRPr>
+            </a:lvl5pPr>
+            <a:lvl6pPr marL="2514600" indent="-228600" algn="l" defTabSz="914400" rtl="0" eaLnBrk="1" latinLnBrk="0" hangingPunct="1">
+              <a:lnSpc>
+                <a:spcPct val="90000"/>
+              </a:lnSpc>
+              <a:spcBef>
+                <a:spcPts val="500"/>
+              </a:spcBef>
+              <a:buFont typeface="Arial" panose="020B0604020202020204" pitchFamily="34" charset="0"/>
+              <a:buChar char="•"/>
+              <a:defRPr sz="1800" kern="1200">
+                <a:solidFill>
+                  <a:schemeClr val="tx1"/>
+                </a:solidFill>
+                <a:latin typeface="+mn-lt"/>
+                <a:ea typeface="+mn-ea"/>
+                <a:cs typeface="+mn-cs"/>
+              </a:defRPr>
+            </a:lvl6pPr>
+            <a:lvl7pPr marL="2971800" indent="-228600" algn="l" defTabSz="914400" rtl="0" eaLnBrk="1" latinLnBrk="0" hangingPunct="1">
+              <a:lnSpc>
+                <a:spcPct val="90000"/>
+              </a:lnSpc>
+              <a:spcBef>
+                <a:spcPts val="500"/>
+              </a:spcBef>
+              <a:buFont typeface="Arial" panose="020B0604020202020204" pitchFamily="34" charset="0"/>
+              <a:buChar char="•"/>
+              <a:defRPr sz="1800" kern="1200">
+                <a:solidFill>
+                  <a:schemeClr val="tx1"/>
+                </a:solidFill>
+                <a:latin typeface="+mn-lt"/>
+                <a:ea typeface="+mn-ea"/>
+                <a:cs typeface="+mn-cs"/>
+              </a:defRPr>
+            </a:lvl7pPr>
+            <a:lvl8pPr marL="3429000" indent="-228600" algn="l" defTabSz="914400" rtl="0" eaLnBrk="1" latinLnBrk="0" hangingPunct="1">
+              <a:lnSpc>
+                <a:spcPct val="90000"/>
+              </a:lnSpc>
+              <a:spcBef>
+                <a:spcPts val="500"/>
+              </a:spcBef>
+              <a:buFont typeface="Arial" panose="020B0604020202020204" pitchFamily="34" charset="0"/>
+              <a:buChar char="•"/>
+              <a:defRPr sz="1800" kern="1200">
+                <a:solidFill>
+                  <a:schemeClr val="tx1"/>
+                </a:solidFill>
+                <a:latin typeface="+mn-lt"/>
+                <a:ea typeface="+mn-ea"/>
+                <a:cs typeface="+mn-cs"/>
+              </a:defRPr>
+            </a:lvl8pPr>
+            <a:lvl9pPr marL="3886200" indent="-228600" algn="l" defTabSz="914400" rtl="0" eaLnBrk="1" latinLnBrk="0" hangingPunct="1">
+              <a:lnSpc>
+                <a:spcPct val="90000"/>
+              </a:lnSpc>
+              <a:spcBef>
+                <a:spcPts val="500"/>
+              </a:spcBef>
+              <a:buFont typeface="Arial" panose="020B0604020202020204" pitchFamily="34" charset="0"/>
+              <a:buChar char="•"/>
+              <a:defRPr sz="1800" kern="1200">
+                <a:solidFill>
+                  <a:schemeClr val="tx1"/>
+                </a:solidFill>
+                <a:latin typeface="+mn-lt"/>
+                <a:ea typeface="+mn-ea"/>
+                <a:cs typeface="+mn-cs"/>
+              </a:defRPr>
+            </a:lvl9pPr>
+          </a:lstStyle>
+          <a:p>
+            <a:pPr marL="0" indent="0">
+              <a:buFont typeface="Arial" panose="020B0604020202020204" pitchFamily="34" charset="0"/>
+              <a:buNone/>
+            </a:pPr>
+            <a:r>
+              <a:rPr lang="en-US" sz="2000" dirty="0"/>
+              <a:t>Pericyte</a:t>
+            </a:r>
+          </a:p>
+        </p:txBody>
+      </p:sp>
+      <p:sp>
+        <p:nvSpPr>
+          <p:cNvPr id="8" name="Content Placeholder 2">
+            <a:extLst>
+              <a:ext uri="{FF2B5EF4-FFF2-40B4-BE49-F238E27FC236}">
+                <a16:creationId xmlns:a16="http://schemas.microsoft.com/office/drawing/2014/main" id="{8B5E5775-E2E6-45BE-83C2-F0873EE03A57}"/>
+              </a:ext>
+            </a:extLst>
+          </p:cNvPr>
+          <p:cNvSpPr txBox="1">
+            <a:spLocks/>
+          </p:cNvSpPr>
+          <p:nvPr/>
+        </p:nvSpPr>
+        <p:spPr>
+          <a:xfrm>
+            <a:off x="3354421" y="2891765"/>
+            <a:ext cx="1697477" cy="463618"/>
+          </a:xfrm>
+          <a:prstGeom prst="rect">
+            <a:avLst/>
+          </a:prstGeom>
+        </p:spPr>
+        <p:txBody>
+          <a:bodyPr vert="horz" lIns="91440" tIns="45720" rIns="91440" bIns="45720" rtlCol="0">
+            <a:normAutofit/>
+          </a:bodyPr>
+          <a:lstStyle>
+            <a:lvl1pPr marL="228600" indent="-228600" algn="l" defTabSz="914400" rtl="0" eaLnBrk="1" latinLnBrk="0" hangingPunct="1">
+              <a:lnSpc>
+                <a:spcPct val="90000"/>
+              </a:lnSpc>
+              <a:spcBef>
+                <a:spcPts val="1000"/>
+              </a:spcBef>
+              <a:buFont typeface="Arial" panose="020B0604020202020204" pitchFamily="34" charset="0"/>
+              <a:buChar char="•"/>
+              <a:defRPr sz="2800" kern="1200">
+                <a:solidFill>
+                  <a:schemeClr val="tx1"/>
+                </a:solidFill>
+                <a:latin typeface="+mn-lt"/>
+                <a:ea typeface="+mn-ea"/>
+                <a:cs typeface="+mn-cs"/>
+              </a:defRPr>
+            </a:lvl1pPr>
+            <a:lvl2pPr marL="685800" indent="-228600" algn="l" defTabSz="914400" rtl="0" eaLnBrk="1" latinLnBrk="0" hangingPunct="1">
+              <a:lnSpc>
+                <a:spcPct val="90000"/>
+              </a:lnSpc>
+              <a:spcBef>
+                <a:spcPts val="500"/>
+              </a:spcBef>
+              <a:buFont typeface="Arial" panose="020B0604020202020204" pitchFamily="34" charset="0"/>
+              <a:buChar char="•"/>
+              <a:defRPr sz="2400" kern="1200">
+                <a:solidFill>
+                  <a:schemeClr val="tx1"/>
+                </a:solidFill>
+                <a:latin typeface="+mn-lt"/>
+                <a:ea typeface="+mn-ea"/>
+                <a:cs typeface="+mn-cs"/>
+              </a:defRPr>
+            </a:lvl2pPr>
+            <a:lvl3pPr marL="1143000" indent="-228600" algn="l" defTabSz="914400" rtl="0" eaLnBrk="1" latinLnBrk="0" hangingPunct="1">
+              <a:lnSpc>
+                <a:spcPct val="90000"/>
+              </a:lnSpc>
+              <a:spcBef>
+                <a:spcPts val="500"/>
+              </a:spcBef>
+              <a:buFont typeface="Arial" panose="020B0604020202020204" pitchFamily="34" charset="0"/>
+              <a:buChar char="•"/>
+              <a:defRPr sz="2000" kern="1200">
+                <a:solidFill>
+                  <a:schemeClr val="tx1"/>
+                </a:solidFill>
+                <a:latin typeface="+mn-lt"/>
+                <a:ea typeface="+mn-ea"/>
+                <a:cs typeface="+mn-cs"/>
+              </a:defRPr>
+            </a:lvl3pPr>
+            <a:lvl4pPr marL="1600200" indent="-228600" algn="l" defTabSz="914400" rtl="0" eaLnBrk="1" latinLnBrk="0" hangingPunct="1">
+              <a:lnSpc>
+                <a:spcPct val="90000"/>
+              </a:lnSpc>
+              <a:spcBef>
+                <a:spcPts val="500"/>
+              </a:spcBef>
+              <a:buFont typeface="Arial" panose="020B0604020202020204" pitchFamily="34" charset="0"/>
+              <a:buChar char="•"/>
+              <a:defRPr sz="1800" kern="1200">
+                <a:solidFill>
+                  <a:schemeClr val="tx1"/>
+                </a:solidFill>
+                <a:latin typeface="+mn-lt"/>
+                <a:ea typeface="+mn-ea"/>
+                <a:cs typeface="+mn-cs"/>
+              </a:defRPr>
+            </a:lvl4pPr>
+            <a:lvl5pPr marL="2057400" indent="-228600" algn="l" defTabSz="914400" rtl="0" eaLnBrk="1" latinLnBrk="0" hangingPunct="1">
+              <a:lnSpc>
+                <a:spcPct val="90000"/>
+              </a:lnSpc>
+              <a:spcBef>
+                <a:spcPts val="500"/>
+              </a:spcBef>
+              <a:buFont typeface="Arial" panose="020B0604020202020204" pitchFamily="34" charset="0"/>
+              <a:buChar char="•"/>
+              <a:defRPr sz="1800" kern="1200">
+                <a:solidFill>
+                  <a:schemeClr val="tx1"/>
+                </a:solidFill>
+                <a:latin typeface="+mn-lt"/>
+                <a:ea typeface="+mn-ea"/>
+                <a:cs typeface="+mn-cs"/>
+              </a:defRPr>
+            </a:lvl5pPr>
+            <a:lvl6pPr marL="2514600" indent="-228600" algn="l" defTabSz="914400" rtl="0" eaLnBrk="1" latinLnBrk="0" hangingPunct="1">
+              <a:lnSpc>
+                <a:spcPct val="90000"/>
+              </a:lnSpc>
+              <a:spcBef>
+                <a:spcPts val="500"/>
+              </a:spcBef>
+              <a:buFont typeface="Arial" panose="020B0604020202020204" pitchFamily="34" charset="0"/>
+              <a:buChar char="•"/>
+              <a:defRPr sz="1800" kern="1200">
+                <a:solidFill>
+                  <a:schemeClr val="tx1"/>
+                </a:solidFill>
+                <a:latin typeface="+mn-lt"/>
+                <a:ea typeface="+mn-ea"/>
+                <a:cs typeface="+mn-cs"/>
+              </a:defRPr>
+            </a:lvl6pPr>
+            <a:lvl7pPr marL="2971800" indent="-228600" algn="l" defTabSz="914400" rtl="0" eaLnBrk="1" latinLnBrk="0" hangingPunct="1">
+              <a:lnSpc>
+                <a:spcPct val="90000"/>
+              </a:lnSpc>
+              <a:spcBef>
+                <a:spcPts val="500"/>
+              </a:spcBef>
+              <a:buFont typeface="Arial" panose="020B0604020202020204" pitchFamily="34" charset="0"/>
+              <a:buChar char="•"/>
+              <a:defRPr sz="1800" kern="1200">
+                <a:solidFill>
+                  <a:schemeClr val="tx1"/>
+                </a:solidFill>
+                <a:latin typeface="+mn-lt"/>
+                <a:ea typeface="+mn-ea"/>
+                <a:cs typeface="+mn-cs"/>
+              </a:defRPr>
+            </a:lvl7pPr>
+            <a:lvl8pPr marL="3429000" indent="-228600" algn="l" defTabSz="914400" rtl="0" eaLnBrk="1" latinLnBrk="0" hangingPunct="1">
+              <a:lnSpc>
+                <a:spcPct val="90000"/>
+              </a:lnSpc>
+              <a:spcBef>
+                <a:spcPts val="500"/>
+              </a:spcBef>
+              <a:buFont typeface="Arial" panose="020B0604020202020204" pitchFamily="34" charset="0"/>
+              <a:buChar char="•"/>
+              <a:defRPr sz="1800" kern="1200">
+                <a:solidFill>
+                  <a:schemeClr val="tx1"/>
+                </a:solidFill>
+                <a:latin typeface="+mn-lt"/>
+                <a:ea typeface="+mn-ea"/>
+                <a:cs typeface="+mn-cs"/>
+              </a:defRPr>
+            </a:lvl8pPr>
+            <a:lvl9pPr marL="3886200" indent="-228600" algn="l" defTabSz="914400" rtl="0" eaLnBrk="1" latinLnBrk="0" hangingPunct="1">
+              <a:lnSpc>
+                <a:spcPct val="90000"/>
+              </a:lnSpc>
+              <a:spcBef>
+                <a:spcPts val="500"/>
+              </a:spcBef>
+              <a:buFont typeface="Arial" panose="020B0604020202020204" pitchFamily="34" charset="0"/>
+              <a:buChar char="•"/>
+              <a:defRPr sz="1800" kern="1200">
+                <a:solidFill>
+                  <a:schemeClr val="tx1"/>
+                </a:solidFill>
+                <a:latin typeface="+mn-lt"/>
+                <a:ea typeface="+mn-ea"/>
+                <a:cs typeface="+mn-cs"/>
+              </a:defRPr>
+            </a:lvl9pPr>
+          </a:lstStyle>
+          <a:p>
+            <a:pPr marL="0" indent="0">
+              <a:buFont typeface="Arial" panose="020B0604020202020204" pitchFamily="34" charset="0"/>
+              <a:buNone/>
+            </a:pPr>
+            <a:r>
+              <a:rPr lang="en-US" sz="2000" dirty="0"/>
+              <a:t>CAF</a:t>
+            </a:r>
+          </a:p>
+        </p:txBody>
+      </p:sp>
+      <p:pic>
+        <p:nvPicPr>
+          <p:cNvPr id="10" name="Picture 9" descr="A picture containing text, invertebrate, coelenterate&#10;&#10;Description automatically generated">
+            <a:extLst>
+              <a:ext uri="{FF2B5EF4-FFF2-40B4-BE49-F238E27FC236}">
+                <a16:creationId xmlns:a16="http://schemas.microsoft.com/office/drawing/2014/main" id="{42F7E8D3-E1C1-4C60-BBAC-5CB16BE6E51A}"/>
+              </a:ext>
+            </a:extLst>
+          </p:cNvPr>
+          <p:cNvPicPr>
+            <a:picLocks noChangeAspect="1"/>
+          </p:cNvPicPr>
+          <p:nvPr/>
+        </p:nvPicPr>
+        <p:blipFill>
+          <a:blip r:embed="rId3">
+            <a:extLst>
+              <a:ext uri="{28A0092B-C50C-407E-A947-70E740481C1C}">
+                <a14:useLocalDpi xmlns:a14="http://schemas.microsoft.com/office/drawing/2010/main" val="0"/>
+              </a:ext>
+            </a:extLst>
+          </a:blip>
+          <a:stretch>
+            <a:fillRect/>
+          </a:stretch>
+        </p:blipFill>
+        <p:spPr>
+          <a:xfrm>
+            <a:off x="8087845" y="2409200"/>
+            <a:ext cx="3955913" cy="2618383"/>
+          </a:xfrm>
+          <a:prstGeom prst="rect">
+            <a:avLst/>
+          </a:prstGeom>
+        </p:spPr>
+      </p:pic>
+    </p:spTree>
+    <p:extLst>
+      <p:ext uri="{BB962C8B-B14F-4D97-AF65-F5344CB8AC3E}">
+        <p14:creationId xmlns:p14="http://schemas.microsoft.com/office/powerpoint/2010/main" val="1256135384"/>
+      </p:ext>
+    </p:extLst>
+  </p:cSld>
+  <p:clrMapOvr>
+    <a:masterClrMapping/>
+  </p:clrMapOvr>
+</p:sld>
+</file>
+
+<file path=ppt/slides/slide9.xml><?xml version="1.0" encoding="utf-8"?>
+<p:sld xmlns:a="http://schemas.openxmlformats.org/drawingml/2006/main" xmlns:r="http://schemas.openxmlformats.org/officeDocument/2006/relationships" xmlns:p="http://schemas.openxmlformats.org/presentationml/2006/main">
+  <p:cSld>
+    <p:spTree>
+      <p:nvGrpSpPr>
+        <p:cNvPr id="1" name=""/>
+        <p:cNvGrpSpPr/>
+        <p:nvPr/>
+      </p:nvGrpSpPr>
+      <p:grpSpPr>
+        <a:xfrm>
+          <a:off x="0" y="0"/>
+          <a:ext cx="0" cy="0"/>
+          <a:chOff x="0" y="0"/>
+          <a:chExt cx="0" cy="0"/>
+        </a:xfrm>
+      </p:grpSpPr>
+      <p:sp>
+        <p:nvSpPr>
+          <p:cNvPr id="2" name="Title 1">
+            <a:extLst>
+              <a:ext uri="{FF2B5EF4-FFF2-40B4-BE49-F238E27FC236}">
+                <a16:creationId xmlns:a16="http://schemas.microsoft.com/office/drawing/2014/main" id="{3E23D25D-ED1E-446E-A5F6-20FC4A61E36B}"/>
+              </a:ext>
+            </a:extLst>
+          </p:cNvPr>
+          <p:cNvSpPr>
+            <a:spLocks noGrp="1"/>
+          </p:cNvSpPr>
+          <p:nvPr>
+            <p:ph type="title"/>
+          </p:nvPr>
+        </p:nvSpPr>
+        <p:spPr/>
+        <p:txBody>
+          <a:bodyPr/>
+          <a:lstStyle/>
+          <a:p>
+            <a:endParaRPr lang="en-US" dirty="0"/>
+          </a:p>
+        </p:txBody>
+      </p:sp>
+      <p:pic>
+        <p:nvPicPr>
+          <p:cNvPr id="5" name="Content Placeholder 4" descr="Chart, scatter chart&#10;&#10;Description automatically generated">
+            <a:extLst>
+              <a:ext uri="{FF2B5EF4-FFF2-40B4-BE49-F238E27FC236}">
+                <a16:creationId xmlns:a16="http://schemas.microsoft.com/office/drawing/2014/main" id="{7106DA42-CAC6-4FEB-BF81-49ECE095C6C4}"/>
+              </a:ext>
+            </a:extLst>
+          </p:cNvPr>
+          <p:cNvPicPr>
+            <a:picLocks noGrp="1" noChangeAspect="1"/>
+          </p:cNvPicPr>
+          <p:nvPr>
+            <p:ph idx="1"/>
+          </p:nvPr>
+        </p:nvPicPr>
+        <p:blipFill>
+          <a:blip r:embed="rId2">
+            <a:extLst>
+              <a:ext uri="{28A0092B-C50C-407E-A947-70E740481C1C}">
+                <a14:useLocalDpi xmlns:a14="http://schemas.microsoft.com/office/drawing/2010/main" val="0"/>
+              </a:ext>
+            </a:extLst>
+          </a:blip>
+          <a:stretch>
+            <a:fillRect/>
+          </a:stretch>
+        </p:blipFill>
+        <p:spPr>
+          <a:xfrm>
+            <a:off x="0" y="2026663"/>
+            <a:ext cx="7762672" cy="3924946"/>
+          </a:xfrm>
+        </p:spPr>
+      </p:pic>
+      <p:pic>
+        <p:nvPicPr>
+          <p:cNvPr id="7" name="Picture 6" descr="A picture containing text&#10;&#10;Description automatically generated">
+            <a:extLst>
+              <a:ext uri="{FF2B5EF4-FFF2-40B4-BE49-F238E27FC236}">
+                <a16:creationId xmlns:a16="http://schemas.microsoft.com/office/drawing/2014/main" id="{C9DC3B2B-F018-4FC7-A774-AF7AAAFB47D5}"/>
+              </a:ext>
+            </a:extLst>
+          </p:cNvPr>
+          <p:cNvPicPr>
+            <a:picLocks noChangeAspect="1"/>
+          </p:cNvPicPr>
+          <p:nvPr/>
+        </p:nvPicPr>
+        <p:blipFill>
+          <a:blip r:embed="rId3">
+            <a:extLst>
+              <a:ext uri="{28A0092B-C50C-407E-A947-70E740481C1C}">
+                <a14:useLocalDpi xmlns:a14="http://schemas.microsoft.com/office/drawing/2010/main" val="0"/>
+              </a:ext>
+            </a:extLst>
+          </a:blip>
+          <a:stretch>
+            <a:fillRect/>
+          </a:stretch>
+        </p:blipFill>
+        <p:spPr>
+          <a:xfrm>
+            <a:off x="7760254" y="2442230"/>
+            <a:ext cx="4431746" cy="2933333"/>
+          </a:xfrm>
+          <a:prstGeom prst="rect">
+            <a:avLst/>
+          </a:prstGeom>
+        </p:spPr>
+      </p:pic>
+      <p:sp>
+        <p:nvSpPr>
+          <p:cNvPr id="8" name="Content Placeholder 2">
+            <a:extLst>
+              <a:ext uri="{FF2B5EF4-FFF2-40B4-BE49-F238E27FC236}">
+                <a16:creationId xmlns:a16="http://schemas.microsoft.com/office/drawing/2014/main" id="{E4196542-7F2D-408B-B8AE-A4811F3B406E}"/>
+              </a:ext>
+            </a:extLst>
+          </p:cNvPr>
+          <p:cNvSpPr txBox="1">
+            <a:spLocks/>
+          </p:cNvSpPr>
+          <p:nvPr/>
+        </p:nvSpPr>
+        <p:spPr>
+          <a:xfrm>
+            <a:off x="6017381" y="3677087"/>
+            <a:ext cx="1697477" cy="463618"/>
+          </a:xfrm>
+          <a:prstGeom prst="rect">
+            <a:avLst/>
+          </a:prstGeom>
+        </p:spPr>
+        <p:txBody>
+          <a:bodyPr vert="horz" lIns="91440" tIns="45720" rIns="91440" bIns="45720" rtlCol="0">
+            <a:normAutofit/>
+          </a:bodyPr>
+          <a:lstStyle>
+            <a:lvl1pPr marL="228600" indent="-228600" algn="l" defTabSz="914400" rtl="0" eaLnBrk="1" latinLnBrk="0" hangingPunct="1">
+              <a:lnSpc>
+                <a:spcPct val="90000"/>
+              </a:lnSpc>
+              <a:spcBef>
+                <a:spcPts val="1000"/>
+              </a:spcBef>
+              <a:buFont typeface="Arial" panose="020B0604020202020204" pitchFamily="34" charset="0"/>
+              <a:buChar char="•"/>
+              <a:defRPr sz="2800" kern="1200">
+                <a:solidFill>
+                  <a:schemeClr val="tx1"/>
+                </a:solidFill>
+                <a:latin typeface="+mn-lt"/>
+                <a:ea typeface="+mn-ea"/>
+                <a:cs typeface="+mn-cs"/>
+              </a:defRPr>
+            </a:lvl1pPr>
+            <a:lvl2pPr marL="685800" indent="-228600" algn="l" defTabSz="914400" rtl="0" eaLnBrk="1" latinLnBrk="0" hangingPunct="1">
+              <a:lnSpc>
+                <a:spcPct val="90000"/>
+              </a:lnSpc>
+              <a:spcBef>
+                <a:spcPts val="500"/>
+              </a:spcBef>
+              <a:buFont typeface="Arial" panose="020B0604020202020204" pitchFamily="34" charset="0"/>
+              <a:buChar char="•"/>
+              <a:defRPr sz="2400" kern="1200">
+                <a:solidFill>
+                  <a:schemeClr val="tx1"/>
+                </a:solidFill>
+                <a:latin typeface="+mn-lt"/>
+                <a:ea typeface="+mn-ea"/>
+                <a:cs typeface="+mn-cs"/>
+              </a:defRPr>
+            </a:lvl2pPr>
+            <a:lvl3pPr marL="1143000" indent="-228600" algn="l" defTabSz="914400" rtl="0" eaLnBrk="1" latinLnBrk="0" hangingPunct="1">
+              <a:lnSpc>
+                <a:spcPct val="90000"/>
+              </a:lnSpc>
+              <a:spcBef>
+                <a:spcPts val="500"/>
+              </a:spcBef>
+              <a:buFont typeface="Arial" panose="020B0604020202020204" pitchFamily="34" charset="0"/>
+              <a:buChar char="•"/>
+              <a:defRPr sz="2000" kern="1200">
+                <a:solidFill>
+                  <a:schemeClr val="tx1"/>
+                </a:solidFill>
+                <a:latin typeface="+mn-lt"/>
+                <a:ea typeface="+mn-ea"/>
+                <a:cs typeface="+mn-cs"/>
+              </a:defRPr>
+            </a:lvl3pPr>
+            <a:lvl4pPr marL="1600200" indent="-228600" algn="l" defTabSz="914400" rtl="0" eaLnBrk="1" latinLnBrk="0" hangingPunct="1">
+              <a:lnSpc>
+                <a:spcPct val="90000"/>
+              </a:lnSpc>
+              <a:spcBef>
+                <a:spcPts val="500"/>
+              </a:spcBef>
+              <a:buFont typeface="Arial" panose="020B0604020202020204" pitchFamily="34" charset="0"/>
+              <a:buChar char="•"/>
+              <a:defRPr sz="1800" kern="1200">
+                <a:solidFill>
+                  <a:schemeClr val="tx1"/>
+                </a:solidFill>
+                <a:latin typeface="+mn-lt"/>
+                <a:ea typeface="+mn-ea"/>
+                <a:cs typeface="+mn-cs"/>
+              </a:defRPr>
+            </a:lvl4pPr>
+            <a:lvl5pPr marL="2057400" indent="-228600" algn="l" defTabSz="914400" rtl="0" eaLnBrk="1" latinLnBrk="0" hangingPunct="1">
+              <a:lnSpc>
+                <a:spcPct val="90000"/>
+              </a:lnSpc>
+              <a:spcBef>
+                <a:spcPts val="500"/>
+              </a:spcBef>
+              <a:buFont typeface="Arial" panose="020B0604020202020204" pitchFamily="34" charset="0"/>
+              <a:buChar char="•"/>
+              <a:defRPr sz="1800" kern="1200">
+                <a:solidFill>
+                  <a:schemeClr val="tx1"/>
+                </a:solidFill>
+                <a:latin typeface="+mn-lt"/>
+                <a:ea typeface="+mn-ea"/>
+                <a:cs typeface="+mn-cs"/>
+              </a:defRPr>
+            </a:lvl5pPr>
+            <a:lvl6pPr marL="2514600" indent="-228600" algn="l" defTabSz="914400" rtl="0" eaLnBrk="1" latinLnBrk="0" hangingPunct="1">
+              <a:lnSpc>
+                <a:spcPct val="90000"/>
+              </a:lnSpc>
+              <a:spcBef>
+                <a:spcPts val="500"/>
+              </a:spcBef>
+              <a:buFont typeface="Arial" panose="020B0604020202020204" pitchFamily="34" charset="0"/>
+              <a:buChar char="•"/>
+              <a:defRPr sz="1800" kern="1200">
+                <a:solidFill>
+                  <a:schemeClr val="tx1"/>
+                </a:solidFill>
+                <a:latin typeface="+mn-lt"/>
+                <a:ea typeface="+mn-ea"/>
+                <a:cs typeface="+mn-cs"/>
+              </a:defRPr>
+            </a:lvl6pPr>
+            <a:lvl7pPr marL="2971800" indent="-228600" algn="l" defTabSz="914400" rtl="0" eaLnBrk="1" latinLnBrk="0" hangingPunct="1">
+              <a:lnSpc>
+                <a:spcPct val="90000"/>
+              </a:lnSpc>
+              <a:spcBef>
+                <a:spcPts val="500"/>
+              </a:spcBef>
+              <a:buFont typeface="Arial" panose="020B0604020202020204" pitchFamily="34" charset="0"/>
+              <a:buChar char="•"/>
+              <a:defRPr sz="1800" kern="1200">
+                <a:solidFill>
+                  <a:schemeClr val="tx1"/>
+                </a:solidFill>
+                <a:latin typeface="+mn-lt"/>
+                <a:ea typeface="+mn-ea"/>
+                <a:cs typeface="+mn-cs"/>
+              </a:defRPr>
+            </a:lvl7pPr>
+            <a:lvl8pPr marL="3429000" indent="-228600" algn="l" defTabSz="914400" rtl="0" eaLnBrk="1" latinLnBrk="0" hangingPunct="1">
+              <a:lnSpc>
+                <a:spcPct val="90000"/>
+              </a:lnSpc>
+              <a:spcBef>
+                <a:spcPts val="500"/>
+              </a:spcBef>
+              <a:buFont typeface="Arial" panose="020B0604020202020204" pitchFamily="34" charset="0"/>
+              <a:buChar char="•"/>
+              <a:defRPr sz="1800" kern="1200">
+                <a:solidFill>
+                  <a:schemeClr val="tx1"/>
+                </a:solidFill>
+                <a:latin typeface="+mn-lt"/>
+                <a:ea typeface="+mn-ea"/>
+                <a:cs typeface="+mn-cs"/>
+              </a:defRPr>
+            </a:lvl8pPr>
+            <a:lvl9pPr marL="3886200" indent="-228600" algn="l" defTabSz="914400" rtl="0" eaLnBrk="1" latinLnBrk="0" hangingPunct="1">
+              <a:lnSpc>
+                <a:spcPct val="90000"/>
+              </a:lnSpc>
+              <a:spcBef>
+                <a:spcPts val="500"/>
+              </a:spcBef>
+              <a:buFont typeface="Arial" panose="020B0604020202020204" pitchFamily="34" charset="0"/>
+              <a:buChar char="•"/>
+              <a:defRPr sz="1800" kern="1200">
+                <a:solidFill>
+                  <a:schemeClr val="tx1"/>
+                </a:solidFill>
+                <a:latin typeface="+mn-lt"/>
+                <a:ea typeface="+mn-ea"/>
+                <a:cs typeface="+mn-cs"/>
+              </a:defRPr>
+            </a:lvl9pPr>
+          </a:lstStyle>
+          <a:p>
+            <a:pPr marL="0" indent="0">
+              <a:buFont typeface="Arial" panose="020B0604020202020204" pitchFamily="34" charset="0"/>
+              <a:buNone/>
+            </a:pPr>
+            <a:r>
+              <a:rPr lang="en-US" sz="1600" dirty="0"/>
+              <a:t>Macrophage</a:t>
+            </a:r>
+          </a:p>
+        </p:txBody>
+      </p:sp>
+      <p:sp>
+        <p:nvSpPr>
+          <p:cNvPr id="9" name="Content Placeholder 2">
+            <a:extLst>
+              <a:ext uri="{FF2B5EF4-FFF2-40B4-BE49-F238E27FC236}">
+                <a16:creationId xmlns:a16="http://schemas.microsoft.com/office/drawing/2014/main" id="{088A7CA0-B11D-4781-A411-2A5D2C325CE1}"/>
+              </a:ext>
+            </a:extLst>
+          </p:cNvPr>
+          <p:cNvSpPr txBox="1">
+            <a:spLocks/>
+          </p:cNvSpPr>
+          <p:nvPr/>
+        </p:nvSpPr>
+        <p:spPr>
+          <a:xfrm>
+            <a:off x="5676913" y="4244871"/>
+            <a:ext cx="1697477" cy="463618"/>
+          </a:xfrm>
+          <a:prstGeom prst="rect">
+            <a:avLst/>
+          </a:prstGeom>
+        </p:spPr>
+        <p:txBody>
+          <a:bodyPr vert="horz" lIns="91440" tIns="45720" rIns="91440" bIns="45720" rtlCol="0">
+            <a:normAutofit/>
+          </a:bodyPr>
+          <a:lstStyle>
+            <a:lvl1pPr marL="228600" indent="-228600" algn="l" defTabSz="914400" rtl="0" eaLnBrk="1" latinLnBrk="0" hangingPunct="1">
+              <a:lnSpc>
+                <a:spcPct val="90000"/>
+              </a:lnSpc>
+              <a:spcBef>
+                <a:spcPts val="1000"/>
+              </a:spcBef>
+              <a:buFont typeface="Arial" panose="020B0604020202020204" pitchFamily="34" charset="0"/>
+              <a:buChar char="•"/>
+              <a:defRPr sz="2800" kern="1200">
+                <a:solidFill>
+                  <a:schemeClr val="tx1"/>
+                </a:solidFill>
+                <a:latin typeface="+mn-lt"/>
+                <a:ea typeface="+mn-ea"/>
+                <a:cs typeface="+mn-cs"/>
+              </a:defRPr>
+            </a:lvl1pPr>
+            <a:lvl2pPr marL="685800" indent="-228600" algn="l" defTabSz="914400" rtl="0" eaLnBrk="1" latinLnBrk="0" hangingPunct="1">
+              <a:lnSpc>
+                <a:spcPct val="90000"/>
+              </a:lnSpc>
+              <a:spcBef>
+                <a:spcPts val="500"/>
+              </a:spcBef>
+              <a:buFont typeface="Arial" panose="020B0604020202020204" pitchFamily="34" charset="0"/>
+              <a:buChar char="•"/>
+              <a:defRPr sz="2400" kern="1200">
+                <a:solidFill>
+                  <a:schemeClr val="tx1"/>
+                </a:solidFill>
+                <a:latin typeface="+mn-lt"/>
+                <a:ea typeface="+mn-ea"/>
+                <a:cs typeface="+mn-cs"/>
+              </a:defRPr>
+            </a:lvl2pPr>
+            <a:lvl3pPr marL="1143000" indent="-228600" algn="l" defTabSz="914400" rtl="0" eaLnBrk="1" latinLnBrk="0" hangingPunct="1">
+              <a:lnSpc>
+                <a:spcPct val="90000"/>
+              </a:lnSpc>
+              <a:spcBef>
+                <a:spcPts val="500"/>
+              </a:spcBef>
+              <a:buFont typeface="Arial" panose="020B0604020202020204" pitchFamily="34" charset="0"/>
+              <a:buChar char="•"/>
+              <a:defRPr sz="2000" kern="1200">
+                <a:solidFill>
+                  <a:schemeClr val="tx1"/>
+                </a:solidFill>
+                <a:latin typeface="+mn-lt"/>
+                <a:ea typeface="+mn-ea"/>
+                <a:cs typeface="+mn-cs"/>
+              </a:defRPr>
+            </a:lvl3pPr>
+            <a:lvl4pPr marL="1600200" indent="-228600" algn="l" defTabSz="914400" rtl="0" eaLnBrk="1" latinLnBrk="0" hangingPunct="1">
+              <a:lnSpc>
+                <a:spcPct val="90000"/>
+              </a:lnSpc>
+              <a:spcBef>
+                <a:spcPts val="500"/>
+              </a:spcBef>
+              <a:buFont typeface="Arial" panose="020B0604020202020204" pitchFamily="34" charset="0"/>
+              <a:buChar char="•"/>
+              <a:defRPr sz="1800" kern="1200">
+                <a:solidFill>
+                  <a:schemeClr val="tx1"/>
+                </a:solidFill>
+                <a:latin typeface="+mn-lt"/>
+                <a:ea typeface="+mn-ea"/>
+                <a:cs typeface="+mn-cs"/>
+              </a:defRPr>
+            </a:lvl4pPr>
+            <a:lvl5pPr marL="2057400" indent="-228600" algn="l" defTabSz="914400" rtl="0" eaLnBrk="1" latinLnBrk="0" hangingPunct="1">
+              <a:lnSpc>
+                <a:spcPct val="90000"/>
+              </a:lnSpc>
+              <a:spcBef>
+                <a:spcPts val="500"/>
+              </a:spcBef>
+              <a:buFont typeface="Arial" panose="020B0604020202020204" pitchFamily="34" charset="0"/>
+              <a:buChar char="•"/>
+              <a:defRPr sz="1800" kern="1200">
+                <a:solidFill>
+                  <a:schemeClr val="tx1"/>
+                </a:solidFill>
+                <a:latin typeface="+mn-lt"/>
+                <a:ea typeface="+mn-ea"/>
+                <a:cs typeface="+mn-cs"/>
+              </a:defRPr>
+            </a:lvl5pPr>
+            <a:lvl6pPr marL="2514600" indent="-228600" algn="l" defTabSz="914400" rtl="0" eaLnBrk="1" latinLnBrk="0" hangingPunct="1">
+              <a:lnSpc>
+                <a:spcPct val="90000"/>
+              </a:lnSpc>
+              <a:spcBef>
+                <a:spcPts val="500"/>
+              </a:spcBef>
+              <a:buFont typeface="Arial" panose="020B0604020202020204" pitchFamily="34" charset="0"/>
+              <a:buChar char="•"/>
+              <a:defRPr sz="1800" kern="1200">
+                <a:solidFill>
+                  <a:schemeClr val="tx1"/>
+                </a:solidFill>
+                <a:latin typeface="+mn-lt"/>
+                <a:ea typeface="+mn-ea"/>
+                <a:cs typeface="+mn-cs"/>
+              </a:defRPr>
+            </a:lvl6pPr>
+            <a:lvl7pPr marL="2971800" indent="-228600" algn="l" defTabSz="914400" rtl="0" eaLnBrk="1" latinLnBrk="0" hangingPunct="1">
+              <a:lnSpc>
+                <a:spcPct val="90000"/>
+              </a:lnSpc>
+              <a:spcBef>
+                <a:spcPts val="500"/>
+              </a:spcBef>
+              <a:buFont typeface="Arial" panose="020B0604020202020204" pitchFamily="34" charset="0"/>
+              <a:buChar char="•"/>
+              <a:defRPr sz="1800" kern="1200">
+                <a:solidFill>
+                  <a:schemeClr val="tx1"/>
+                </a:solidFill>
+                <a:latin typeface="+mn-lt"/>
+                <a:ea typeface="+mn-ea"/>
+                <a:cs typeface="+mn-cs"/>
+              </a:defRPr>
+            </a:lvl7pPr>
+            <a:lvl8pPr marL="3429000" indent="-228600" algn="l" defTabSz="914400" rtl="0" eaLnBrk="1" latinLnBrk="0" hangingPunct="1">
+              <a:lnSpc>
+                <a:spcPct val="90000"/>
+              </a:lnSpc>
+              <a:spcBef>
+                <a:spcPts val="500"/>
+              </a:spcBef>
+              <a:buFont typeface="Arial" panose="020B0604020202020204" pitchFamily="34" charset="0"/>
+              <a:buChar char="•"/>
+              <a:defRPr sz="1800" kern="1200">
+                <a:solidFill>
+                  <a:schemeClr val="tx1"/>
+                </a:solidFill>
+                <a:latin typeface="+mn-lt"/>
+                <a:ea typeface="+mn-ea"/>
+                <a:cs typeface="+mn-cs"/>
+              </a:defRPr>
+            </a:lvl8pPr>
+            <a:lvl9pPr marL="3886200" indent="-228600" algn="l" defTabSz="914400" rtl="0" eaLnBrk="1" latinLnBrk="0" hangingPunct="1">
+              <a:lnSpc>
+                <a:spcPct val="90000"/>
+              </a:lnSpc>
+              <a:spcBef>
+                <a:spcPts val="500"/>
+              </a:spcBef>
+              <a:buFont typeface="Arial" panose="020B0604020202020204" pitchFamily="34" charset="0"/>
+              <a:buChar char="•"/>
+              <a:defRPr sz="1800" kern="1200">
+                <a:solidFill>
+                  <a:schemeClr val="tx1"/>
+                </a:solidFill>
+                <a:latin typeface="+mn-lt"/>
+                <a:ea typeface="+mn-ea"/>
+                <a:cs typeface="+mn-cs"/>
+              </a:defRPr>
+            </a:lvl9pPr>
+          </a:lstStyle>
+          <a:p>
+            <a:pPr marL="0" indent="0">
+              <a:buFont typeface="Arial" panose="020B0604020202020204" pitchFamily="34" charset="0"/>
+              <a:buNone/>
+            </a:pPr>
+            <a:r>
+              <a:rPr lang="en-US" sz="1600" dirty="0"/>
+              <a:t>Monocyte</a:t>
+            </a:r>
+          </a:p>
+        </p:txBody>
+      </p:sp>
+      <p:sp>
+        <p:nvSpPr>
+          <p:cNvPr id="10" name="Content Placeholder 2">
+            <a:extLst>
+              <a:ext uri="{FF2B5EF4-FFF2-40B4-BE49-F238E27FC236}">
+                <a16:creationId xmlns:a16="http://schemas.microsoft.com/office/drawing/2014/main" id="{C2D1D4F4-6192-4234-A110-45D802EF162D}"/>
+              </a:ext>
+            </a:extLst>
+          </p:cNvPr>
+          <p:cNvSpPr txBox="1">
+            <a:spLocks/>
+          </p:cNvSpPr>
+          <p:nvPr/>
+        </p:nvSpPr>
+        <p:spPr>
+          <a:xfrm>
+            <a:off x="4431747" y="4974446"/>
+            <a:ext cx="1697477" cy="463618"/>
+          </a:xfrm>
+          <a:prstGeom prst="rect">
+            <a:avLst/>
+          </a:prstGeom>
+        </p:spPr>
+        <p:txBody>
+          <a:bodyPr vert="horz" lIns="91440" tIns="45720" rIns="91440" bIns="45720" rtlCol="0">
+            <a:normAutofit/>
+          </a:bodyPr>
+          <a:lstStyle>
+            <a:lvl1pPr marL="228600" indent="-228600" algn="l" defTabSz="914400" rtl="0" eaLnBrk="1" latinLnBrk="0" hangingPunct="1">
+              <a:lnSpc>
+                <a:spcPct val="90000"/>
+              </a:lnSpc>
+              <a:spcBef>
+                <a:spcPts val="1000"/>
+              </a:spcBef>
+              <a:buFont typeface="Arial" panose="020B0604020202020204" pitchFamily="34" charset="0"/>
+              <a:buChar char="•"/>
+              <a:defRPr sz="2800" kern="1200">
+                <a:solidFill>
+                  <a:schemeClr val="tx1"/>
+                </a:solidFill>
+                <a:latin typeface="+mn-lt"/>
+                <a:ea typeface="+mn-ea"/>
+                <a:cs typeface="+mn-cs"/>
+              </a:defRPr>
+            </a:lvl1pPr>
+            <a:lvl2pPr marL="685800" indent="-228600" algn="l" defTabSz="914400" rtl="0" eaLnBrk="1" latinLnBrk="0" hangingPunct="1">
+              <a:lnSpc>
+                <a:spcPct val="90000"/>
+              </a:lnSpc>
+              <a:spcBef>
+                <a:spcPts val="500"/>
+              </a:spcBef>
+              <a:buFont typeface="Arial" panose="020B0604020202020204" pitchFamily="34" charset="0"/>
+              <a:buChar char="•"/>
+              <a:defRPr sz="2400" kern="1200">
+                <a:solidFill>
+                  <a:schemeClr val="tx1"/>
+                </a:solidFill>
+                <a:latin typeface="+mn-lt"/>
+                <a:ea typeface="+mn-ea"/>
+                <a:cs typeface="+mn-cs"/>
+              </a:defRPr>
+            </a:lvl2pPr>
+            <a:lvl3pPr marL="1143000" indent="-228600" algn="l" defTabSz="914400" rtl="0" eaLnBrk="1" latinLnBrk="0" hangingPunct="1">
+              <a:lnSpc>
+                <a:spcPct val="90000"/>
+              </a:lnSpc>
+              <a:spcBef>
+                <a:spcPts val="500"/>
+              </a:spcBef>
+              <a:buFont typeface="Arial" panose="020B0604020202020204" pitchFamily="34" charset="0"/>
+              <a:buChar char="•"/>
+              <a:defRPr sz="2000" kern="1200">
+                <a:solidFill>
+                  <a:schemeClr val="tx1"/>
+                </a:solidFill>
+                <a:latin typeface="+mn-lt"/>
+                <a:ea typeface="+mn-ea"/>
+                <a:cs typeface="+mn-cs"/>
+              </a:defRPr>
+            </a:lvl3pPr>
+            <a:lvl4pPr marL="1600200" indent="-228600" algn="l" defTabSz="914400" rtl="0" eaLnBrk="1" latinLnBrk="0" hangingPunct="1">
+              <a:lnSpc>
+                <a:spcPct val="90000"/>
+              </a:lnSpc>
+              <a:spcBef>
+                <a:spcPts val="500"/>
+              </a:spcBef>
+              <a:buFont typeface="Arial" panose="020B0604020202020204" pitchFamily="34" charset="0"/>
+              <a:buChar char="•"/>
+              <a:defRPr sz="1800" kern="1200">
+                <a:solidFill>
+                  <a:schemeClr val="tx1"/>
+                </a:solidFill>
+                <a:latin typeface="+mn-lt"/>
+                <a:ea typeface="+mn-ea"/>
+                <a:cs typeface="+mn-cs"/>
+              </a:defRPr>
+            </a:lvl4pPr>
+            <a:lvl5pPr marL="2057400" indent="-228600" algn="l" defTabSz="914400" rtl="0" eaLnBrk="1" latinLnBrk="0" hangingPunct="1">
+              <a:lnSpc>
+                <a:spcPct val="90000"/>
+              </a:lnSpc>
+              <a:spcBef>
+                <a:spcPts val="500"/>
+              </a:spcBef>
+              <a:buFont typeface="Arial" panose="020B0604020202020204" pitchFamily="34" charset="0"/>
+              <a:buChar char="•"/>
+              <a:defRPr sz="1800" kern="1200">
+                <a:solidFill>
+                  <a:schemeClr val="tx1"/>
+                </a:solidFill>
+                <a:latin typeface="+mn-lt"/>
+                <a:ea typeface="+mn-ea"/>
+                <a:cs typeface="+mn-cs"/>
+              </a:defRPr>
+            </a:lvl5pPr>
+            <a:lvl6pPr marL="2514600" indent="-228600" algn="l" defTabSz="914400" rtl="0" eaLnBrk="1" latinLnBrk="0" hangingPunct="1">
+              <a:lnSpc>
+                <a:spcPct val="90000"/>
+              </a:lnSpc>
+              <a:spcBef>
+                <a:spcPts val="500"/>
+              </a:spcBef>
+              <a:buFont typeface="Arial" panose="020B0604020202020204" pitchFamily="34" charset="0"/>
+              <a:buChar char="•"/>
+              <a:defRPr sz="1800" kern="1200">
+                <a:solidFill>
+                  <a:schemeClr val="tx1"/>
+                </a:solidFill>
+                <a:latin typeface="+mn-lt"/>
+                <a:ea typeface="+mn-ea"/>
+                <a:cs typeface="+mn-cs"/>
+              </a:defRPr>
+            </a:lvl6pPr>
+            <a:lvl7pPr marL="2971800" indent="-228600" algn="l" defTabSz="914400" rtl="0" eaLnBrk="1" latinLnBrk="0" hangingPunct="1">
+              <a:lnSpc>
+                <a:spcPct val="90000"/>
+              </a:lnSpc>
+              <a:spcBef>
+                <a:spcPts val="500"/>
+              </a:spcBef>
+              <a:buFont typeface="Arial" panose="020B0604020202020204" pitchFamily="34" charset="0"/>
+              <a:buChar char="•"/>
+              <a:defRPr sz="1800" kern="1200">
+                <a:solidFill>
+                  <a:schemeClr val="tx1"/>
+                </a:solidFill>
+                <a:latin typeface="+mn-lt"/>
+                <a:ea typeface="+mn-ea"/>
+                <a:cs typeface="+mn-cs"/>
+              </a:defRPr>
+            </a:lvl7pPr>
+            <a:lvl8pPr marL="3429000" indent="-228600" algn="l" defTabSz="914400" rtl="0" eaLnBrk="1" latinLnBrk="0" hangingPunct="1">
+              <a:lnSpc>
+                <a:spcPct val="90000"/>
+              </a:lnSpc>
+              <a:spcBef>
+                <a:spcPts val="500"/>
+              </a:spcBef>
+              <a:buFont typeface="Arial" panose="020B0604020202020204" pitchFamily="34" charset="0"/>
+              <a:buChar char="•"/>
+              <a:defRPr sz="1800" kern="1200">
+                <a:solidFill>
+                  <a:schemeClr val="tx1"/>
+                </a:solidFill>
+                <a:latin typeface="+mn-lt"/>
+                <a:ea typeface="+mn-ea"/>
+                <a:cs typeface="+mn-cs"/>
+              </a:defRPr>
+            </a:lvl8pPr>
+            <a:lvl9pPr marL="3886200" indent="-228600" algn="l" defTabSz="914400" rtl="0" eaLnBrk="1" latinLnBrk="0" hangingPunct="1">
+              <a:lnSpc>
+                <a:spcPct val="90000"/>
+              </a:lnSpc>
+              <a:spcBef>
+                <a:spcPts val="500"/>
+              </a:spcBef>
+              <a:buFont typeface="Arial" panose="020B0604020202020204" pitchFamily="34" charset="0"/>
+              <a:buChar char="•"/>
+              <a:defRPr sz="1800" kern="1200">
+                <a:solidFill>
+                  <a:schemeClr val="tx1"/>
+                </a:solidFill>
+                <a:latin typeface="+mn-lt"/>
+                <a:ea typeface="+mn-ea"/>
+                <a:cs typeface="+mn-cs"/>
+              </a:defRPr>
+            </a:lvl9pPr>
+          </a:lstStyle>
+          <a:p>
+            <a:pPr marL="0" indent="0">
+              <a:buFont typeface="Arial" panose="020B0604020202020204" pitchFamily="34" charset="0"/>
+              <a:buNone/>
+            </a:pPr>
+            <a:r>
+              <a:rPr lang="en-US" sz="1600" dirty="0" err="1"/>
+              <a:t>Gaint</a:t>
+            </a:r>
+            <a:r>
+              <a:rPr lang="en-US" sz="1600" dirty="0"/>
+              <a:t> cells</a:t>
+            </a:r>
+          </a:p>
+        </p:txBody>
+      </p:sp>
+    </p:spTree>
+    <p:extLst>
+      <p:ext uri="{BB962C8B-B14F-4D97-AF65-F5344CB8AC3E}">
+        <p14:creationId xmlns:p14="http://schemas.microsoft.com/office/powerpoint/2010/main" val="1878138344"/>
       </p:ext>
     </p:extLst>
   </p:cSld>
